--- a/stamp-session-id-rev1.pptx
+++ b/stamp-session-id-rev1.pptx
@@ -1832,7 +1832,7 @@
               </a14:hiddenLine>
             </a:ext>
             <a:ext uri="{FAA26D3D-D897-4be2-8F04-BA451C77F1D7}">
-              <ma14:placeholderFlag xmlns:ma14="http://schemas.microsoft.com/office/mac/drawingml/2011/main" xmlns="" val="1"/>
+              <ma14:placeholderFlag xmlns="" xmlns:ma14="http://schemas.microsoft.com/office/mac/drawingml/2011/main" val="1"/>
             </a:ext>
           </a:extLst>
         </p:spPr>
@@ -4603,7 +4603,7 @@
         <p:spPr>
           <a:xfrm>
             <a:off x="685800" y="3943350"/>
-            <a:ext cx="5257800" cy="369332"/>
+            <a:ext cx="5867400" cy="701731"/>
           </a:xfrm>
           <a:prstGeom prst="rect">
             <a:avLst/>
@@ -4626,7 +4626,7 @@
                 <a:ea typeface="Calibri" charset="0"/>
                 <a:cs typeface="Calibri" panose="020F0502020204030204" pitchFamily="34" charset="0"/>
               </a:rPr>
-              <a:t>Rakesh Gandhi - Cisco Systems (</a:t>
+              <a:t>Contact: Rakesh Gandhi - Cisco Systems (</a:t>
             </a:r>
             <a:r>
               <a:rPr lang="en-US" altLang="zh-CN" i="1" dirty="0">
@@ -4644,6 +4644,21 @@
                 <a:cs typeface="Calibri" panose="020F0502020204030204" pitchFamily="34" charset="0"/>
               </a:rPr>
               <a:t>)</a:t>
+            </a:r>
+          </a:p>
+          <a:p>
+            <a:pPr>
+              <a:spcBef>
+                <a:spcPct val="20000"/>
+              </a:spcBef>
+            </a:pPr>
+            <a:r>
+              <a:rPr lang="en-US" altLang="zh-CN" i="1" dirty="0">
+                <a:latin typeface="Calibri" panose="020F0502020204030204" pitchFamily="34" charset="0"/>
+                <a:ea typeface="Calibri" charset="0"/>
+                <a:cs typeface="Calibri" panose="020F0502020204030204" pitchFamily="34" charset="0"/>
+              </a:rPr>
+              <a:t>March 10, 2020</a:t>
             </a:r>
           </a:p>
         </p:txBody>
@@ -4727,9 +4742,8 @@
             <a:avLst/>
           </a:prstGeom>
           <a:solidFill>
-            <a:schemeClr val="accent6">
-              <a:lumMod val="20000"/>
-              <a:lumOff val="80000"/>
+            <a:schemeClr val="bg1">
+              <a:lumMod val="95000"/>
             </a:schemeClr>
           </a:solidFill>
         </p:spPr>
@@ -5156,9 +5170,8 @@
             <a:avLst/>
           </a:prstGeom>
           <a:solidFill>
-            <a:schemeClr val="accent6">
-              <a:lumMod val="20000"/>
-              <a:lumOff val="80000"/>
+            <a:schemeClr val="bg1">
+              <a:lumMod val="95000"/>
             </a:schemeClr>
           </a:solidFill>
         </p:spPr>
@@ -6108,9 +6121,8 @@
             <a:avLst/>
           </a:prstGeom>
           <a:solidFill>
-            <a:schemeClr val="accent6">
-              <a:lumMod val="20000"/>
-              <a:lumOff val="80000"/>
+            <a:schemeClr val="bg1">
+              <a:lumMod val="95000"/>
             </a:schemeClr>
           </a:solidFill>
         </p:spPr>
@@ -6551,9 +6563,8 @@
             <a:avLst/>
           </a:prstGeom>
           <a:solidFill>
-            <a:schemeClr val="accent6">
-              <a:lumMod val="20000"/>
-              <a:lumOff val="80000"/>
+            <a:schemeClr val="bg1">
+              <a:lumMod val="95000"/>
             </a:schemeClr>
           </a:solidFill>
         </p:spPr>
@@ -7503,9 +7514,8 @@
             <a:avLst/>
           </a:prstGeom>
           <a:solidFill>
-            <a:schemeClr val="accent6">
-              <a:lumMod val="20000"/>
-              <a:lumOff val="80000"/>
+            <a:schemeClr val="bg1">
+              <a:lumMod val="95000"/>
             </a:schemeClr>
           </a:solidFill>
         </p:spPr>
@@ -7985,9 +7995,8 @@
             <a:avLst/>
           </a:prstGeom>
           <a:solidFill>
-            <a:schemeClr val="accent6">
-              <a:lumMod val="20000"/>
-              <a:lumOff val="80000"/>
+            <a:schemeClr val="bg1">
+              <a:lumMod val="95000"/>
             </a:schemeClr>
           </a:solidFill>
         </p:spPr>
@@ -8990,9 +8999,8 @@
             <a:avLst/>
           </a:prstGeom>
           <a:solidFill>
-            <a:schemeClr val="accent6">
-              <a:lumMod val="20000"/>
-              <a:lumOff val="80000"/>
+            <a:schemeClr val="bg1">
+              <a:lumMod val="95000"/>
             </a:schemeClr>
           </a:solidFill>
         </p:spPr>
@@ -9472,9 +9480,8 @@
             <a:avLst/>
           </a:prstGeom>
           <a:solidFill>
-            <a:schemeClr val="accent6">
-              <a:lumMod val="20000"/>
-              <a:lumOff val="80000"/>
+            <a:schemeClr val="bg1">
+              <a:lumMod val="95000"/>
             </a:schemeClr>
           </a:solidFill>
         </p:spPr>

--- a/stamp-session-id-rev1.pptx
+++ b/stamp-session-id-rev1.pptx
@@ -4735,17 +4735,18 @@
         </p:nvSpPr>
         <p:spPr>
           <a:xfrm>
-            <a:off x="228615" y="742950"/>
+            <a:off x="185072" y="742950"/>
             <a:ext cx="4310728" cy="2862322"/>
           </a:xfrm>
           <a:prstGeom prst="rect">
             <a:avLst/>
           </a:prstGeom>
-          <a:solidFill>
-            <a:schemeClr val="bg1">
-              <a:lumMod val="95000"/>
-            </a:schemeClr>
-          </a:solidFill>
+          <a:noFill/>
+          <a:ln>
+            <a:solidFill>
+              <a:srgbClr val="002060"/>
+            </a:solidFill>
+          </a:ln>
         </p:spPr>
         <p:txBody>
           <a:bodyPr wrap="square">
@@ -4759,7 +4760,7 @@
               </a:spcAft>
             </a:pPr>
             <a:r>
-              <a:rPr lang="en-US" sz="750" b="1" dirty="0">
+              <a:rPr lang="en-US" sz="750" dirty="0">
                 <a:latin typeface="Courier" charset="0"/>
                 <a:ea typeface="Courier" charset="0"/>
                 <a:cs typeface="Courier" charset="0"/>
@@ -4774,7 +4775,7 @@
               </a:spcAft>
             </a:pPr>
             <a:r>
-              <a:rPr lang="en-US" sz="750" b="1" dirty="0">
+              <a:rPr lang="en-US" sz="750" dirty="0">
                 <a:latin typeface="Courier" charset="0"/>
                 <a:ea typeface="Courier" charset="0"/>
                 <a:cs typeface="Courier" charset="0"/>
@@ -4789,7 +4790,7 @@
               </a:spcAft>
             </a:pPr>
             <a:r>
-              <a:rPr lang="en-US" sz="750" b="1" dirty="0">
+              <a:rPr lang="en-US" sz="750" dirty="0">
                 <a:latin typeface="Courier" charset="0"/>
                 <a:ea typeface="Courier" charset="0"/>
                 <a:cs typeface="Courier" charset="0"/>
@@ -4804,7 +4805,7 @@
               </a:spcAft>
             </a:pPr>
             <a:r>
-              <a:rPr lang="en-US" sz="750" b="1" dirty="0">
+              <a:rPr lang="en-US" sz="750" dirty="0">
                 <a:latin typeface="Courier" charset="0"/>
                 <a:ea typeface="Courier" charset="0"/>
                 <a:cs typeface="Courier" charset="0"/>
@@ -4812,7 +4813,7 @@
               <a:t>      </a:t>
             </a:r>
             <a:r>
-              <a:rPr lang="en-US" sz="750" b="1" dirty="0">
+              <a:rPr lang="en-US" sz="750" dirty="0">
                 <a:solidFill>
                   <a:srgbClr val="0070C0"/>
                 </a:solidFill>
@@ -4823,7 +4824,7 @@
               <a:t>|       Session ID / Sequence Number                            </a:t>
             </a:r>
             <a:r>
-              <a:rPr lang="en-US" sz="750" b="1" dirty="0">
+              <a:rPr lang="en-US" sz="750" dirty="0">
                 <a:latin typeface="Courier" charset="0"/>
                 <a:ea typeface="Courier" charset="0"/>
                 <a:cs typeface="Courier" charset="0"/>
@@ -4838,7 +4839,7 @@
               </a:spcAft>
             </a:pPr>
             <a:r>
-              <a:rPr lang="en-US" sz="750" b="1" dirty="0">
+              <a:rPr lang="en-US" sz="750" dirty="0">
                 <a:latin typeface="Courier" charset="0"/>
                 <a:ea typeface="Courier" charset="0"/>
                 <a:cs typeface="Courier" charset="0"/>
@@ -4853,7 +4854,7 @@
               </a:spcAft>
             </a:pPr>
             <a:r>
-              <a:rPr lang="en-US" sz="750" b="1" dirty="0">
+              <a:rPr lang="en-US" sz="750" dirty="0">
                 <a:latin typeface="Courier" charset="0"/>
                 <a:ea typeface="Courier" charset="0"/>
                 <a:cs typeface="Courier" charset="0"/>
@@ -4868,7 +4869,7 @@
               </a:spcAft>
             </a:pPr>
             <a:r>
-              <a:rPr lang="en-US" sz="750" b="1" dirty="0">
+              <a:rPr lang="en-US" sz="750" dirty="0">
                 <a:latin typeface="Courier" charset="0"/>
                 <a:ea typeface="Courier" charset="0"/>
                 <a:cs typeface="Courier" charset="0"/>
@@ -4883,7 +4884,7 @@
               </a:spcAft>
             </a:pPr>
             <a:r>
-              <a:rPr lang="en-US" sz="750" b="1" dirty="0">
+              <a:rPr lang="en-US" sz="750" dirty="0">
                 <a:latin typeface="Courier" charset="0"/>
                 <a:ea typeface="Courier" charset="0"/>
                 <a:cs typeface="Courier" charset="0"/>
@@ -4898,7 +4899,7 @@
               </a:spcAft>
             </a:pPr>
             <a:r>
-              <a:rPr lang="en-US" sz="750" b="1" dirty="0">
+              <a:rPr lang="en-US" sz="750" dirty="0">
                 <a:latin typeface="Courier" charset="0"/>
                 <a:ea typeface="Courier" charset="0"/>
                 <a:cs typeface="Courier" charset="0"/>
@@ -4906,7 +4907,7 @@
               <a:t>      |         Error Estimate        |   MBZ         | </a:t>
             </a:r>
             <a:r>
-              <a:rPr lang="en-US" sz="750" b="1" dirty="0">
+              <a:rPr lang="en-US" sz="750" dirty="0">
                 <a:solidFill>
                   <a:srgbClr val="0070C0"/>
                 </a:solidFill>
@@ -4917,7 +4918,7 @@
               <a:t>Control Code  </a:t>
             </a:r>
             <a:r>
-              <a:rPr lang="en-US" sz="750" b="1" dirty="0">
+              <a:rPr lang="en-US" sz="750" dirty="0">
                 <a:latin typeface="Courier" charset="0"/>
                 <a:ea typeface="Courier" charset="0"/>
                 <a:cs typeface="Courier" charset="0"/>
@@ -4932,7 +4933,7 @@
               </a:spcAft>
             </a:pPr>
             <a:r>
-              <a:rPr lang="en-US" sz="750" b="1" dirty="0">
+              <a:rPr lang="en-US" sz="750" dirty="0">
                 <a:latin typeface="Courier" charset="0"/>
                 <a:ea typeface="Courier" charset="0"/>
                 <a:cs typeface="Courier" charset="0"/>
@@ -4947,7 +4948,7 @@
               </a:spcAft>
             </a:pPr>
             <a:r>
-              <a:rPr lang="en-US" sz="750" b="1" dirty="0">
+              <a:rPr lang="en-US" sz="750" dirty="0">
                 <a:latin typeface="Courier" charset="0"/>
                 <a:ea typeface="Courier" charset="0"/>
                 <a:cs typeface="Courier" charset="0"/>
@@ -4962,7 +4963,7 @@
               </a:spcAft>
             </a:pPr>
             <a:r>
-              <a:rPr lang="en-US" sz="750" b="1" dirty="0">
+              <a:rPr lang="en-US" sz="750" dirty="0">
                 <a:latin typeface="Courier" charset="0"/>
                 <a:ea typeface="Courier" charset="0"/>
                 <a:cs typeface="Courier" charset="0"/>
@@ -4977,7 +4978,7 @@
               </a:spcAft>
             </a:pPr>
             <a:r>
-              <a:rPr lang="en-US" sz="750" b="1" dirty="0">
+              <a:rPr lang="en-US" sz="750" dirty="0">
                 <a:latin typeface="Courier" charset="0"/>
                 <a:ea typeface="Courier" charset="0"/>
                 <a:cs typeface="Courier" charset="0"/>
@@ -4992,7 +4993,7 @@
               </a:spcAft>
             </a:pPr>
             <a:r>
-              <a:rPr lang="en-US" sz="750" b="1" dirty="0">
+              <a:rPr lang="en-US" sz="750" dirty="0">
                 <a:latin typeface="Courier" charset="0"/>
                 <a:ea typeface="Courier" charset="0"/>
                 <a:cs typeface="Courier" charset="0"/>
@@ -5007,7 +5008,7 @@
               </a:spcAft>
             </a:pPr>
             <a:r>
-              <a:rPr lang="en-US" sz="750" b="1" dirty="0">
+              <a:rPr lang="en-US" sz="750" dirty="0">
                 <a:latin typeface="Courier" charset="0"/>
                 <a:ea typeface="Courier" charset="0"/>
                 <a:cs typeface="Courier" charset="0"/>
@@ -5022,7 +5023,7 @@
               </a:spcAft>
             </a:pPr>
             <a:r>
-              <a:rPr lang="en-US" sz="750" b="1" dirty="0">
+              <a:rPr lang="en-US" sz="750" dirty="0">
                 <a:latin typeface="Courier" charset="0"/>
                 <a:ea typeface="Courier" charset="0"/>
                 <a:cs typeface="Courier" charset="0"/>
@@ -5037,7 +5038,7 @@
               </a:spcAft>
             </a:pPr>
             <a:r>
-              <a:rPr lang="en-US" sz="750" b="1" dirty="0">
+              <a:rPr lang="en-US" sz="750" dirty="0">
                 <a:latin typeface="Courier" charset="0"/>
                 <a:ea typeface="Courier" charset="0"/>
                 <a:cs typeface="Courier" charset="0"/>
@@ -5052,7 +5053,7 @@
               </a:spcAft>
             </a:pPr>
             <a:r>
-              <a:rPr lang="en-US" sz="750" b="1" dirty="0">
+              <a:rPr lang="en-US" sz="750" dirty="0">
                 <a:latin typeface="Courier" charset="0"/>
                 <a:ea typeface="Courier" charset="0"/>
                 <a:cs typeface="Courier" charset="0"/>
@@ -5067,7 +5068,7 @@
               </a:spcAft>
             </a:pPr>
             <a:r>
-              <a:rPr lang="en-US" sz="750" b="1" dirty="0">
+              <a:rPr lang="en-US" sz="750" dirty="0">
                 <a:latin typeface="Courier" charset="0"/>
                 <a:ea typeface="Courier" charset="0"/>
                 <a:cs typeface="Courier" charset="0"/>
@@ -5082,7 +5083,7 @@
               </a:spcAft>
             </a:pPr>
             <a:r>
-              <a:rPr lang="en-US" sz="750" b="1" dirty="0">
+              <a:rPr lang="en-US" sz="750" dirty="0">
                 <a:latin typeface="Courier" charset="0"/>
                 <a:ea typeface="Courier" charset="0"/>
                 <a:cs typeface="Courier" charset="0"/>
@@ -5097,7 +5098,7 @@
               </a:spcAft>
             </a:pPr>
             <a:r>
-              <a:rPr lang="en-US" sz="750" b="1" dirty="0">
+              <a:rPr lang="en-US" sz="750" dirty="0">
                 <a:latin typeface="Courier" charset="0"/>
                 <a:ea typeface="Courier" charset="0"/>
                 <a:cs typeface="Courier" charset="0"/>
@@ -5112,7 +5113,7 @@
               </a:spcAft>
             </a:pPr>
             <a:r>
-              <a:rPr lang="en-US" sz="750" b="1" dirty="0">
+              <a:rPr lang="en-US" sz="750" dirty="0">
                 <a:latin typeface="Courier" charset="0"/>
                 <a:ea typeface="Courier" charset="0"/>
                 <a:cs typeface="Courier" charset="0"/>
@@ -5126,7 +5127,7 @@
                 <a:spcPts val="0"/>
               </a:spcAft>
             </a:pPr>
-            <a:endParaRPr lang="en-US" sz="750" b="1" dirty="0">
+            <a:endParaRPr lang="en-US" sz="750" dirty="0">
               <a:latin typeface="Courier" charset="0"/>
               <a:ea typeface="Courier" charset="0"/>
               <a:cs typeface="Courier" charset="0"/>
@@ -5139,7 +5140,7 @@
               </a:spcAft>
             </a:pPr>
             <a:r>
-              <a:rPr lang="en-US" sz="750" b="1" dirty="0">
+              <a:rPr lang="en-US" sz="750" dirty="0">
                 <a:latin typeface="Courier" charset="0"/>
                 <a:ea typeface="Courier" charset="0"/>
                 <a:cs typeface="Courier" charset="0"/>
@@ -5169,11 +5170,12 @@
           <a:prstGeom prst="rect">
             <a:avLst/>
           </a:prstGeom>
-          <a:solidFill>
-            <a:schemeClr val="bg1">
-              <a:lumMod val="95000"/>
-            </a:schemeClr>
-          </a:solidFill>
+          <a:noFill/>
+          <a:ln>
+            <a:solidFill>
+              <a:srgbClr val="002060"/>
+            </a:solidFill>
+          </a:ln>
         </p:spPr>
         <p:txBody>
           <a:bodyPr wrap="square">
@@ -5187,7 +5189,7 @@
               </a:spcAft>
             </a:pPr>
             <a:r>
-              <a:rPr lang="en-US" sz="750" b="1" dirty="0">
+              <a:rPr lang="en-US" sz="750" dirty="0">
                 <a:latin typeface="Courier" charset="0"/>
                 <a:ea typeface="Courier" charset="0"/>
                 <a:cs typeface="Courier" charset="0"/>
@@ -5202,7 +5204,7 @@
               </a:spcAft>
             </a:pPr>
             <a:r>
-              <a:rPr lang="en-US" sz="750" b="1" dirty="0">
+              <a:rPr lang="en-US" sz="750" dirty="0">
                 <a:latin typeface="Courier" charset="0"/>
                 <a:ea typeface="Courier" charset="0"/>
                 <a:cs typeface="Courier" charset="0"/>
@@ -5217,7 +5219,7 @@
               </a:spcAft>
             </a:pPr>
             <a:r>
-              <a:rPr lang="en-US" sz="750" b="1" dirty="0">
+              <a:rPr lang="en-US" sz="750" dirty="0">
                 <a:latin typeface="Courier" charset="0"/>
                 <a:ea typeface="Courier" charset="0"/>
                 <a:cs typeface="Courier" charset="0"/>
@@ -5232,7 +5234,7 @@
               </a:spcAft>
             </a:pPr>
             <a:r>
-              <a:rPr lang="en-US" sz="750" b="1" dirty="0">
+              <a:rPr lang="en-US" sz="750" dirty="0">
                 <a:latin typeface="Courier" charset="0"/>
                 <a:ea typeface="Courier" charset="0"/>
                 <a:cs typeface="Courier" charset="0"/>
@@ -5247,7 +5249,7 @@
               </a:spcAft>
             </a:pPr>
             <a:r>
-              <a:rPr lang="en-US" sz="750" b="1" dirty="0">
+              <a:rPr lang="en-US" sz="750" dirty="0">
                 <a:latin typeface="Courier" charset="0"/>
                 <a:ea typeface="Courier" charset="0"/>
                 <a:cs typeface="Courier" charset="0"/>
@@ -5262,7 +5264,7 @@
               </a:spcAft>
             </a:pPr>
             <a:r>
-              <a:rPr lang="en-US" sz="750" b="1" dirty="0">
+              <a:rPr lang="en-US" sz="750" dirty="0">
                 <a:latin typeface="Courier" charset="0"/>
                 <a:ea typeface="Courier" charset="0"/>
                 <a:cs typeface="Courier" charset="0"/>
@@ -5277,7 +5279,7 @@
               </a:spcAft>
             </a:pPr>
             <a:r>
-              <a:rPr lang="en-US" sz="750" b="1" dirty="0">
+              <a:rPr lang="en-US" sz="750" dirty="0">
                 <a:latin typeface="Courier" charset="0"/>
                 <a:ea typeface="Courier" charset="0"/>
                 <a:cs typeface="Courier" charset="0"/>
@@ -5292,7 +5294,7 @@
               </a:spcAft>
             </a:pPr>
             <a:r>
-              <a:rPr lang="en-US" sz="750" b="1" dirty="0">
+              <a:rPr lang="en-US" sz="750" dirty="0">
                 <a:latin typeface="Courier" charset="0"/>
                 <a:ea typeface="Courier" charset="0"/>
                 <a:cs typeface="Courier" charset="0"/>
@@ -5307,7 +5309,7 @@
               </a:spcAft>
             </a:pPr>
             <a:r>
-              <a:rPr lang="en-US" sz="750" b="1" dirty="0">
+              <a:rPr lang="en-US" sz="750" dirty="0">
                 <a:latin typeface="Courier" charset="0"/>
                 <a:ea typeface="Courier" charset="0"/>
                 <a:cs typeface="Courier" charset="0"/>
@@ -5315,7 +5317,7 @@
               <a:t>    |         Error Estimate        |  MBZ          | </a:t>
             </a:r>
             <a:r>
-              <a:rPr lang="en-US" sz="750" b="1" dirty="0">
+              <a:rPr lang="en-US" sz="750" dirty="0">
                 <a:solidFill>
                   <a:srgbClr val="0070C0"/>
                 </a:solidFill>
@@ -5326,7 +5328,7 @@
               <a:t>Control Code  </a:t>
             </a:r>
             <a:r>
-              <a:rPr lang="en-US" sz="750" b="1" dirty="0">
+              <a:rPr lang="en-US" sz="750" dirty="0">
                 <a:latin typeface="Courier" charset="0"/>
                 <a:ea typeface="Courier" charset="0"/>
                 <a:cs typeface="Courier" charset="0"/>
@@ -5341,7 +5343,7 @@
               </a:spcAft>
             </a:pPr>
             <a:r>
-              <a:rPr lang="en-US" sz="750" b="1" dirty="0">
+              <a:rPr lang="en-US" sz="750" dirty="0">
                 <a:latin typeface="Courier" charset="0"/>
                 <a:ea typeface="Courier" charset="0"/>
                 <a:cs typeface="Courier" charset="0"/>
@@ -5356,7 +5358,7 @@
               </a:spcAft>
             </a:pPr>
             <a:r>
-              <a:rPr lang="en-US" sz="750" b="1" dirty="0">
+              <a:rPr lang="en-US" sz="750" dirty="0">
                 <a:latin typeface="Courier" charset="0"/>
                 <a:ea typeface="Courier" charset="0"/>
                 <a:cs typeface="Courier" charset="0"/>
@@ -5371,7 +5373,7 @@
               </a:spcAft>
             </a:pPr>
             <a:r>
-              <a:rPr lang="en-US" sz="750" b="1" dirty="0">
+              <a:rPr lang="en-US" sz="750" dirty="0">
                 <a:latin typeface="Courier" charset="0"/>
                 <a:ea typeface="Courier" charset="0"/>
                 <a:cs typeface="Courier" charset="0"/>
@@ -5386,7 +5388,7 @@
               </a:spcAft>
             </a:pPr>
             <a:r>
-              <a:rPr lang="en-US" sz="750" b="1" dirty="0">
+              <a:rPr lang="en-US" sz="750" dirty="0">
                 <a:latin typeface="Courier" charset="0"/>
                 <a:ea typeface="Courier" charset="0"/>
                 <a:cs typeface="Courier" charset="0"/>
@@ -5401,7 +5403,7 @@
               </a:spcAft>
             </a:pPr>
             <a:r>
-              <a:rPr lang="en-US" sz="750" b="1" dirty="0">
+              <a:rPr lang="en-US" sz="750" dirty="0">
                 <a:latin typeface="Courier" charset="0"/>
                 <a:ea typeface="Courier" charset="0"/>
                 <a:cs typeface="Courier" charset="0"/>
@@ -5409,7 +5411,7 @@
               <a:t>    |     </a:t>
             </a:r>
             <a:r>
-              <a:rPr lang="en-US" sz="750" b="1" dirty="0">
+              <a:rPr lang="en-US" sz="750" dirty="0">
                 <a:solidFill>
                   <a:srgbClr val="0070C0"/>
                 </a:solidFill>
@@ -5420,7 +5422,7 @@
               <a:t>Sender Session ID / Sender Sequence Number                </a:t>
             </a:r>
             <a:r>
-              <a:rPr lang="en-US" sz="750" b="1" dirty="0">
+              <a:rPr lang="en-US" sz="750" dirty="0">
                 <a:latin typeface="Courier" charset="0"/>
                 <a:ea typeface="Courier" charset="0"/>
                 <a:cs typeface="Courier" charset="0"/>
@@ -5435,7 +5437,7 @@
               </a:spcAft>
             </a:pPr>
             <a:r>
-              <a:rPr lang="en-US" sz="750" b="1" dirty="0">
+              <a:rPr lang="en-US" sz="750" dirty="0">
                 <a:latin typeface="Courier" charset="0"/>
                 <a:ea typeface="Courier" charset="0"/>
                 <a:cs typeface="Courier" charset="0"/>
@@ -5450,7 +5452,7 @@
               </a:spcAft>
             </a:pPr>
             <a:r>
-              <a:rPr lang="en-US" sz="750" b="1" dirty="0">
+              <a:rPr lang="en-US" sz="750" dirty="0">
                 <a:latin typeface="Courier" charset="0"/>
                 <a:ea typeface="Courier" charset="0"/>
                 <a:cs typeface="Courier" charset="0"/>
@@ -5465,7 +5467,7 @@
               </a:spcAft>
             </a:pPr>
             <a:r>
-              <a:rPr lang="en-US" sz="750" b="1" dirty="0">
+              <a:rPr lang="en-US" sz="750" dirty="0">
                 <a:latin typeface="Courier" charset="0"/>
                 <a:ea typeface="Courier" charset="0"/>
                 <a:cs typeface="Courier" charset="0"/>
@@ -5480,7 +5482,7 @@
               </a:spcAft>
             </a:pPr>
             <a:r>
-              <a:rPr lang="en-US" sz="750" b="1" dirty="0">
+              <a:rPr lang="en-US" sz="750" dirty="0">
                 <a:latin typeface="Courier" charset="0"/>
                 <a:ea typeface="Courier" charset="0"/>
                 <a:cs typeface="Courier" charset="0"/>
@@ -5495,7 +5497,7 @@
               </a:spcAft>
             </a:pPr>
             <a:r>
-              <a:rPr lang="en-US" sz="750" b="1" dirty="0">
+              <a:rPr lang="en-US" sz="750" dirty="0">
                 <a:latin typeface="Courier" charset="0"/>
                 <a:ea typeface="Courier" charset="0"/>
                 <a:cs typeface="Courier" charset="0"/>
@@ -5510,7 +5512,7 @@
               </a:spcAft>
             </a:pPr>
             <a:r>
-              <a:rPr lang="en-US" sz="750" b="1" dirty="0">
+              <a:rPr lang="en-US" sz="750" dirty="0">
                 <a:latin typeface="Courier" charset="0"/>
                 <a:ea typeface="Courier" charset="0"/>
                 <a:cs typeface="Courier" charset="0"/>
@@ -5525,7 +5527,7 @@
               </a:spcAft>
             </a:pPr>
             <a:r>
-              <a:rPr lang="en-US" sz="750" b="1" dirty="0">
+              <a:rPr lang="en-US" sz="750" dirty="0">
                 <a:latin typeface="Courier" charset="0"/>
                 <a:ea typeface="Courier" charset="0"/>
                 <a:cs typeface="Courier" charset="0"/>
@@ -5533,7 +5535,7 @@
               <a:t>    |</a:t>
             </a:r>
             <a:r>
-              <a:rPr lang="en-US" sz="750" b="1" dirty="0" err="1">
+              <a:rPr lang="en-US" sz="750" dirty="0" err="1">
                 <a:latin typeface="Courier" charset="0"/>
                 <a:ea typeface="Courier" charset="0"/>
                 <a:cs typeface="Courier" charset="0"/>
@@ -5541,7 +5543,7 @@
               <a:t>Ses</a:t>
             </a:r>
             <a:r>
-              <a:rPr lang="en-US" sz="750" b="1" dirty="0">
+              <a:rPr lang="en-US" sz="750" dirty="0">
                 <a:latin typeface="Courier" charset="0"/>
                 <a:ea typeface="Courier" charset="0"/>
                 <a:cs typeface="Courier" charset="0"/>
@@ -5556,7 +5558,7 @@
               </a:spcAft>
             </a:pPr>
             <a:r>
-              <a:rPr lang="en-US" sz="750" b="1" dirty="0">
+              <a:rPr lang="en-US" sz="750" dirty="0">
                 <a:latin typeface="Courier" charset="0"/>
                 <a:ea typeface="Courier" charset="0"/>
                 <a:cs typeface="Courier" charset="0"/>
@@ -5571,7 +5573,7 @@
               </a:spcAft>
             </a:pPr>
             <a:r>
-              <a:rPr lang="en-US" sz="750" b="1" dirty="0">
+              <a:rPr lang="en-US" sz="750" dirty="0">
                 <a:solidFill>
                   <a:srgbClr val="0070C0"/>
                 </a:solidFill>
@@ -5589,7 +5591,7 @@
               </a:spcAft>
             </a:pPr>
             <a:r>
-              <a:rPr lang="en-US" sz="750" b="1" dirty="0">
+              <a:rPr lang="en-US" sz="750" dirty="0">
                 <a:latin typeface="Courier" charset="0"/>
                 <a:ea typeface="Courier" charset="0"/>
                 <a:cs typeface="Courier" charset="0"/>
@@ -5939,49 +5941,6 @@
           </a:p>
         </p:txBody>
       </p:sp>
-      <p:cxnSp>
-        <p:nvCxnSpPr>
-          <p:cNvPr id="4" name="Straight Connector 3">
-            <a:extLst>
-              <a:ext uri="{FF2B5EF4-FFF2-40B4-BE49-F238E27FC236}">
-                <a16:creationId xmlns:a16="http://schemas.microsoft.com/office/drawing/2014/main" id="{0B9B10AD-8D48-D148-91E8-65E3279D89CE}"/>
-              </a:ext>
-            </a:extLst>
-          </p:cNvPr>
-          <p:cNvCxnSpPr>
-            <a:cxnSpLocks/>
-          </p:cNvCxnSpPr>
-          <p:nvPr/>
-        </p:nvCxnSpPr>
-        <p:spPr>
-          <a:xfrm>
-            <a:off x="4595191" y="742950"/>
-            <a:ext cx="0" cy="2862322"/>
-          </a:xfrm>
-          <a:prstGeom prst="line">
-            <a:avLst/>
-          </a:prstGeom>
-          <a:ln>
-            <a:solidFill>
-              <a:schemeClr val="tx2"/>
-            </a:solidFill>
-          </a:ln>
-        </p:spPr>
-        <p:style>
-          <a:lnRef idx="1">
-            <a:schemeClr val="accent1"/>
-          </a:lnRef>
-          <a:fillRef idx="0">
-            <a:schemeClr val="accent1"/>
-          </a:fillRef>
-          <a:effectRef idx="0">
-            <a:schemeClr val="accent1"/>
-          </a:effectRef>
-          <a:fontRef idx="minor">
-            <a:schemeClr val="tx1"/>
-          </a:fontRef>
-        </p:style>
-      </p:cxnSp>
       <p:sp>
         <p:nvSpPr>
           <p:cNvPr id="2" name="TextBox 1">
@@ -6120,11 +6079,12 @@
           <a:prstGeom prst="rect">
             <a:avLst/>
           </a:prstGeom>
-          <a:solidFill>
-            <a:schemeClr val="bg1">
-              <a:lumMod val="95000"/>
-            </a:schemeClr>
-          </a:solidFill>
+          <a:noFill/>
+          <a:ln>
+            <a:solidFill>
+              <a:srgbClr val="002060"/>
+            </a:solidFill>
+          </a:ln>
         </p:spPr>
         <p:txBody>
           <a:bodyPr wrap="square">
@@ -6138,7 +6098,7 @@
               </a:spcAft>
             </a:pPr>
             <a:r>
-              <a:rPr lang="en-US" sz="750" b="1" dirty="0">
+              <a:rPr lang="en-US" sz="750" dirty="0">
                 <a:latin typeface="Courier" charset="0"/>
                 <a:ea typeface="Courier" charset="0"/>
                 <a:cs typeface="Courier" charset="0"/>
@@ -6153,7 +6113,7 @@
               </a:spcAft>
             </a:pPr>
             <a:r>
-              <a:rPr lang="en-US" sz="750" b="1" dirty="0">
+              <a:rPr lang="en-US" sz="750" dirty="0">
                 <a:latin typeface="Courier" charset="0"/>
                 <a:ea typeface="Courier" charset="0"/>
                 <a:cs typeface="Courier" charset="0"/>
@@ -6168,7 +6128,7 @@
               </a:spcAft>
             </a:pPr>
             <a:r>
-              <a:rPr lang="en-US" sz="750" b="1" dirty="0">
+              <a:rPr lang="en-US" sz="750" dirty="0">
                 <a:latin typeface="Courier" charset="0"/>
                 <a:ea typeface="Courier" charset="0"/>
                 <a:cs typeface="Courier" charset="0"/>
@@ -6183,7 +6143,7 @@
               </a:spcAft>
             </a:pPr>
             <a:r>
-              <a:rPr lang="en-US" sz="750" b="1" dirty="0">
+              <a:rPr lang="en-US" sz="750" dirty="0">
                 <a:latin typeface="Courier" charset="0"/>
                 <a:ea typeface="Courier" charset="0"/>
                 <a:cs typeface="Courier" charset="0"/>
@@ -6198,7 +6158,7 @@
               </a:spcAft>
             </a:pPr>
             <a:r>
-              <a:rPr lang="en-US" sz="750" b="1" dirty="0">
+              <a:rPr lang="en-US" sz="750" dirty="0">
                 <a:latin typeface="Courier" charset="0"/>
                 <a:ea typeface="Courier" charset="0"/>
                 <a:cs typeface="Courier" charset="0"/>
@@ -6213,7 +6173,7 @@
               </a:spcAft>
             </a:pPr>
             <a:r>
-              <a:rPr lang="en-US" sz="750" b="1" dirty="0">
+              <a:rPr lang="en-US" sz="750" dirty="0">
                 <a:latin typeface="Courier" charset="0"/>
                 <a:ea typeface="Courier" charset="0"/>
                 <a:cs typeface="Courier" charset="0"/>
@@ -6228,7 +6188,7 @@
               </a:spcAft>
             </a:pPr>
             <a:r>
-              <a:rPr lang="en-US" sz="750" b="1" dirty="0">
+              <a:rPr lang="en-US" sz="750" dirty="0">
                 <a:latin typeface="Courier" charset="0"/>
                 <a:ea typeface="Courier" charset="0"/>
                 <a:cs typeface="Courier" charset="0"/>
@@ -6243,7 +6203,7 @@
               </a:spcAft>
             </a:pPr>
             <a:r>
-              <a:rPr lang="en-US" sz="750" b="1" dirty="0">
+              <a:rPr lang="en-US" sz="750" dirty="0">
                 <a:latin typeface="Courier" charset="0"/>
                 <a:ea typeface="Courier" charset="0"/>
                 <a:cs typeface="Courier" charset="0"/>
@@ -6258,7 +6218,7 @@
               </a:spcAft>
             </a:pPr>
             <a:r>
-              <a:rPr lang="en-US" sz="750" b="1" dirty="0">
+              <a:rPr lang="en-US" sz="750" dirty="0">
                 <a:latin typeface="Courier" charset="0"/>
                 <a:ea typeface="Courier" charset="0"/>
                 <a:cs typeface="Courier" charset="0"/>
@@ -6266,7 +6226,7 @@
               <a:t>      |         Error Estimate        |   MBZ         | </a:t>
             </a:r>
             <a:r>
-              <a:rPr lang="en-US" sz="750" b="1" dirty="0">
+              <a:rPr lang="en-US" sz="750" dirty="0">
                 <a:solidFill>
                   <a:srgbClr val="0070C0"/>
                 </a:solidFill>
@@ -6277,7 +6237,7 @@
               <a:t>Control Code  </a:t>
             </a:r>
             <a:r>
-              <a:rPr lang="en-US" sz="750" b="1" dirty="0">
+              <a:rPr lang="en-US" sz="750" dirty="0">
                 <a:latin typeface="Courier" charset="0"/>
                 <a:ea typeface="Courier" charset="0"/>
                 <a:cs typeface="Courier" charset="0"/>
@@ -6292,7 +6252,7 @@
               </a:spcAft>
             </a:pPr>
             <a:r>
-              <a:rPr lang="en-US" sz="750" b="1" dirty="0">
+              <a:rPr lang="en-US" sz="750" dirty="0">
                 <a:latin typeface="Courier" charset="0"/>
                 <a:ea typeface="Courier" charset="0"/>
                 <a:cs typeface="Courier" charset="0"/>
@@ -6307,7 +6267,7 @@
               </a:spcAft>
             </a:pPr>
             <a:r>
-              <a:rPr lang="en-US" sz="750" b="1" dirty="0">
+              <a:rPr lang="en-US" sz="750" dirty="0">
                 <a:latin typeface="Courier" charset="0"/>
                 <a:ea typeface="Courier" charset="0"/>
                 <a:cs typeface="Courier" charset="0"/>
@@ -6315,7 +6275,7 @@
               <a:t>      </a:t>
             </a:r>
             <a:r>
-              <a:rPr lang="en-US" sz="750" b="1" dirty="0">
+              <a:rPr lang="en-US" sz="750" dirty="0">
                 <a:solidFill>
                   <a:srgbClr val="0070C0"/>
                 </a:solidFill>
@@ -6333,7 +6293,7 @@
               </a:spcAft>
             </a:pPr>
             <a:r>
-              <a:rPr lang="en-US" sz="750" b="1" dirty="0">
+              <a:rPr lang="en-US" sz="750" dirty="0">
                 <a:solidFill>
                   <a:srgbClr val="0070C0"/>
                 </a:solidFill>
@@ -6351,7 +6311,7 @@
               </a:spcAft>
             </a:pPr>
             <a:r>
-              <a:rPr lang="en-US" sz="750" b="1" dirty="0">
+              <a:rPr lang="en-US" sz="750" dirty="0">
                 <a:latin typeface="Courier" charset="0"/>
                 <a:ea typeface="Courier" charset="0"/>
                 <a:cs typeface="Courier" charset="0"/>
@@ -6366,7 +6326,7 @@
               </a:spcAft>
             </a:pPr>
             <a:r>
-              <a:rPr lang="en-US" sz="750" b="1" dirty="0">
+              <a:rPr lang="en-US" sz="750" dirty="0">
                 <a:latin typeface="Courier" charset="0"/>
                 <a:ea typeface="Courier" charset="0"/>
                 <a:cs typeface="Courier" charset="0"/>
@@ -6374,7 +6334,7 @@
               <a:t>      |                         </a:t>
             </a:r>
             <a:r>
-              <a:rPr lang="en-US" sz="750" b="1" dirty="0">
+              <a:rPr lang="en-US" sz="750" dirty="0">
                 <a:solidFill>
                   <a:srgbClr val="0070C0"/>
                 </a:solidFill>
@@ -6385,7 +6345,7 @@
               <a:t>MBZ (24 octets)                       </a:t>
             </a:r>
             <a:r>
-              <a:rPr lang="en-US" sz="750" b="1" dirty="0">
+              <a:rPr lang="en-US" sz="750" dirty="0">
                 <a:latin typeface="Courier" charset="0"/>
                 <a:ea typeface="Courier" charset="0"/>
                 <a:cs typeface="Courier" charset="0"/>
@@ -6400,7 +6360,7 @@
               </a:spcAft>
             </a:pPr>
             <a:r>
-              <a:rPr lang="en-US" sz="750" b="1" dirty="0">
+              <a:rPr lang="en-US" sz="750" dirty="0">
                 <a:latin typeface="Courier" charset="0"/>
                 <a:ea typeface="Courier" charset="0"/>
                 <a:cs typeface="Courier" charset="0"/>
@@ -6415,7 +6375,7 @@
               </a:spcAft>
             </a:pPr>
             <a:r>
-              <a:rPr lang="en-US" sz="750" b="1" dirty="0">
+              <a:rPr lang="en-US" sz="750" dirty="0">
                 <a:latin typeface="Courier" charset="0"/>
                 <a:ea typeface="Courier" charset="0"/>
                 <a:cs typeface="Courier" charset="0"/>
@@ -6430,7 +6390,7 @@
               </a:spcAft>
             </a:pPr>
             <a:r>
-              <a:rPr lang="en-US" sz="750" b="1" dirty="0">
+              <a:rPr lang="en-US" sz="750" dirty="0">
                 <a:latin typeface="Courier" charset="0"/>
                 <a:ea typeface="Courier" charset="0"/>
                 <a:cs typeface="Courier" charset="0"/>
@@ -6445,7 +6405,7 @@
               </a:spcAft>
             </a:pPr>
             <a:r>
-              <a:rPr lang="en-US" sz="750" b="1" dirty="0">
+              <a:rPr lang="en-US" sz="750" dirty="0">
                 <a:latin typeface="Courier" charset="0"/>
                 <a:ea typeface="Courier" charset="0"/>
                 <a:cs typeface="Courier" charset="0"/>
@@ -6460,7 +6420,7 @@
               </a:spcAft>
             </a:pPr>
             <a:r>
-              <a:rPr lang="en-US" sz="750" b="1" dirty="0">
+              <a:rPr lang="en-US" sz="750" dirty="0">
                 <a:latin typeface="Courier" charset="0"/>
                 <a:ea typeface="Courier" charset="0"/>
                 <a:cs typeface="Courier" charset="0"/>
@@ -6475,7 +6435,7 @@
               </a:spcAft>
             </a:pPr>
             <a:r>
-              <a:rPr lang="en-US" sz="750" b="1" dirty="0">
+              <a:rPr lang="en-US" sz="750" dirty="0">
                 <a:latin typeface="Courier" charset="0"/>
                 <a:ea typeface="Courier" charset="0"/>
                 <a:cs typeface="Courier" charset="0"/>
@@ -6490,7 +6450,7 @@
               </a:spcAft>
             </a:pPr>
             <a:r>
-              <a:rPr lang="en-US" sz="750" b="1" dirty="0">
+              <a:rPr lang="en-US" sz="750" dirty="0">
                 <a:latin typeface="Courier" charset="0"/>
                 <a:ea typeface="Courier" charset="0"/>
                 <a:cs typeface="Courier" charset="0"/>
@@ -6505,7 +6465,7 @@
               </a:spcAft>
             </a:pPr>
             <a:r>
-              <a:rPr lang="en-US" sz="750" b="1" dirty="0">
+              <a:rPr lang="en-US" sz="750" dirty="0">
                 <a:latin typeface="Courier" charset="0"/>
                 <a:ea typeface="Courier" charset="0"/>
                 <a:cs typeface="Courier" charset="0"/>
@@ -6519,7 +6479,7 @@
                 <a:spcPts val="0"/>
               </a:spcAft>
             </a:pPr>
-            <a:endParaRPr lang="en-US" sz="750" b="1" dirty="0">
+            <a:endParaRPr lang="en-US" sz="750" dirty="0">
               <a:latin typeface="Courier" charset="0"/>
               <a:ea typeface="Courier" charset="0"/>
               <a:cs typeface="Courier" charset="0"/>
@@ -6532,7 +6492,7 @@
               </a:spcAft>
             </a:pPr>
             <a:r>
-              <a:rPr lang="en-US" sz="750" b="1" dirty="0">
+              <a:rPr lang="en-US" sz="750" dirty="0">
                 <a:latin typeface="Courier" charset="0"/>
                 <a:ea typeface="Courier" charset="0"/>
                 <a:cs typeface="Courier" charset="0"/>
@@ -6556,17 +6516,18 @@
         </p:nvSpPr>
         <p:spPr>
           <a:xfrm>
-            <a:off x="4495800" y="742950"/>
+            <a:off x="4571996" y="742950"/>
             <a:ext cx="4368799" cy="2862322"/>
           </a:xfrm>
           <a:prstGeom prst="rect">
             <a:avLst/>
           </a:prstGeom>
-          <a:solidFill>
-            <a:schemeClr val="bg1">
-              <a:lumMod val="95000"/>
-            </a:schemeClr>
-          </a:solidFill>
+          <a:noFill/>
+          <a:ln>
+            <a:solidFill>
+              <a:srgbClr val="002060"/>
+            </a:solidFill>
+          </a:ln>
         </p:spPr>
         <p:txBody>
           <a:bodyPr wrap="square">
@@ -6580,7 +6541,7 @@
               </a:spcAft>
             </a:pPr>
             <a:r>
-              <a:rPr lang="en-US" sz="750" b="1" dirty="0">
+              <a:rPr lang="en-US" sz="750" dirty="0">
                 <a:latin typeface="Courier" charset="0"/>
                 <a:ea typeface="Courier" charset="0"/>
                 <a:cs typeface="Courier" charset="0"/>
@@ -6595,7 +6556,7 @@
               </a:spcAft>
             </a:pPr>
             <a:r>
-              <a:rPr lang="en-US" sz="750" b="1" dirty="0">
+              <a:rPr lang="en-US" sz="750" dirty="0">
                 <a:latin typeface="Courier" charset="0"/>
                 <a:ea typeface="Courier" charset="0"/>
                 <a:cs typeface="Courier" charset="0"/>
@@ -6610,7 +6571,7 @@
               </a:spcAft>
             </a:pPr>
             <a:r>
-              <a:rPr lang="en-US" sz="750" b="1" dirty="0">
+              <a:rPr lang="en-US" sz="750" dirty="0">
                 <a:latin typeface="Courier" charset="0"/>
                 <a:ea typeface="Courier" charset="0"/>
                 <a:cs typeface="Courier" charset="0"/>
@@ -6625,7 +6586,7 @@
               </a:spcAft>
             </a:pPr>
             <a:r>
-              <a:rPr lang="en-US" sz="750" b="1" dirty="0">
+              <a:rPr lang="en-US" sz="750" dirty="0">
                 <a:latin typeface="Courier" charset="0"/>
                 <a:ea typeface="Courier" charset="0"/>
                 <a:cs typeface="Courier" charset="0"/>
@@ -6640,7 +6601,7 @@
               </a:spcAft>
             </a:pPr>
             <a:r>
-              <a:rPr lang="en-US" sz="750" b="1" dirty="0">
+              <a:rPr lang="en-US" sz="750" dirty="0">
                 <a:latin typeface="Courier" charset="0"/>
                 <a:ea typeface="Courier" charset="0"/>
                 <a:cs typeface="Courier" charset="0"/>
@@ -6655,7 +6616,7 @@
               </a:spcAft>
             </a:pPr>
             <a:r>
-              <a:rPr lang="en-US" sz="750" b="1" dirty="0">
+              <a:rPr lang="en-US" sz="750" dirty="0">
                 <a:latin typeface="Courier" charset="0"/>
                 <a:ea typeface="Courier" charset="0"/>
                 <a:cs typeface="Courier" charset="0"/>
@@ -6670,7 +6631,7 @@
               </a:spcAft>
             </a:pPr>
             <a:r>
-              <a:rPr lang="en-US" sz="750" b="1" dirty="0">
+              <a:rPr lang="en-US" sz="750" dirty="0">
                 <a:latin typeface="Courier" charset="0"/>
                 <a:ea typeface="Courier" charset="0"/>
                 <a:cs typeface="Courier" charset="0"/>
@@ -6685,7 +6646,7 @@
               </a:spcAft>
             </a:pPr>
             <a:r>
-              <a:rPr lang="en-US" sz="750" b="1" dirty="0">
+              <a:rPr lang="en-US" sz="750" dirty="0">
                 <a:latin typeface="Courier" charset="0"/>
                 <a:ea typeface="Courier" charset="0"/>
                 <a:cs typeface="Courier" charset="0"/>
@@ -6700,7 +6661,7 @@
               </a:spcAft>
             </a:pPr>
             <a:r>
-              <a:rPr lang="en-US" sz="750" b="1" dirty="0">
+              <a:rPr lang="en-US" sz="750" dirty="0">
                 <a:latin typeface="Courier" charset="0"/>
                 <a:ea typeface="Courier" charset="0"/>
                 <a:cs typeface="Courier" charset="0"/>
@@ -6708,7 +6669,7 @@
               <a:t>    |         Error Estimate        |  MBZ          | </a:t>
             </a:r>
             <a:r>
-              <a:rPr lang="en-US" sz="750" b="1" dirty="0">
+              <a:rPr lang="en-US" sz="750" dirty="0">
                 <a:solidFill>
                   <a:srgbClr val="0070C0"/>
                 </a:solidFill>
@@ -6719,7 +6680,7 @@
               <a:t>Control Code  </a:t>
             </a:r>
             <a:r>
-              <a:rPr lang="en-US" sz="750" b="1" dirty="0">
+              <a:rPr lang="en-US" sz="750" dirty="0">
                 <a:latin typeface="Courier" charset="0"/>
                 <a:ea typeface="Courier" charset="0"/>
                 <a:cs typeface="Courier" charset="0"/>
@@ -6734,7 +6695,7 @@
               </a:spcAft>
             </a:pPr>
             <a:r>
-              <a:rPr lang="en-US" sz="750" b="1" dirty="0">
+              <a:rPr lang="en-US" sz="750" dirty="0">
                 <a:latin typeface="Courier" charset="0"/>
                 <a:ea typeface="Courier" charset="0"/>
                 <a:cs typeface="Courier" charset="0"/>
@@ -6749,7 +6710,7 @@
               </a:spcAft>
             </a:pPr>
             <a:r>
-              <a:rPr lang="en-US" sz="750" b="1" dirty="0">
+              <a:rPr lang="en-US" sz="750" dirty="0">
                 <a:latin typeface="Courier" charset="0"/>
                 <a:ea typeface="Courier" charset="0"/>
                 <a:cs typeface="Courier" charset="0"/>
@@ -6764,7 +6725,7 @@
               </a:spcAft>
             </a:pPr>
             <a:r>
-              <a:rPr lang="en-US" sz="750" b="1" dirty="0">
+              <a:rPr lang="en-US" sz="750" dirty="0">
                 <a:latin typeface="Courier" charset="0"/>
                 <a:ea typeface="Courier" charset="0"/>
                 <a:cs typeface="Courier" charset="0"/>
@@ -6779,7 +6740,7 @@
               </a:spcAft>
             </a:pPr>
             <a:r>
-              <a:rPr lang="en-US" sz="750" b="1" dirty="0">
+              <a:rPr lang="en-US" sz="750" dirty="0">
                 <a:latin typeface="Courier" charset="0"/>
                 <a:ea typeface="Courier" charset="0"/>
                 <a:cs typeface="Courier" charset="0"/>
@@ -6794,7 +6755,7 @@
               </a:spcAft>
             </a:pPr>
             <a:r>
-              <a:rPr lang="en-US" sz="750" b="1" dirty="0">
+              <a:rPr lang="en-US" sz="750" dirty="0">
                 <a:latin typeface="Courier" charset="0"/>
                 <a:ea typeface="Courier" charset="0"/>
                 <a:cs typeface="Courier" charset="0"/>
@@ -6809,7 +6770,7 @@
               </a:spcAft>
             </a:pPr>
             <a:r>
-              <a:rPr lang="en-US" sz="750" b="1" dirty="0">
+              <a:rPr lang="en-US" sz="750" dirty="0">
                 <a:latin typeface="Courier" charset="0"/>
                 <a:ea typeface="Courier" charset="0"/>
                 <a:cs typeface="Courier" charset="0"/>
@@ -6824,7 +6785,7 @@
               </a:spcAft>
             </a:pPr>
             <a:r>
-              <a:rPr lang="en-US" sz="750" b="1" dirty="0">
+              <a:rPr lang="en-US" sz="750" dirty="0">
                 <a:latin typeface="Courier" charset="0"/>
                 <a:ea typeface="Courier" charset="0"/>
                 <a:cs typeface="Courier" charset="0"/>
@@ -6839,7 +6800,7 @@
               </a:spcAft>
             </a:pPr>
             <a:r>
-              <a:rPr lang="en-US" sz="750" b="1" dirty="0">
+              <a:rPr lang="en-US" sz="750" dirty="0">
                 <a:latin typeface="Courier" charset="0"/>
                 <a:ea typeface="Courier" charset="0"/>
                 <a:cs typeface="Courier" charset="0"/>
@@ -6854,7 +6815,7 @@
               </a:spcAft>
             </a:pPr>
             <a:r>
-              <a:rPr lang="en-US" sz="750" b="1" dirty="0">
+              <a:rPr lang="en-US" sz="750" dirty="0">
                 <a:latin typeface="Courier" charset="0"/>
                 <a:ea typeface="Courier" charset="0"/>
                 <a:cs typeface="Courier" charset="0"/>
@@ -6869,7 +6830,7 @@
               </a:spcAft>
             </a:pPr>
             <a:r>
-              <a:rPr lang="en-US" sz="750" b="1" dirty="0">
+              <a:rPr lang="en-US" sz="750" dirty="0">
                 <a:latin typeface="Courier" charset="0"/>
                 <a:ea typeface="Courier" charset="0"/>
                 <a:cs typeface="Courier" charset="0"/>
@@ -6884,7 +6845,7 @@
               </a:spcAft>
             </a:pPr>
             <a:r>
-              <a:rPr lang="en-US" sz="750" b="1" dirty="0">
+              <a:rPr lang="en-US" sz="750" dirty="0">
                 <a:latin typeface="Courier" charset="0"/>
                 <a:ea typeface="Courier" charset="0"/>
                 <a:cs typeface="Courier" charset="0"/>
@@ -6899,7 +6860,7 @@
               </a:spcAft>
             </a:pPr>
             <a:r>
-              <a:rPr lang="en-US" sz="750" b="1" dirty="0">
+              <a:rPr lang="en-US" sz="750" dirty="0">
                 <a:latin typeface="Courier" charset="0"/>
                 <a:ea typeface="Courier" charset="0"/>
                 <a:cs typeface="Courier" charset="0"/>
@@ -6907,7 +6868,7 @@
               <a:t>    |</a:t>
             </a:r>
             <a:r>
-              <a:rPr lang="en-US" sz="750" b="1" dirty="0" err="1">
+              <a:rPr lang="en-US" sz="750" dirty="0" err="1">
                 <a:latin typeface="Courier" charset="0"/>
                 <a:ea typeface="Courier" charset="0"/>
                 <a:cs typeface="Courier" charset="0"/>
@@ -6915,7 +6876,7 @@
               <a:t>Ses</a:t>
             </a:r>
             <a:r>
-              <a:rPr lang="en-US" sz="750" b="1" dirty="0">
+              <a:rPr lang="en-US" sz="750" dirty="0">
                 <a:latin typeface="Courier" charset="0"/>
                 <a:ea typeface="Courier" charset="0"/>
                 <a:cs typeface="Courier" charset="0"/>
@@ -6923,7 +6884,7 @@
               <a:t>-Sender TTL |      </a:t>
             </a:r>
             <a:r>
-              <a:rPr lang="en-US" sz="750" b="1" dirty="0">
+              <a:rPr lang="en-US" sz="750" dirty="0">
                 <a:solidFill>
                   <a:srgbClr val="0070C0"/>
                 </a:solidFill>
@@ -6934,7 +6895,7 @@
               <a:t>Session-Sender Session ID                </a:t>
             </a:r>
             <a:r>
-              <a:rPr lang="en-US" sz="750" b="1" dirty="0">
+              <a:rPr lang="en-US" sz="750" dirty="0">
                 <a:latin typeface="Courier" charset="0"/>
                 <a:ea typeface="Courier" charset="0"/>
                 <a:cs typeface="Courier" charset="0"/>
@@ -6949,7 +6910,7 @@
               </a:spcAft>
             </a:pPr>
             <a:r>
-              <a:rPr lang="en-US" sz="750" b="1" dirty="0">
+              <a:rPr lang="en-US" sz="750" dirty="0">
                 <a:latin typeface="Courier" charset="0"/>
                 <a:ea typeface="Courier" charset="0"/>
                 <a:cs typeface="Courier" charset="0"/>
@@ -6964,7 +6925,7 @@
               </a:spcAft>
             </a:pPr>
             <a:r>
-              <a:rPr lang="en-US" sz="750" b="1" dirty="0">
+              <a:rPr lang="en-US" sz="750" dirty="0">
                 <a:solidFill>
                   <a:srgbClr val="0070C0"/>
                 </a:solidFill>
@@ -6982,7 +6943,7 @@
               </a:spcAft>
             </a:pPr>
             <a:r>
-              <a:rPr lang="en-US" sz="750" b="1" dirty="0">
+              <a:rPr lang="en-US" sz="750" dirty="0">
                 <a:latin typeface="Courier" charset="0"/>
                 <a:ea typeface="Courier" charset="0"/>
                 <a:cs typeface="Courier" charset="0"/>
@@ -7332,49 +7293,6 @@
           </a:p>
         </p:txBody>
       </p:sp>
-      <p:cxnSp>
-        <p:nvCxnSpPr>
-          <p:cNvPr id="4" name="Straight Connector 3">
-            <a:extLst>
-              <a:ext uri="{FF2B5EF4-FFF2-40B4-BE49-F238E27FC236}">
-                <a16:creationId xmlns:a16="http://schemas.microsoft.com/office/drawing/2014/main" id="{0B9B10AD-8D48-D148-91E8-65E3279D89CE}"/>
-              </a:ext>
-            </a:extLst>
-          </p:cNvPr>
-          <p:cNvCxnSpPr>
-            <a:cxnSpLocks/>
-          </p:cNvCxnSpPr>
-          <p:nvPr/>
-        </p:nvCxnSpPr>
-        <p:spPr>
-          <a:xfrm>
-            <a:off x="4595191" y="742950"/>
-            <a:ext cx="0" cy="2862322"/>
-          </a:xfrm>
-          <a:prstGeom prst="line">
-            <a:avLst/>
-          </a:prstGeom>
-          <a:ln>
-            <a:solidFill>
-              <a:schemeClr val="tx2"/>
-            </a:solidFill>
-          </a:ln>
-        </p:spPr>
-        <p:style>
-          <a:lnRef idx="1">
-            <a:schemeClr val="accent1"/>
-          </a:lnRef>
-          <a:fillRef idx="0">
-            <a:schemeClr val="accent1"/>
-          </a:fillRef>
-          <a:effectRef idx="0">
-            <a:schemeClr val="accent1"/>
-          </a:effectRef>
-          <a:fontRef idx="minor">
-            <a:schemeClr val="tx1"/>
-          </a:fontRef>
-        </p:style>
-      </p:cxnSp>
       <p:sp>
         <p:nvSpPr>
           <p:cNvPr id="8" name="TextBox 7">
@@ -7513,11 +7431,12 @@
           <a:prstGeom prst="rect">
             <a:avLst/>
           </a:prstGeom>
-          <a:solidFill>
-            <a:schemeClr val="bg1">
-              <a:lumMod val="95000"/>
-            </a:schemeClr>
-          </a:solidFill>
+          <a:noFill/>
+          <a:ln>
+            <a:solidFill>
+              <a:srgbClr val="002060"/>
+            </a:solidFill>
+          </a:ln>
         </p:spPr>
         <p:txBody>
           <a:bodyPr wrap="square">
@@ -7531,7 +7450,7 @@
               </a:spcAft>
             </a:pPr>
             <a:r>
-              <a:rPr lang="en-US" sz="750" b="1" dirty="0">
+              <a:rPr lang="en-US" sz="750" dirty="0">
                 <a:latin typeface="Courier" charset="0"/>
                 <a:ea typeface="Courier" charset="0"/>
                 <a:cs typeface="Courier" charset="0"/>
@@ -7546,7 +7465,7 @@
               </a:spcAft>
             </a:pPr>
             <a:r>
-              <a:rPr lang="en-US" sz="750" b="1" dirty="0">
+              <a:rPr lang="en-US" sz="750" dirty="0">
                 <a:latin typeface="Courier" charset="0"/>
                 <a:ea typeface="Courier" charset="0"/>
                 <a:cs typeface="Courier" charset="0"/>
@@ -7561,7 +7480,7 @@
               </a:spcAft>
             </a:pPr>
             <a:r>
-              <a:rPr lang="en-US" sz="750" b="1" dirty="0">
+              <a:rPr lang="en-US" sz="750" dirty="0">
                 <a:latin typeface="Courier" charset="0"/>
                 <a:ea typeface="Courier" charset="0"/>
                 <a:cs typeface="Courier" charset="0"/>
@@ -7576,7 +7495,7 @@
               </a:spcAft>
             </a:pPr>
             <a:r>
-              <a:rPr lang="en-US" sz="750" b="1" dirty="0">
+              <a:rPr lang="en-US" sz="750" dirty="0">
                 <a:latin typeface="Courier" charset="0"/>
                 <a:ea typeface="Courier" charset="0"/>
                 <a:cs typeface="Courier" charset="0"/>
@@ -7591,7 +7510,7 @@
               </a:spcAft>
             </a:pPr>
             <a:r>
-              <a:rPr lang="en-US" sz="750" b="1" dirty="0">
+              <a:rPr lang="en-US" sz="750" dirty="0">
                 <a:latin typeface="Courier" charset="0"/>
                 <a:ea typeface="Courier" charset="0"/>
                 <a:cs typeface="Courier" charset="0"/>
@@ -7606,7 +7525,7 @@
               </a:spcAft>
             </a:pPr>
             <a:r>
-              <a:rPr lang="en-US" sz="750" b="1" dirty="0">
+              <a:rPr lang="en-US" sz="750" dirty="0">
                 <a:latin typeface="Courier" charset="0"/>
                 <a:ea typeface="Courier" charset="0"/>
                 <a:cs typeface="Courier" charset="0"/>
@@ -7621,7 +7540,7 @@
               </a:spcAft>
             </a:pPr>
             <a:r>
-              <a:rPr lang="en-US" sz="750" b="1" dirty="0">
+              <a:rPr lang="en-US" sz="750" dirty="0">
                 <a:latin typeface="Courier" charset="0"/>
                 <a:ea typeface="Courier" charset="0"/>
                 <a:cs typeface="Courier" charset="0"/>
@@ -7636,7 +7555,7 @@
               </a:spcAft>
             </a:pPr>
             <a:r>
-              <a:rPr lang="en-US" sz="750" b="1" dirty="0">
+              <a:rPr lang="en-US" sz="750" dirty="0">
                 <a:latin typeface="Courier" charset="0"/>
                 <a:ea typeface="Courier" charset="0"/>
                 <a:cs typeface="Courier" charset="0"/>
@@ -7651,7 +7570,7 @@
               </a:spcAft>
             </a:pPr>
             <a:r>
-              <a:rPr lang="en-US" sz="750" b="1" dirty="0">
+              <a:rPr lang="en-US" sz="750" dirty="0">
                 <a:latin typeface="Courier" charset="0"/>
                 <a:ea typeface="Courier" charset="0"/>
                 <a:cs typeface="Courier" charset="0"/>
@@ -7659,7 +7578,7 @@
               <a:t>      |         Error Estimate        |  MBZ          | </a:t>
             </a:r>
             <a:r>
-              <a:rPr lang="en-US" sz="750" b="1" dirty="0">
+              <a:rPr lang="en-US" sz="750" dirty="0">
                 <a:solidFill>
                   <a:srgbClr val="0070C0"/>
                 </a:solidFill>
@@ -7670,7 +7589,7 @@
               <a:t>Control Code  </a:t>
             </a:r>
             <a:r>
-              <a:rPr lang="en-US" sz="750" b="1" dirty="0">
+              <a:rPr lang="en-US" sz="750" dirty="0">
                 <a:latin typeface="Courier" charset="0"/>
                 <a:ea typeface="Courier" charset="0"/>
                 <a:cs typeface="Courier" charset="0"/>
@@ -7685,7 +7604,7 @@
               </a:spcAft>
             </a:pPr>
             <a:r>
-              <a:rPr lang="en-US" sz="750" b="1" dirty="0">
+              <a:rPr lang="en-US" sz="750" dirty="0">
                 <a:latin typeface="Courier" charset="0"/>
                 <a:ea typeface="Courier" charset="0"/>
                 <a:cs typeface="Courier" charset="0"/>
@@ -7700,7 +7619,7 @@
               </a:spcAft>
             </a:pPr>
             <a:r>
-              <a:rPr lang="en-US" sz="750" b="1" dirty="0">
+              <a:rPr lang="en-US" sz="750" dirty="0">
                 <a:latin typeface="Courier" charset="0"/>
                 <a:ea typeface="Courier" charset="0"/>
                 <a:cs typeface="Courier" charset="0"/>
@@ -7715,7 +7634,7 @@
               </a:spcAft>
             </a:pPr>
             <a:r>
-              <a:rPr lang="en-US" sz="750" b="1" dirty="0">
+              <a:rPr lang="en-US" sz="750" dirty="0">
                 <a:latin typeface="Courier" charset="0"/>
                 <a:ea typeface="Courier" charset="0"/>
                 <a:cs typeface="Courier" charset="0"/>
@@ -7730,7 +7649,7 @@
               </a:spcAft>
             </a:pPr>
             <a:r>
-              <a:rPr lang="en-US" sz="750" b="1" dirty="0">
+              <a:rPr lang="en-US" sz="750" dirty="0">
                 <a:latin typeface="Courier" charset="0"/>
                 <a:ea typeface="Courier" charset="0"/>
                 <a:cs typeface="Courier" charset="0"/>
@@ -7745,7 +7664,7 @@
               </a:spcAft>
             </a:pPr>
             <a:r>
-              <a:rPr lang="en-US" sz="750" b="1" dirty="0">
+              <a:rPr lang="en-US" sz="750" dirty="0">
                 <a:latin typeface="Courier" charset="0"/>
                 <a:ea typeface="Courier" charset="0"/>
                 <a:cs typeface="Courier" charset="0"/>
@@ -7760,7 +7679,7 @@
               </a:spcAft>
             </a:pPr>
             <a:r>
-              <a:rPr lang="en-US" sz="750" b="1" dirty="0">
+              <a:rPr lang="en-US" sz="750" dirty="0">
                 <a:latin typeface="Courier" charset="0"/>
                 <a:ea typeface="Courier" charset="0"/>
                 <a:cs typeface="Courier" charset="0"/>
@@ -7775,7 +7694,7 @@
               </a:spcAft>
             </a:pPr>
             <a:r>
-              <a:rPr lang="en-US" sz="750" b="1" dirty="0">
+              <a:rPr lang="en-US" sz="750" dirty="0">
                 <a:latin typeface="Courier" charset="0"/>
                 <a:ea typeface="Courier" charset="0"/>
                 <a:cs typeface="Courier" charset="0"/>
@@ -7790,7 +7709,7 @@
               </a:spcAft>
             </a:pPr>
             <a:r>
-              <a:rPr lang="en-US" sz="750" b="1" dirty="0">
+              <a:rPr lang="en-US" sz="750" dirty="0">
                 <a:latin typeface="Courier" charset="0"/>
                 <a:ea typeface="Courier" charset="0"/>
                 <a:cs typeface="Courier" charset="0"/>
@@ -7805,7 +7724,7 @@
               </a:spcAft>
             </a:pPr>
             <a:r>
-              <a:rPr lang="en-US" sz="750" b="1" dirty="0">
+              <a:rPr lang="en-US" sz="750" dirty="0">
                 <a:latin typeface="Courier" charset="0"/>
                 <a:ea typeface="Courier" charset="0"/>
                 <a:cs typeface="Courier" charset="0"/>
@@ -7820,7 +7739,7 @@
               </a:spcAft>
             </a:pPr>
             <a:r>
-              <a:rPr lang="en-US" sz="750" b="1" dirty="0">
+              <a:rPr lang="en-US" sz="750" dirty="0">
                 <a:latin typeface="Courier" charset="0"/>
                 <a:ea typeface="Courier" charset="0"/>
                 <a:cs typeface="Courier" charset="0"/>
@@ -7835,7 +7754,7 @@
               </a:spcAft>
             </a:pPr>
             <a:r>
-              <a:rPr lang="en-US" sz="750" b="1" dirty="0">
+              <a:rPr lang="en-US" sz="750" dirty="0">
                 <a:latin typeface="Courier" charset="0"/>
                 <a:ea typeface="Courier" charset="0"/>
                 <a:cs typeface="Courier" charset="0"/>
@@ -7850,7 +7769,7 @@
               </a:spcAft>
             </a:pPr>
             <a:r>
-              <a:rPr lang="en-US" sz="750" b="1" dirty="0">
+              <a:rPr lang="en-US" sz="750" dirty="0">
                 <a:latin typeface="Courier" charset="0"/>
                 <a:ea typeface="Courier" charset="0"/>
                 <a:cs typeface="Courier" charset="0"/>
@@ -7865,7 +7784,7 @@
               </a:spcAft>
             </a:pPr>
             <a:r>
-              <a:rPr lang="en-US" sz="750" b="1" dirty="0">
+              <a:rPr lang="en-US" sz="750" dirty="0">
                 <a:latin typeface="Courier" charset="0"/>
                 <a:ea typeface="Courier" charset="0"/>
                 <a:cs typeface="Courier" charset="0"/>
@@ -7880,7 +7799,7 @@
               </a:spcAft>
             </a:pPr>
             <a:r>
-              <a:rPr lang="en-US" sz="750" b="1" dirty="0">
+              <a:rPr lang="en-US" sz="750" dirty="0">
                 <a:solidFill>
                   <a:srgbClr val="0070C0"/>
                 </a:solidFill>
@@ -7898,7 +7817,7 @@
               </a:spcAft>
             </a:pPr>
             <a:r>
-              <a:rPr lang="en-US" sz="750" b="1" dirty="0">
+              <a:rPr lang="en-US" sz="750" dirty="0">
                 <a:solidFill>
                   <a:srgbClr val="0070C0"/>
                 </a:solidFill>
@@ -7916,7 +7835,7 @@
               </a:spcAft>
             </a:pPr>
             <a:r>
-              <a:rPr lang="en-US" sz="750" b="1" dirty="0">
+              <a:rPr lang="en-US" sz="750" dirty="0">
                 <a:solidFill>
                   <a:srgbClr val="0070C0"/>
                 </a:solidFill>
@@ -7934,7 +7853,7 @@
               </a:spcAft>
             </a:pPr>
             <a:r>
-              <a:rPr lang="en-US" sz="750" b="1" dirty="0">
+              <a:rPr lang="en-US" sz="750" dirty="0">
                 <a:solidFill>
                   <a:srgbClr val="0070C0"/>
                 </a:solidFill>
@@ -7951,7 +7870,7 @@
                 <a:spcPts val="0"/>
               </a:spcAft>
             </a:pPr>
-            <a:endParaRPr lang="en-US" sz="750" b="1" dirty="0">
+            <a:endParaRPr lang="en-US" sz="750" dirty="0">
               <a:latin typeface="Courier" charset="0"/>
               <a:ea typeface="Courier" charset="0"/>
               <a:cs typeface="Courier" charset="0"/>
@@ -7964,7 +7883,7 @@
               </a:spcAft>
             </a:pPr>
             <a:r>
-              <a:rPr lang="en-US" sz="750" b="1" dirty="0">
+              <a:rPr lang="en-US" sz="750" dirty="0">
                 <a:latin typeface="Courier" charset="0"/>
                 <a:ea typeface="Courier" charset="0"/>
                 <a:cs typeface="Courier" charset="0"/>
@@ -7988,17 +7907,18 @@
         </p:nvSpPr>
         <p:spPr>
           <a:xfrm>
-            <a:off x="4495800" y="742950"/>
+            <a:off x="4548789" y="742950"/>
             <a:ext cx="4368799" cy="3323987"/>
           </a:xfrm>
           <a:prstGeom prst="rect">
             <a:avLst/>
           </a:prstGeom>
-          <a:solidFill>
-            <a:schemeClr val="bg1">
-              <a:lumMod val="95000"/>
-            </a:schemeClr>
-          </a:solidFill>
+          <a:noFill/>
+          <a:ln>
+            <a:solidFill>
+              <a:srgbClr val="002060"/>
+            </a:solidFill>
+          </a:ln>
         </p:spPr>
         <p:txBody>
           <a:bodyPr wrap="square">
@@ -8012,7 +7932,7 @@
               </a:spcAft>
             </a:pPr>
             <a:r>
-              <a:rPr lang="en-US" sz="750" b="1" dirty="0">
+              <a:rPr lang="en-US" sz="750" dirty="0">
                 <a:latin typeface="Courier" charset="0"/>
                 <a:ea typeface="Courier" charset="0"/>
                 <a:cs typeface="Courier" charset="0"/>
@@ -8027,7 +7947,7 @@
               </a:spcAft>
             </a:pPr>
             <a:r>
-              <a:rPr lang="en-US" sz="750" b="1" dirty="0">
+              <a:rPr lang="en-US" sz="750" dirty="0">
                 <a:latin typeface="Courier" charset="0"/>
                 <a:ea typeface="Courier" charset="0"/>
                 <a:cs typeface="Courier" charset="0"/>
@@ -8042,7 +7962,7 @@
               </a:spcAft>
             </a:pPr>
             <a:r>
-              <a:rPr lang="en-US" sz="750" b="1" dirty="0">
+              <a:rPr lang="en-US" sz="750" dirty="0">
                 <a:latin typeface="Courier" charset="0"/>
                 <a:ea typeface="Courier" charset="0"/>
                 <a:cs typeface="Courier" charset="0"/>
@@ -8057,7 +7977,7 @@
               </a:spcAft>
             </a:pPr>
             <a:r>
-              <a:rPr lang="en-US" sz="750" b="1" dirty="0">
+              <a:rPr lang="en-US" sz="750" dirty="0">
                 <a:latin typeface="Courier" charset="0"/>
                 <a:ea typeface="Courier" charset="0"/>
                 <a:cs typeface="Courier" charset="0"/>
@@ -8072,7 +7992,7 @@
               </a:spcAft>
             </a:pPr>
             <a:r>
-              <a:rPr lang="en-US" sz="750" b="1" dirty="0">
+              <a:rPr lang="en-US" sz="750" dirty="0">
                 <a:latin typeface="Courier" charset="0"/>
                 <a:ea typeface="Courier" charset="0"/>
                 <a:cs typeface="Courier" charset="0"/>
@@ -8087,7 +8007,7 @@
               </a:spcAft>
             </a:pPr>
             <a:r>
-              <a:rPr lang="en-US" sz="750" b="1" dirty="0">
+              <a:rPr lang="en-US" sz="750" dirty="0">
                 <a:latin typeface="Courier" charset="0"/>
                 <a:ea typeface="Courier" charset="0"/>
                 <a:cs typeface="Courier" charset="0"/>
@@ -8102,7 +8022,7 @@
               </a:spcAft>
             </a:pPr>
             <a:r>
-              <a:rPr lang="en-US" sz="750" b="1" dirty="0">
+              <a:rPr lang="en-US" sz="750" dirty="0">
                 <a:latin typeface="Courier" charset="0"/>
                 <a:ea typeface="Courier" charset="0"/>
                 <a:cs typeface="Courier" charset="0"/>
@@ -8117,7 +8037,7 @@
               </a:spcAft>
             </a:pPr>
             <a:r>
-              <a:rPr lang="en-US" sz="750" b="1" dirty="0">
+              <a:rPr lang="en-US" sz="750" dirty="0">
                 <a:latin typeface="Courier" charset="0"/>
                 <a:ea typeface="Courier" charset="0"/>
                 <a:cs typeface="Courier" charset="0"/>
@@ -8132,7 +8052,7 @@
               </a:spcAft>
             </a:pPr>
             <a:r>
-              <a:rPr lang="en-US" sz="750" b="1" dirty="0">
+              <a:rPr lang="en-US" sz="750" dirty="0">
                 <a:latin typeface="Courier" charset="0"/>
                 <a:ea typeface="Courier" charset="0"/>
                 <a:cs typeface="Courier" charset="0"/>
@@ -8140,7 +8060,7 @@
               <a:t>    |         Error Estimate        |  MBZ          | </a:t>
             </a:r>
             <a:r>
-              <a:rPr lang="en-US" sz="750" b="1" dirty="0">
+              <a:rPr lang="en-US" sz="750" dirty="0">
                 <a:solidFill>
                   <a:srgbClr val="0070C0"/>
                 </a:solidFill>
@@ -8151,7 +8071,7 @@
               <a:t>Control Code  </a:t>
             </a:r>
             <a:r>
-              <a:rPr lang="en-US" sz="750" b="1" dirty="0">
+              <a:rPr lang="en-US" sz="750" dirty="0">
                 <a:latin typeface="Courier" charset="0"/>
                 <a:ea typeface="Courier" charset="0"/>
                 <a:cs typeface="Courier" charset="0"/>
@@ -8166,7 +8086,7 @@
               </a:spcAft>
             </a:pPr>
             <a:r>
-              <a:rPr lang="en-US" sz="750" b="1" dirty="0">
+              <a:rPr lang="en-US" sz="750" dirty="0">
                 <a:latin typeface="Courier" charset="0"/>
                 <a:ea typeface="Courier" charset="0"/>
                 <a:cs typeface="Courier" charset="0"/>
@@ -8181,7 +8101,7 @@
               </a:spcAft>
             </a:pPr>
             <a:r>
-              <a:rPr lang="en-US" sz="750" b="1" dirty="0">
+              <a:rPr lang="en-US" sz="750" dirty="0">
                 <a:latin typeface="Courier" charset="0"/>
                 <a:ea typeface="Courier" charset="0"/>
                 <a:cs typeface="Courier" charset="0"/>
@@ -8196,7 +8116,7 @@
               </a:spcAft>
             </a:pPr>
             <a:r>
-              <a:rPr lang="en-US" sz="750" b="1" dirty="0">
+              <a:rPr lang="en-US" sz="750" dirty="0">
                 <a:latin typeface="Courier" charset="0"/>
                 <a:ea typeface="Courier" charset="0"/>
                 <a:cs typeface="Courier" charset="0"/>
@@ -8211,7 +8131,7 @@
               </a:spcAft>
             </a:pPr>
             <a:r>
-              <a:rPr lang="en-US" sz="750" b="1" dirty="0">
+              <a:rPr lang="en-US" sz="750" dirty="0">
                 <a:latin typeface="Courier" charset="0"/>
                 <a:ea typeface="Courier" charset="0"/>
                 <a:cs typeface="Courier" charset="0"/>
@@ -8226,7 +8146,7 @@
               </a:spcAft>
             </a:pPr>
             <a:r>
-              <a:rPr lang="en-US" sz="750" b="1" dirty="0">
+              <a:rPr lang="en-US" sz="750" dirty="0">
                 <a:latin typeface="Courier" charset="0"/>
                 <a:ea typeface="Courier" charset="0"/>
                 <a:cs typeface="Courier" charset="0"/>
@@ -8241,7 +8161,7 @@
               </a:spcAft>
             </a:pPr>
             <a:r>
-              <a:rPr lang="en-US" sz="750" b="1" dirty="0">
+              <a:rPr lang="en-US" sz="750" dirty="0">
                 <a:latin typeface="Courier" charset="0"/>
                 <a:ea typeface="Courier" charset="0"/>
                 <a:cs typeface="Courier" charset="0"/>
@@ -8256,7 +8176,7 @@
               </a:spcAft>
             </a:pPr>
             <a:r>
-              <a:rPr lang="en-US" sz="750" b="1" dirty="0">
+              <a:rPr lang="en-US" sz="750" dirty="0">
                 <a:latin typeface="Courier" charset="0"/>
                 <a:ea typeface="Courier" charset="0"/>
                 <a:cs typeface="Courier" charset="0"/>
@@ -8271,7 +8191,7 @@
               </a:spcAft>
             </a:pPr>
             <a:r>
-              <a:rPr lang="en-US" sz="750" b="1" dirty="0">
+              <a:rPr lang="en-US" sz="750" dirty="0">
                 <a:latin typeface="Courier" charset="0"/>
                 <a:ea typeface="Courier" charset="0"/>
                 <a:cs typeface="Courier" charset="0"/>
@@ -8286,7 +8206,7 @@
               </a:spcAft>
             </a:pPr>
             <a:r>
-              <a:rPr lang="en-US" sz="750" b="1" dirty="0">
+              <a:rPr lang="en-US" sz="750" dirty="0">
                 <a:latin typeface="Courier" charset="0"/>
                 <a:ea typeface="Courier" charset="0"/>
                 <a:cs typeface="Courier" charset="0"/>
@@ -8301,7 +8221,7 @@
               </a:spcAft>
             </a:pPr>
             <a:r>
-              <a:rPr lang="en-US" sz="750" b="1" dirty="0">
+              <a:rPr lang="en-US" sz="750" dirty="0">
                 <a:latin typeface="Courier" charset="0"/>
                 <a:ea typeface="Courier" charset="0"/>
                 <a:cs typeface="Courier" charset="0"/>
@@ -8316,7 +8236,7 @@
               </a:spcAft>
             </a:pPr>
             <a:r>
-              <a:rPr lang="en-US" sz="750" b="1" dirty="0">
+              <a:rPr lang="en-US" sz="750" dirty="0">
                 <a:latin typeface="Courier" charset="0"/>
                 <a:ea typeface="Courier" charset="0"/>
                 <a:cs typeface="Courier" charset="0"/>
@@ -8331,7 +8251,7 @@
               </a:spcAft>
             </a:pPr>
             <a:r>
-              <a:rPr lang="en-US" sz="750" b="1" dirty="0">
+              <a:rPr lang="en-US" sz="750" dirty="0">
                 <a:latin typeface="Courier" charset="0"/>
                 <a:ea typeface="Courier" charset="0"/>
                 <a:cs typeface="Courier" charset="0"/>
@@ -8339,7 +8259,7 @@
               <a:t>    |</a:t>
             </a:r>
             <a:r>
-              <a:rPr lang="en-US" sz="750" b="1" dirty="0" err="1">
+              <a:rPr lang="en-US" sz="750" dirty="0" err="1">
                 <a:latin typeface="Courier" charset="0"/>
                 <a:ea typeface="Courier" charset="0"/>
                 <a:cs typeface="Courier" charset="0"/>
@@ -8347,7 +8267,7 @@
               <a:t>Ses</a:t>
             </a:r>
             <a:r>
-              <a:rPr lang="en-US" sz="750" b="1" dirty="0">
+              <a:rPr lang="en-US" sz="750" dirty="0">
                 <a:latin typeface="Courier" charset="0"/>
                 <a:ea typeface="Courier" charset="0"/>
                 <a:cs typeface="Courier" charset="0"/>
@@ -8362,7 +8282,7 @@
               </a:spcAft>
             </a:pPr>
             <a:r>
-              <a:rPr lang="en-US" sz="750" b="1" dirty="0">
+              <a:rPr lang="en-US" sz="750" dirty="0">
                 <a:latin typeface="Courier" charset="0"/>
                 <a:ea typeface="Courier" charset="0"/>
                 <a:cs typeface="Courier" charset="0"/>
@@ -8377,7 +8297,7 @@
               </a:spcAft>
             </a:pPr>
             <a:r>
-              <a:rPr lang="en-US" sz="750" b="1" dirty="0">
+              <a:rPr lang="en-US" sz="750" dirty="0">
                 <a:solidFill>
                   <a:srgbClr val="0070C0"/>
                 </a:solidFill>
@@ -8395,7 +8315,7 @@
               </a:spcAft>
             </a:pPr>
             <a:r>
-              <a:rPr lang="en-US" sz="750" b="1" dirty="0">
+              <a:rPr lang="en-US" sz="750" dirty="0">
                 <a:solidFill>
                   <a:srgbClr val="0070C0"/>
                 </a:solidFill>
@@ -8413,7 +8333,7 @@
               </a:spcAft>
             </a:pPr>
             <a:r>
-              <a:rPr lang="en-US" sz="750" b="1" dirty="0">
+              <a:rPr lang="en-US" sz="750" dirty="0">
                 <a:solidFill>
                   <a:srgbClr val="0070C0"/>
                 </a:solidFill>
@@ -8431,7 +8351,7 @@
               </a:spcAft>
             </a:pPr>
             <a:r>
-              <a:rPr lang="en-US" sz="750" b="1" dirty="0">
+              <a:rPr lang="en-US" sz="750" dirty="0">
                 <a:solidFill>
                   <a:srgbClr val="0070C0"/>
                 </a:solidFill>
@@ -8449,7 +8369,7 @@
               </a:spcAft>
             </a:pPr>
             <a:r>
-              <a:rPr lang="en-US" sz="750" b="1" dirty="0">
+              <a:rPr lang="en-US" sz="750" dirty="0">
                 <a:solidFill>
                   <a:srgbClr val="0070C0"/>
                 </a:solidFill>
@@ -8467,7 +8387,7 @@
               </a:spcAft>
             </a:pPr>
             <a:r>
-              <a:rPr lang="en-US" sz="750" b="1" dirty="0">
+              <a:rPr lang="en-US" sz="750" dirty="0">
                 <a:latin typeface="Courier" charset="0"/>
                 <a:ea typeface="Courier" charset="0"/>
                 <a:cs typeface="Courier" charset="0"/>
@@ -8817,49 +8737,6 @@
           </a:p>
         </p:txBody>
       </p:sp>
-      <p:cxnSp>
-        <p:nvCxnSpPr>
-          <p:cNvPr id="4" name="Straight Connector 3">
-            <a:extLst>
-              <a:ext uri="{FF2B5EF4-FFF2-40B4-BE49-F238E27FC236}">
-                <a16:creationId xmlns:a16="http://schemas.microsoft.com/office/drawing/2014/main" id="{0B9B10AD-8D48-D148-91E8-65E3279D89CE}"/>
-              </a:ext>
-            </a:extLst>
-          </p:cNvPr>
-          <p:cNvCxnSpPr>
-            <a:cxnSpLocks/>
-          </p:cNvCxnSpPr>
-          <p:nvPr/>
-        </p:nvCxnSpPr>
-        <p:spPr>
-          <a:xfrm>
-            <a:off x="4595191" y="742950"/>
-            <a:ext cx="0" cy="3323987"/>
-          </a:xfrm>
-          <a:prstGeom prst="line">
-            <a:avLst/>
-          </a:prstGeom>
-          <a:ln>
-            <a:solidFill>
-              <a:schemeClr val="tx2"/>
-            </a:solidFill>
-          </a:ln>
-        </p:spPr>
-        <p:style>
-          <a:lnRef idx="1">
-            <a:schemeClr val="accent1"/>
-          </a:lnRef>
-          <a:fillRef idx="0">
-            <a:schemeClr val="accent1"/>
-          </a:fillRef>
-          <a:effectRef idx="0">
-            <a:schemeClr val="accent1"/>
-          </a:effectRef>
-          <a:fontRef idx="minor">
-            <a:schemeClr val="tx1"/>
-          </a:fontRef>
-        </p:style>
-      </p:cxnSp>
       <p:sp>
         <p:nvSpPr>
           <p:cNvPr id="8" name="TextBox 7">
@@ -8998,11 +8875,12 @@
           <a:prstGeom prst="rect">
             <a:avLst/>
           </a:prstGeom>
-          <a:solidFill>
-            <a:schemeClr val="bg1">
-              <a:lumMod val="95000"/>
-            </a:schemeClr>
-          </a:solidFill>
+          <a:noFill/>
+          <a:ln>
+            <a:solidFill>
+              <a:srgbClr val="002060"/>
+            </a:solidFill>
+          </a:ln>
         </p:spPr>
         <p:txBody>
           <a:bodyPr wrap="square">
@@ -9016,7 +8894,7 @@
               </a:spcAft>
             </a:pPr>
             <a:r>
-              <a:rPr lang="en-US" sz="750" b="1" dirty="0">
+              <a:rPr lang="en-US" sz="750" dirty="0">
                 <a:latin typeface="Courier" charset="0"/>
                 <a:ea typeface="Courier" charset="0"/>
                 <a:cs typeface="Courier" charset="0"/>
@@ -9031,7 +8909,7 @@
               </a:spcAft>
             </a:pPr>
             <a:r>
-              <a:rPr lang="en-US" sz="750" b="1" dirty="0">
+              <a:rPr lang="en-US" sz="750" dirty="0">
                 <a:latin typeface="Courier" charset="0"/>
                 <a:ea typeface="Courier" charset="0"/>
                 <a:cs typeface="Courier" charset="0"/>
@@ -9046,7 +8924,7 @@
               </a:spcAft>
             </a:pPr>
             <a:r>
-              <a:rPr lang="en-US" sz="750" b="1" dirty="0">
+              <a:rPr lang="en-US" sz="750" dirty="0">
                 <a:latin typeface="Courier" charset="0"/>
                 <a:ea typeface="Courier" charset="0"/>
                 <a:cs typeface="Courier" charset="0"/>
@@ -9061,7 +8939,7 @@
               </a:spcAft>
             </a:pPr>
             <a:r>
-              <a:rPr lang="en-US" sz="750" b="1" dirty="0">
+              <a:rPr lang="en-US" sz="750" dirty="0">
                 <a:latin typeface="Courier" charset="0"/>
                 <a:ea typeface="Courier" charset="0"/>
                 <a:cs typeface="Courier" charset="0"/>
@@ -9076,7 +8954,7 @@
               </a:spcAft>
             </a:pPr>
             <a:r>
-              <a:rPr lang="en-US" sz="750" b="1" dirty="0">
+              <a:rPr lang="en-US" sz="750" dirty="0">
                 <a:latin typeface="Courier" charset="0"/>
                 <a:ea typeface="Courier" charset="0"/>
                 <a:cs typeface="Courier" charset="0"/>
@@ -9091,7 +8969,7 @@
               </a:spcAft>
             </a:pPr>
             <a:r>
-              <a:rPr lang="en-US" sz="750" b="1" dirty="0">
+              <a:rPr lang="en-US" sz="750" dirty="0">
                 <a:latin typeface="Courier" charset="0"/>
                 <a:ea typeface="Courier" charset="0"/>
                 <a:cs typeface="Courier" charset="0"/>
@@ -9106,7 +8984,7 @@
               </a:spcAft>
             </a:pPr>
             <a:r>
-              <a:rPr lang="en-US" sz="750" b="1" dirty="0">
+              <a:rPr lang="en-US" sz="750" dirty="0">
                 <a:latin typeface="Courier" charset="0"/>
                 <a:ea typeface="Courier" charset="0"/>
                 <a:cs typeface="Courier" charset="0"/>
@@ -9121,7 +8999,7 @@
               </a:spcAft>
             </a:pPr>
             <a:r>
-              <a:rPr lang="en-US" sz="750" b="1" dirty="0">
+              <a:rPr lang="en-US" sz="750" dirty="0">
                 <a:latin typeface="Courier" charset="0"/>
                 <a:ea typeface="Courier" charset="0"/>
                 <a:cs typeface="Courier" charset="0"/>
@@ -9136,7 +9014,7 @@
               </a:spcAft>
             </a:pPr>
             <a:r>
-              <a:rPr lang="en-US" sz="750" b="1" dirty="0">
+              <a:rPr lang="en-US" sz="750" dirty="0">
                 <a:latin typeface="Courier" charset="0"/>
                 <a:ea typeface="Courier" charset="0"/>
                 <a:cs typeface="Courier" charset="0"/>
@@ -9144,7 +9022,7 @@
               <a:t>      |         Error Estimate        |    </a:t>
             </a:r>
             <a:r>
-              <a:rPr lang="en-US" sz="750" b="1" dirty="0">
+              <a:rPr lang="en-US" sz="750" dirty="0">
                 <a:solidFill>
                   <a:srgbClr val="0070C0"/>
                 </a:solidFill>
@@ -9155,7 +9033,7 @@
               <a:t>Session ID                 </a:t>
             </a:r>
             <a:r>
-              <a:rPr lang="en-US" sz="750" b="1" dirty="0">
+              <a:rPr lang="en-US" sz="750" dirty="0">
                 <a:latin typeface="Courier" charset="0"/>
                 <a:ea typeface="Courier" charset="0"/>
                 <a:cs typeface="Courier" charset="0"/>
@@ -9170,7 +9048,7 @@
               </a:spcAft>
             </a:pPr>
             <a:r>
-              <a:rPr lang="en-US" sz="750" b="1" dirty="0">
+              <a:rPr lang="en-US" sz="750" dirty="0">
                 <a:latin typeface="Courier" charset="0"/>
                 <a:ea typeface="Courier" charset="0"/>
                 <a:cs typeface="Courier" charset="0"/>
@@ -9185,7 +9063,7 @@
               </a:spcAft>
             </a:pPr>
             <a:r>
-              <a:rPr lang="en-US" sz="750" b="1" dirty="0">
+              <a:rPr lang="en-US" sz="750" dirty="0">
                 <a:latin typeface="Courier" charset="0"/>
                 <a:ea typeface="Courier" charset="0"/>
                 <a:cs typeface="Courier" charset="0"/>
@@ -9200,7 +9078,7 @@
               </a:spcAft>
             </a:pPr>
             <a:r>
-              <a:rPr lang="en-US" sz="750" b="1" dirty="0">
+              <a:rPr lang="en-US" sz="750" dirty="0">
                 <a:latin typeface="Courier" charset="0"/>
                 <a:ea typeface="Courier" charset="0"/>
                 <a:cs typeface="Courier" charset="0"/>
@@ -9215,7 +9093,7 @@
               </a:spcAft>
             </a:pPr>
             <a:r>
-              <a:rPr lang="en-US" sz="750" b="1" dirty="0">
+              <a:rPr lang="en-US" sz="750" dirty="0">
                 <a:latin typeface="Courier" charset="0"/>
                 <a:ea typeface="Courier" charset="0"/>
                 <a:cs typeface="Courier" charset="0"/>
@@ -9230,7 +9108,7 @@
               </a:spcAft>
             </a:pPr>
             <a:r>
-              <a:rPr lang="en-US" sz="750" b="1" dirty="0">
+              <a:rPr lang="en-US" sz="750" dirty="0">
                 <a:latin typeface="Courier" charset="0"/>
                 <a:ea typeface="Courier" charset="0"/>
                 <a:cs typeface="Courier" charset="0"/>
@@ -9245,7 +9123,7 @@
               </a:spcAft>
             </a:pPr>
             <a:r>
-              <a:rPr lang="en-US" sz="750" b="1" dirty="0">
+              <a:rPr lang="en-US" sz="750" dirty="0">
                 <a:latin typeface="Courier" charset="0"/>
                 <a:ea typeface="Courier" charset="0"/>
                 <a:cs typeface="Courier" charset="0"/>
@@ -9260,7 +9138,7 @@
               </a:spcAft>
             </a:pPr>
             <a:r>
-              <a:rPr lang="en-US" sz="750" b="1" dirty="0">
+              <a:rPr lang="en-US" sz="750" dirty="0">
                 <a:latin typeface="Courier" charset="0"/>
                 <a:ea typeface="Courier" charset="0"/>
                 <a:cs typeface="Courier" charset="0"/>
@@ -9275,7 +9153,7 @@
               </a:spcAft>
             </a:pPr>
             <a:r>
-              <a:rPr lang="en-US" sz="750" b="1" dirty="0">
+              <a:rPr lang="en-US" sz="750" dirty="0">
                 <a:latin typeface="Courier" charset="0"/>
                 <a:ea typeface="Courier" charset="0"/>
                 <a:cs typeface="Courier" charset="0"/>
@@ -9290,7 +9168,7 @@
               </a:spcAft>
             </a:pPr>
             <a:r>
-              <a:rPr lang="en-US" sz="750" b="1" dirty="0">
+              <a:rPr lang="en-US" sz="750" dirty="0">
                 <a:latin typeface="Courier" charset="0"/>
                 <a:ea typeface="Courier" charset="0"/>
                 <a:cs typeface="Courier" charset="0"/>
@@ -9305,7 +9183,7 @@
               </a:spcAft>
             </a:pPr>
             <a:r>
-              <a:rPr lang="en-US" sz="750" b="1" dirty="0">
+              <a:rPr lang="en-US" sz="750" dirty="0">
                 <a:latin typeface="Courier" charset="0"/>
                 <a:ea typeface="Courier" charset="0"/>
                 <a:cs typeface="Courier" charset="0"/>
@@ -9320,7 +9198,7 @@
               </a:spcAft>
             </a:pPr>
             <a:r>
-              <a:rPr lang="en-US" sz="750" b="1" dirty="0">
+              <a:rPr lang="en-US" sz="750" dirty="0">
                 <a:latin typeface="Courier" charset="0"/>
                 <a:ea typeface="Courier" charset="0"/>
                 <a:cs typeface="Courier" charset="0"/>
@@ -9335,7 +9213,7 @@
               </a:spcAft>
             </a:pPr>
             <a:r>
-              <a:rPr lang="en-US" sz="750" b="1" dirty="0">
+              <a:rPr lang="en-US" sz="750" dirty="0">
                 <a:latin typeface="Courier" charset="0"/>
                 <a:ea typeface="Courier" charset="0"/>
                 <a:cs typeface="Courier" charset="0"/>
@@ -9350,7 +9228,7 @@
               </a:spcAft>
             </a:pPr>
             <a:r>
-              <a:rPr lang="en-US" sz="750" b="1" dirty="0">
+              <a:rPr lang="en-US" sz="750" dirty="0">
                 <a:latin typeface="Courier" charset="0"/>
                 <a:ea typeface="Courier" charset="0"/>
                 <a:cs typeface="Courier" charset="0"/>
@@ -9365,7 +9243,7 @@
               </a:spcAft>
             </a:pPr>
             <a:r>
-              <a:rPr lang="en-US" sz="750" b="1" dirty="0">
+              <a:rPr lang="en-US" sz="750" dirty="0">
                 <a:solidFill>
                   <a:srgbClr val="0070C0"/>
                 </a:solidFill>
@@ -9383,7 +9261,7 @@
               </a:spcAft>
             </a:pPr>
             <a:r>
-              <a:rPr lang="en-US" sz="750" b="1" dirty="0">
+              <a:rPr lang="en-US" sz="750" dirty="0">
                 <a:solidFill>
                   <a:srgbClr val="0070C0"/>
                 </a:solidFill>
@@ -9401,7 +9279,7 @@
               </a:spcAft>
             </a:pPr>
             <a:r>
-              <a:rPr lang="en-US" sz="750" b="1" dirty="0">
+              <a:rPr lang="en-US" sz="750" dirty="0">
                 <a:solidFill>
                   <a:srgbClr val="0070C0"/>
                 </a:solidFill>
@@ -9419,7 +9297,7 @@
               </a:spcAft>
             </a:pPr>
             <a:r>
-              <a:rPr lang="en-US" sz="750" b="1" dirty="0">
+              <a:rPr lang="en-US" sz="750" dirty="0">
                 <a:solidFill>
                   <a:srgbClr val="0070C0"/>
                 </a:solidFill>
@@ -9436,7 +9314,7 @@
                 <a:spcPts val="0"/>
               </a:spcAft>
             </a:pPr>
-            <a:endParaRPr lang="en-US" sz="750" b="1" dirty="0">
+            <a:endParaRPr lang="en-US" sz="750" dirty="0">
               <a:latin typeface="Courier" charset="0"/>
               <a:ea typeface="Courier" charset="0"/>
               <a:cs typeface="Courier" charset="0"/>
@@ -9449,7 +9327,7 @@
               </a:spcAft>
             </a:pPr>
             <a:r>
-              <a:rPr lang="en-US" sz="750" b="1" dirty="0">
+              <a:rPr lang="en-US" sz="750" dirty="0">
                 <a:latin typeface="Courier" charset="0"/>
                 <a:ea typeface="Courier" charset="0"/>
                 <a:cs typeface="Courier" charset="0"/>
@@ -9473,17 +9351,18 @@
         </p:nvSpPr>
         <p:spPr>
           <a:xfrm>
-            <a:off x="4495800" y="619363"/>
+            <a:off x="4539343" y="619362"/>
             <a:ext cx="4368799" cy="3323987"/>
           </a:xfrm>
           <a:prstGeom prst="rect">
             <a:avLst/>
           </a:prstGeom>
-          <a:solidFill>
-            <a:schemeClr val="bg1">
-              <a:lumMod val="95000"/>
-            </a:schemeClr>
-          </a:solidFill>
+          <a:noFill/>
+          <a:ln>
+            <a:solidFill>
+              <a:srgbClr val="002060"/>
+            </a:solidFill>
+          </a:ln>
         </p:spPr>
         <p:txBody>
           <a:bodyPr wrap="square">
@@ -9497,7 +9376,7 @@
               </a:spcAft>
             </a:pPr>
             <a:r>
-              <a:rPr lang="en-US" sz="750" b="1" dirty="0">
+              <a:rPr lang="en-US" sz="750" dirty="0">
                 <a:latin typeface="Courier" charset="0"/>
                 <a:ea typeface="Courier" charset="0"/>
                 <a:cs typeface="Courier" charset="0"/>
@@ -9512,7 +9391,7 @@
               </a:spcAft>
             </a:pPr>
             <a:r>
-              <a:rPr lang="en-US" sz="750" b="1" dirty="0">
+              <a:rPr lang="en-US" sz="750" dirty="0">
                 <a:latin typeface="Courier" charset="0"/>
                 <a:ea typeface="Courier" charset="0"/>
                 <a:cs typeface="Courier" charset="0"/>
@@ -9527,7 +9406,7 @@
               </a:spcAft>
             </a:pPr>
             <a:r>
-              <a:rPr lang="en-US" sz="750" b="1" dirty="0">
+              <a:rPr lang="en-US" sz="750" dirty="0">
                 <a:latin typeface="Courier" charset="0"/>
                 <a:ea typeface="Courier" charset="0"/>
                 <a:cs typeface="Courier" charset="0"/>
@@ -9542,7 +9421,7 @@
               </a:spcAft>
             </a:pPr>
             <a:r>
-              <a:rPr lang="en-US" sz="750" b="1" dirty="0">
+              <a:rPr lang="en-US" sz="750" dirty="0">
                 <a:latin typeface="Courier" charset="0"/>
                 <a:ea typeface="Courier" charset="0"/>
                 <a:cs typeface="Courier" charset="0"/>
@@ -9557,7 +9436,7 @@
               </a:spcAft>
             </a:pPr>
             <a:r>
-              <a:rPr lang="en-US" sz="750" b="1" dirty="0">
+              <a:rPr lang="en-US" sz="750" dirty="0">
                 <a:latin typeface="Courier" charset="0"/>
                 <a:ea typeface="Courier" charset="0"/>
                 <a:cs typeface="Courier" charset="0"/>
@@ -9572,7 +9451,7 @@
               </a:spcAft>
             </a:pPr>
             <a:r>
-              <a:rPr lang="en-US" sz="750" b="1" dirty="0">
+              <a:rPr lang="en-US" sz="750" dirty="0">
                 <a:latin typeface="Courier" charset="0"/>
                 <a:ea typeface="Courier" charset="0"/>
                 <a:cs typeface="Courier" charset="0"/>
@@ -9587,7 +9466,7 @@
               </a:spcAft>
             </a:pPr>
             <a:r>
-              <a:rPr lang="en-US" sz="750" b="1" dirty="0">
+              <a:rPr lang="en-US" sz="750" dirty="0">
                 <a:latin typeface="Courier" charset="0"/>
                 <a:ea typeface="Courier" charset="0"/>
                 <a:cs typeface="Courier" charset="0"/>
@@ -9602,7 +9481,7 @@
               </a:spcAft>
             </a:pPr>
             <a:r>
-              <a:rPr lang="en-US" sz="750" b="1" dirty="0">
+              <a:rPr lang="en-US" sz="750" dirty="0">
                 <a:latin typeface="Courier" charset="0"/>
                 <a:ea typeface="Courier" charset="0"/>
                 <a:cs typeface="Courier" charset="0"/>
@@ -9617,7 +9496,7 @@
               </a:spcAft>
             </a:pPr>
             <a:r>
-              <a:rPr lang="en-US" sz="750" b="1" dirty="0">
+              <a:rPr lang="en-US" sz="750" dirty="0">
                 <a:latin typeface="Courier" charset="0"/>
                 <a:ea typeface="Courier" charset="0"/>
                 <a:cs typeface="Courier" charset="0"/>
@@ -9625,7 +9504,7 @@
               <a:t>    |         Error Estimate        |   </a:t>
             </a:r>
             <a:r>
-              <a:rPr lang="en-US" sz="750" b="1" dirty="0">
+              <a:rPr lang="en-US" sz="750" dirty="0">
                 <a:solidFill>
                   <a:srgbClr val="0070C0"/>
                 </a:solidFill>
@@ -9636,7 +9515,7 @@
               <a:t>Session ID                  </a:t>
             </a:r>
             <a:r>
-              <a:rPr lang="en-US" sz="750" b="1" dirty="0">
+              <a:rPr lang="en-US" sz="750" dirty="0">
                 <a:latin typeface="Courier" charset="0"/>
                 <a:ea typeface="Courier" charset="0"/>
                 <a:cs typeface="Courier" charset="0"/>
@@ -9651,7 +9530,7 @@
               </a:spcAft>
             </a:pPr>
             <a:r>
-              <a:rPr lang="en-US" sz="750" b="1" dirty="0">
+              <a:rPr lang="en-US" sz="750" dirty="0">
                 <a:latin typeface="Courier" charset="0"/>
                 <a:ea typeface="Courier" charset="0"/>
                 <a:cs typeface="Courier" charset="0"/>
@@ -9666,7 +9545,7 @@
               </a:spcAft>
             </a:pPr>
             <a:r>
-              <a:rPr lang="en-US" sz="750" b="1" dirty="0">
+              <a:rPr lang="en-US" sz="750" dirty="0">
                 <a:latin typeface="Courier" charset="0"/>
                 <a:ea typeface="Courier" charset="0"/>
                 <a:cs typeface="Courier" charset="0"/>
@@ -9681,7 +9560,7 @@
               </a:spcAft>
             </a:pPr>
             <a:r>
-              <a:rPr lang="en-US" sz="750" b="1" dirty="0">
+              <a:rPr lang="en-US" sz="750" dirty="0">
                 <a:latin typeface="Courier" charset="0"/>
                 <a:ea typeface="Courier" charset="0"/>
                 <a:cs typeface="Courier" charset="0"/>
@@ -9696,7 +9575,7 @@
               </a:spcAft>
             </a:pPr>
             <a:r>
-              <a:rPr lang="en-US" sz="750" b="1" dirty="0">
+              <a:rPr lang="en-US" sz="750" dirty="0">
                 <a:latin typeface="Courier" charset="0"/>
                 <a:ea typeface="Courier" charset="0"/>
                 <a:cs typeface="Courier" charset="0"/>
@@ -9711,7 +9590,7 @@
               </a:spcAft>
             </a:pPr>
             <a:r>
-              <a:rPr lang="en-US" sz="750" b="1" dirty="0">
+              <a:rPr lang="en-US" sz="750" dirty="0">
                 <a:latin typeface="Courier" charset="0"/>
                 <a:ea typeface="Courier" charset="0"/>
                 <a:cs typeface="Courier" charset="0"/>
@@ -9726,7 +9605,7 @@
               </a:spcAft>
             </a:pPr>
             <a:r>
-              <a:rPr lang="en-US" sz="750" b="1" dirty="0">
+              <a:rPr lang="en-US" sz="750" dirty="0">
                 <a:latin typeface="Courier" charset="0"/>
                 <a:ea typeface="Courier" charset="0"/>
                 <a:cs typeface="Courier" charset="0"/>
@@ -9741,7 +9620,7 @@
               </a:spcAft>
             </a:pPr>
             <a:r>
-              <a:rPr lang="en-US" sz="750" b="1" dirty="0">
+              <a:rPr lang="en-US" sz="750" dirty="0">
                 <a:latin typeface="Courier" charset="0"/>
                 <a:ea typeface="Courier" charset="0"/>
                 <a:cs typeface="Courier" charset="0"/>
@@ -9756,7 +9635,7 @@
               </a:spcAft>
             </a:pPr>
             <a:r>
-              <a:rPr lang="en-US" sz="750" b="1" dirty="0">
+              <a:rPr lang="en-US" sz="750" dirty="0">
                 <a:latin typeface="Courier" charset="0"/>
                 <a:ea typeface="Courier" charset="0"/>
                 <a:cs typeface="Courier" charset="0"/>
@@ -9771,7 +9650,7 @@
               </a:spcAft>
             </a:pPr>
             <a:r>
-              <a:rPr lang="en-US" sz="750" b="1" dirty="0">
+              <a:rPr lang="en-US" sz="750" dirty="0">
                 <a:latin typeface="Courier" charset="0"/>
                 <a:ea typeface="Courier" charset="0"/>
                 <a:cs typeface="Courier" charset="0"/>
@@ -9786,7 +9665,7 @@
               </a:spcAft>
             </a:pPr>
             <a:r>
-              <a:rPr lang="en-US" sz="750" b="1" dirty="0">
+              <a:rPr lang="en-US" sz="750" dirty="0">
                 <a:latin typeface="Courier" charset="0"/>
                 <a:ea typeface="Courier" charset="0"/>
                 <a:cs typeface="Courier" charset="0"/>
@@ -9801,7 +9680,7 @@
               </a:spcAft>
             </a:pPr>
             <a:r>
-              <a:rPr lang="en-US" sz="750" b="1" dirty="0">
+              <a:rPr lang="en-US" sz="750" dirty="0">
                 <a:latin typeface="Courier" charset="0"/>
                 <a:ea typeface="Courier" charset="0"/>
                 <a:cs typeface="Courier" charset="0"/>
@@ -9816,7 +9695,7 @@
               </a:spcAft>
             </a:pPr>
             <a:r>
-              <a:rPr lang="en-US" sz="750" b="1" dirty="0">
+              <a:rPr lang="en-US" sz="750" dirty="0">
                 <a:latin typeface="Courier" charset="0"/>
                 <a:ea typeface="Courier" charset="0"/>
                 <a:cs typeface="Courier" charset="0"/>
@@ -9824,7 +9703,7 @@
               <a:t>    |</a:t>
             </a:r>
             <a:r>
-              <a:rPr lang="en-US" sz="750" b="1" dirty="0" err="1">
+              <a:rPr lang="en-US" sz="750" dirty="0" err="1">
                 <a:latin typeface="Courier" charset="0"/>
                 <a:ea typeface="Courier" charset="0"/>
                 <a:cs typeface="Courier" charset="0"/>
@@ -9832,7 +9711,7 @@
               <a:t>Ses</a:t>
             </a:r>
             <a:r>
-              <a:rPr lang="en-US" sz="750" b="1" dirty="0">
+              <a:rPr lang="en-US" sz="750" dirty="0">
                 <a:latin typeface="Courier" charset="0"/>
                 <a:ea typeface="Courier" charset="0"/>
                 <a:cs typeface="Courier" charset="0"/>
@@ -9847,7 +9726,7 @@
               </a:spcAft>
             </a:pPr>
             <a:r>
-              <a:rPr lang="en-US" sz="750" b="1" dirty="0">
+              <a:rPr lang="en-US" sz="750" dirty="0">
                 <a:latin typeface="Courier" charset="0"/>
                 <a:ea typeface="Courier" charset="0"/>
                 <a:cs typeface="Courier" charset="0"/>
@@ -9862,7 +9741,7 @@
               </a:spcAft>
             </a:pPr>
             <a:r>
-              <a:rPr lang="en-US" sz="750" b="1" dirty="0">
+              <a:rPr lang="en-US" sz="750" dirty="0">
                 <a:solidFill>
                   <a:srgbClr val="0070C0"/>
                 </a:solidFill>
@@ -9880,7 +9759,7 @@
               </a:spcAft>
             </a:pPr>
             <a:r>
-              <a:rPr lang="en-US" sz="750" b="1" dirty="0">
+              <a:rPr lang="en-US" sz="750" dirty="0">
                 <a:solidFill>
                   <a:srgbClr val="0070C0"/>
                 </a:solidFill>
@@ -9898,7 +9777,7 @@
               </a:spcAft>
             </a:pPr>
             <a:r>
-              <a:rPr lang="en-US" sz="750" b="1" dirty="0">
+              <a:rPr lang="en-US" sz="750" dirty="0">
                 <a:solidFill>
                   <a:srgbClr val="0070C0"/>
                 </a:solidFill>
@@ -9916,7 +9795,7 @@
               </a:spcAft>
             </a:pPr>
             <a:r>
-              <a:rPr lang="en-US" sz="750" b="1" dirty="0">
+              <a:rPr lang="en-US" sz="750" dirty="0">
                 <a:solidFill>
                   <a:srgbClr val="0070C0"/>
                 </a:solidFill>
@@ -9934,7 +9813,7 @@
               </a:spcAft>
             </a:pPr>
             <a:r>
-              <a:rPr lang="en-US" sz="750" b="1" dirty="0">
+              <a:rPr lang="en-US" sz="750" dirty="0">
                 <a:latin typeface="Courier" charset="0"/>
                 <a:ea typeface="Courier" charset="0"/>
                 <a:cs typeface="Courier" charset="0"/>
@@ -10284,49 +10163,6 @@
           </a:p>
         </p:txBody>
       </p:sp>
-      <p:cxnSp>
-        <p:nvCxnSpPr>
-          <p:cNvPr id="4" name="Straight Connector 3">
-            <a:extLst>
-              <a:ext uri="{FF2B5EF4-FFF2-40B4-BE49-F238E27FC236}">
-                <a16:creationId xmlns:a16="http://schemas.microsoft.com/office/drawing/2014/main" id="{0B9B10AD-8D48-D148-91E8-65E3279D89CE}"/>
-              </a:ext>
-            </a:extLst>
-          </p:cNvPr>
-          <p:cNvCxnSpPr>
-            <a:cxnSpLocks/>
-          </p:cNvCxnSpPr>
-          <p:nvPr/>
-        </p:nvCxnSpPr>
-        <p:spPr>
-          <a:xfrm>
-            <a:off x="4595191" y="619363"/>
-            <a:ext cx="0" cy="3323987"/>
-          </a:xfrm>
-          <a:prstGeom prst="line">
-            <a:avLst/>
-          </a:prstGeom>
-          <a:ln>
-            <a:solidFill>
-              <a:schemeClr val="tx2"/>
-            </a:solidFill>
-          </a:ln>
-        </p:spPr>
-        <p:style>
-          <a:lnRef idx="1">
-            <a:schemeClr val="accent1"/>
-          </a:lnRef>
-          <a:fillRef idx="0">
-            <a:schemeClr val="accent1"/>
-          </a:fillRef>
-          <a:effectRef idx="0">
-            <a:schemeClr val="accent1"/>
-          </a:effectRef>
-          <a:fontRef idx="minor">
-            <a:schemeClr val="tx1"/>
-          </a:fontRef>
-        </p:style>
-      </p:cxnSp>
       <p:sp>
         <p:nvSpPr>
           <p:cNvPr id="8" name="TextBox 7">

--- a/stamp-session-id-rev1.pptx
+++ b/stamp-session-id-rev1.pptx
@@ -1832,7 +1832,7 @@
               </a14:hiddenLine>
             </a:ext>
             <a:ext uri="{FAA26D3D-D897-4be2-8F04-BA451C77F1D7}">
-              <ma14:placeholderFlag xmlns="" xmlns:ma14="http://schemas.microsoft.com/office/mac/drawingml/2011/main" val="1"/>
+              <ma14:placeholderFlag xmlns:ma14="http://schemas.microsoft.com/office/mac/drawingml/2011/main" xmlns="" val="1"/>
             </a:ext>
           </a:extLst>
         </p:spPr>
@@ -4626,7 +4626,7 @@
                 <a:ea typeface="Calibri" charset="0"/>
                 <a:cs typeface="Calibri" panose="020F0502020204030204" pitchFamily="34" charset="0"/>
               </a:rPr>
-              <a:t>Contact: Rakesh Gandhi - Cisco Systems (</a:t>
+              <a:t>Contact: Rakesh Gandhi (</a:t>
             </a:r>
             <a:r>
               <a:rPr lang="en-US" altLang="zh-CN" i="1" dirty="0">
@@ -4635,7 +4635,7 @@
                 <a:cs typeface="Calibri" panose="020F0502020204030204" pitchFamily="34" charset="0"/>
                 <a:hlinkClick r:id="rId3"/>
               </a:rPr>
-              <a:t>rgandhi@cisco.com</a:t>
+              <a:t>rgandhi.ietf@gmail.com</a:t>
             </a:r>
             <a:r>
               <a:rPr lang="en-US" altLang="zh-CN" i="1" dirty="0">

--- a/stamp-session-id-rev1.pptx
+++ b/stamp-session-id-rev1.pptx
@@ -1832,7 +1832,7 @@
               </a14:hiddenLine>
             </a:ext>
             <a:ext uri="{FAA26D3D-D897-4be2-8F04-BA451C77F1D7}">
-              <ma14:placeholderFlag xmlns:ma14="http://schemas.microsoft.com/office/mac/drawingml/2011/main" xmlns="" val="1"/>
+              <ma14:placeholderFlag xmlns="" xmlns:ma14="http://schemas.microsoft.com/office/mac/drawingml/2011/main" val="1"/>
             </a:ext>
           </a:extLst>
         </p:spPr>
@@ -4583,7 +4583,7 @@
           <a:p>
             <a:r>
               <a:rPr lang="en-US" sz="3600" dirty="0"/>
-              <a:t>Session ID and Control Code Options for STAMP Message Format</a:t>
+              <a:t>Options for Session ID and Control Code for STAMP Message Format</a:t>
             </a:r>
           </a:p>
         </p:txBody>

--- a/stamp-session-id-rev1.pptx
+++ b/stamp-session-id-rev1.pptx
@@ -5,18 +5,19 @@
     <p:sldMasterId id="2147483648" r:id="rId1"/>
   </p:sldMasterIdLst>
   <p:notesMasterIdLst>
-    <p:notesMasterId r:id="rId8"/>
+    <p:notesMasterId r:id="rId9"/>
   </p:notesMasterIdLst>
   <p:handoutMasterIdLst>
-    <p:handoutMasterId r:id="rId9"/>
+    <p:handoutMasterId r:id="rId10"/>
   </p:handoutMasterIdLst>
   <p:sldIdLst>
     <p:sldId id="1665" r:id="rId2"/>
-    <p:sldId id="1663" r:id="rId3"/>
-    <p:sldId id="1664" r:id="rId4"/>
-    <p:sldId id="1661" r:id="rId5"/>
-    <p:sldId id="1662" r:id="rId6"/>
-    <p:sldId id="1666" r:id="rId7"/>
+    <p:sldId id="1660" r:id="rId3"/>
+    <p:sldId id="1663" r:id="rId4"/>
+    <p:sldId id="1664" r:id="rId5"/>
+    <p:sldId id="1661" r:id="rId6"/>
+    <p:sldId id="1662" r:id="rId7"/>
+    <p:sldId id="1666" r:id="rId8"/>
   </p:sldIdLst>
   <p:sldSz cx="9144000" cy="5143500" type="screen16x9"/>
   <p:notesSz cx="6858000" cy="9144000"/>
@@ -937,7 +938,7 @@
               <a:pPr>
                 <a:defRPr/>
               </a:pPr>
-              <a:t>6</a:t>
+              <a:t>7</a:t>
             </a:fld>
             <a:endParaRPr lang="en-US" altLang="zh-CN"/>
           </a:p>
@@ -1832,7 +1833,7 @@
               </a14:hiddenLine>
             </a:ext>
             <a:ext uri="{FAA26D3D-D897-4be2-8F04-BA451C77F1D7}">
-              <ma14:placeholderFlag xmlns="" xmlns:ma14="http://schemas.microsoft.com/office/mac/drawingml/2011/main" val="1"/>
+              <ma14:placeholderFlag xmlns:ma14="http://schemas.microsoft.com/office/mac/drawingml/2011/main" xmlns="" val="1"/>
             </a:ext>
           </a:extLst>
         </p:spPr>
@@ -4695,7 +4696,13 @@
       </p:grpSpPr>
       <p:sp>
         <p:nvSpPr>
-          <p:cNvPr id="3" name="Title 2"/>
+          <p:cNvPr id="2" name="Title 1">
+            <a:extLst>
+              <a:ext uri="{FF2B5EF4-FFF2-40B4-BE49-F238E27FC236}">
+                <a16:creationId xmlns:a16="http://schemas.microsoft.com/office/drawing/2014/main" id="{9A6F4236-AC14-394A-A36C-F2BD8CED3237}"/>
+              </a:ext>
+            </a:extLst>
+          </p:cNvPr>
           <p:cNvSpPr>
             <a:spLocks noGrp="1"/>
           </p:cNvSpPr>
@@ -4705,38 +4712,122 @@
         </p:nvSpPr>
         <p:spPr>
           <a:xfrm>
-            <a:off x="304800" y="-39330"/>
-            <a:ext cx="8505372" cy="706080"/>
+            <a:off x="294861" y="0"/>
+            <a:ext cx="8686800" cy="857250"/>
           </a:xfrm>
         </p:spPr>
         <p:txBody>
           <a:bodyPr/>
           <a:lstStyle/>
           <a:p>
-            <a:pPr algn="l"/>
-            <a:r>
-              <a:rPr lang="en-US" sz="2200" dirty="0">
+            <a:r>
+              <a:rPr lang="en-US" sz="3200" dirty="0">
                 <a:solidFill>
                   <a:srgbClr val="0070C0"/>
                 </a:solidFill>
                 <a:latin typeface="Calibri Light" panose="020F0302020204030204" pitchFamily="34" charset="0"/>
                 <a:cs typeface="Calibri Light" panose="020F0302020204030204" pitchFamily="34" charset="0"/>
               </a:rPr>
-              <a:t>Option 1: Variable Length Session ID Part of Existing Sequence Number</a:t>
+              <a:t>TWAMP Light and STAMP Control Code Field</a:t>
             </a:r>
           </a:p>
         </p:txBody>
       </p:sp>
       <p:sp>
         <p:nvSpPr>
-          <p:cNvPr id="5" name="Rectangle 4"/>
+          <p:cNvPr id="4" name="Footer Placeholder 3">
+            <a:extLst>
+              <a:ext uri="{FF2B5EF4-FFF2-40B4-BE49-F238E27FC236}">
+                <a16:creationId xmlns:a16="http://schemas.microsoft.com/office/drawing/2014/main" id="{643D160E-CC3C-EB46-A6F1-43B8E2996F46}"/>
+              </a:ext>
+            </a:extLst>
+          </p:cNvPr>
+          <p:cNvSpPr>
+            <a:spLocks noGrp="1"/>
+          </p:cNvSpPr>
+          <p:nvPr>
+            <p:ph type="ftr" sz="quarter" idx="11"/>
+          </p:nvPr>
+        </p:nvSpPr>
+        <p:spPr>
+          <a:xfrm>
+            <a:off x="3124200" y="4805362"/>
+            <a:ext cx="2895600" cy="357188"/>
+          </a:xfrm>
+        </p:spPr>
+        <p:txBody>
+          <a:bodyPr/>
+          <a:lstStyle/>
+          <a:p>
+            <a:pPr>
+              <a:defRPr/>
+            </a:pPr>
+            <a:r>
+              <a:rPr lang="en-US" altLang="zh-CN" dirty="0"/>
+              <a:t>107</a:t>
+            </a:r>
+            <a:r>
+              <a:rPr lang="en-US" altLang="zh-CN" baseline="30000" dirty="0"/>
+              <a:t>th</a:t>
+            </a:r>
+            <a:r>
+              <a:rPr lang="en-US" altLang="zh-CN" dirty="0"/>
+              <a:t> IETF @ Vancouver</a:t>
+            </a:r>
+          </a:p>
+        </p:txBody>
+      </p:sp>
+      <p:sp>
+        <p:nvSpPr>
+          <p:cNvPr id="5" name="Slide Number Placeholder 4">
+            <a:extLst>
+              <a:ext uri="{FF2B5EF4-FFF2-40B4-BE49-F238E27FC236}">
+                <a16:creationId xmlns:a16="http://schemas.microsoft.com/office/drawing/2014/main" id="{A8B868AE-B105-7547-A646-14FCDF91C2DD}"/>
+              </a:ext>
+            </a:extLst>
+          </p:cNvPr>
+          <p:cNvSpPr>
+            <a:spLocks noGrp="1"/>
+          </p:cNvSpPr>
+          <p:nvPr>
+            <p:ph type="sldNum" sz="quarter" idx="12"/>
+          </p:nvPr>
+        </p:nvSpPr>
+        <p:spPr/>
+        <p:txBody>
+          <a:bodyPr/>
+          <a:lstStyle/>
+          <a:p>
+            <a:pPr>
+              <a:defRPr/>
+            </a:pPr>
+            <a:fld id="{BD6E0F59-1DD8-40FC-9C92-B6295CBA6CCA}" type="slidenum">
+              <a:rPr lang="en-US" altLang="zh-CN" smtClean="0"/>
+              <a:pPr>
+                <a:defRPr/>
+              </a:pPr>
+              <a:t>2</a:t>
+            </a:fld>
+            <a:endParaRPr lang="en-US" altLang="zh-CN"/>
+          </a:p>
+        </p:txBody>
+      </p:sp>
+      <p:sp>
+        <p:nvSpPr>
+          <p:cNvPr id="7" name="Rectangle 6">
+            <a:extLst>
+              <a:ext uri="{FF2B5EF4-FFF2-40B4-BE49-F238E27FC236}">
+                <a16:creationId xmlns:a16="http://schemas.microsoft.com/office/drawing/2014/main" id="{AA6E66CA-28BC-2C4A-BC04-4600D8FEBF3B}"/>
+              </a:ext>
+            </a:extLst>
+          </p:cNvPr>
           <p:cNvSpPr/>
           <p:nvPr/>
         </p:nvSpPr>
         <p:spPr>
           <a:xfrm>
-            <a:off x="185072" y="742950"/>
-            <a:ext cx="4310728" cy="2862322"/>
+            <a:off x="4191000" y="1433513"/>
+            <a:ext cx="4648200" cy="1754326"/>
           </a:xfrm>
           <a:prstGeom prst="rect">
             <a:avLst/>
@@ -4754,408 +4845,149 @@
           </a:bodyPr>
           <a:lstStyle/>
           <a:p>
-            <a:pPr>
-              <a:spcAft>
-                <a:spcPts val="0"/>
-              </a:spcAft>
-            </a:pPr>
-            <a:r>
-              <a:rPr lang="en-US" sz="750" dirty="0">
-                <a:latin typeface="Courier" charset="0"/>
-                <a:ea typeface="Courier" charset="0"/>
-                <a:cs typeface="Courier" charset="0"/>
-              </a:rPr>
-              <a:t>       0                   1                   2                   3</a:t>
-            </a:r>
-          </a:p>
-          <a:p>
-            <a:pPr>
-              <a:spcAft>
-                <a:spcPts val="0"/>
-              </a:spcAft>
-            </a:pPr>
-            <a:r>
-              <a:rPr lang="en-US" sz="750" dirty="0">
-                <a:latin typeface="Courier" charset="0"/>
-                <a:ea typeface="Courier" charset="0"/>
-                <a:cs typeface="Courier" charset="0"/>
-              </a:rPr>
-              <a:t>       0 1 2 3 4 5 6 7 8 9 0 1 2 3 4 5 6 7 8 9 0 1 2 3 4 5 6 7 8 9 0 1</a:t>
-            </a:r>
-          </a:p>
-          <a:p>
-            <a:pPr>
-              <a:spcAft>
-                <a:spcPts val="0"/>
-              </a:spcAft>
-            </a:pPr>
-            <a:r>
-              <a:rPr lang="en-US" sz="750" dirty="0">
-                <a:latin typeface="Courier" charset="0"/>
-                <a:ea typeface="Courier" charset="0"/>
-                <a:cs typeface="Courier" charset="0"/>
-              </a:rPr>
-              <a:t>      +-+-+-+-+-+-+-+-+-+-+-+-+-+-+-+-+-+-+-+-+-+-+-+-+-+-+-+-+-+-+-+-+</a:t>
-            </a:r>
-          </a:p>
-          <a:p>
-            <a:pPr>
-              <a:spcAft>
-                <a:spcPts val="0"/>
-              </a:spcAft>
-            </a:pPr>
-            <a:r>
-              <a:rPr lang="en-US" sz="750" dirty="0">
-                <a:latin typeface="Courier" charset="0"/>
-                <a:ea typeface="Courier" charset="0"/>
-                <a:cs typeface="Courier" charset="0"/>
-              </a:rPr>
-              <a:t>      </a:t>
-            </a:r>
-            <a:r>
-              <a:rPr lang="en-US" sz="750" dirty="0">
+            <a:r>
+              <a:rPr lang="en-CA" sz="900" dirty="0">
+                <a:latin typeface="Courier New" panose="02070309020205020404" pitchFamily="49" charset="0"/>
+                <a:cs typeface="Courier New" panose="02070309020205020404" pitchFamily="49" charset="0"/>
+              </a:rPr>
+              <a:t>.                                                               .</a:t>
+            </a:r>
+          </a:p>
+          <a:p>
+            <a:r>
+              <a:rPr lang="en-CA" sz="900" dirty="0">
+                <a:latin typeface="Courier New" panose="02070309020205020404" pitchFamily="49" charset="0"/>
+                <a:cs typeface="Courier New" panose="02070309020205020404" pitchFamily="49" charset="0"/>
+              </a:rPr>
+              <a:t>.                                                               .</a:t>
+            </a:r>
+          </a:p>
+          <a:p>
+            <a:r>
+              <a:rPr lang="en-CA" sz="900" dirty="0">
+                <a:latin typeface="Courier New" panose="02070309020205020404" pitchFamily="49" charset="0"/>
+                <a:cs typeface="Courier New" panose="02070309020205020404" pitchFamily="49" charset="0"/>
+              </a:rPr>
+              <a:t>+-+-+-+-+-+-+-+-+-+-+-+-+-+-+-+-+-+-+-+-+-+-+-+-+-+-+-+-+-+-+-+-+</a:t>
+            </a:r>
+          </a:p>
+          <a:p>
+            <a:r>
+              <a:rPr lang="en-CA" sz="900" dirty="0">
+                <a:latin typeface="Courier New" panose="02070309020205020404" pitchFamily="49" charset="0"/>
+                <a:cs typeface="Courier New" panose="02070309020205020404" pitchFamily="49" charset="0"/>
+              </a:rPr>
+              <a:t>|                          Timestamp                            |</a:t>
+            </a:r>
+          </a:p>
+          <a:p>
+            <a:r>
+              <a:rPr lang="en-CA" sz="900" dirty="0">
+                <a:latin typeface="Courier New" panose="02070309020205020404" pitchFamily="49" charset="0"/>
+                <a:cs typeface="Courier New" panose="02070309020205020404" pitchFamily="49" charset="0"/>
+              </a:rPr>
+              <a:t>|                                                               |</a:t>
+            </a:r>
+          </a:p>
+          <a:p>
+            <a:r>
+              <a:rPr lang="en-CA" sz="900" dirty="0">
+                <a:latin typeface="Courier New" panose="02070309020205020404" pitchFamily="49" charset="0"/>
+                <a:cs typeface="Courier New" panose="02070309020205020404" pitchFamily="49" charset="0"/>
+              </a:rPr>
+              <a:t>+-+-+-+-+-+-+-+-+-+-+-+-+-+-+-+-+-+-+-+-+-+-+-+-+-+-+-+-+-+-+-+-+</a:t>
+            </a:r>
+          </a:p>
+          <a:p>
+            <a:r>
+              <a:rPr lang="en-CA" sz="900" dirty="0">
+                <a:latin typeface="Courier New" panose="02070309020205020404" pitchFamily="49" charset="0"/>
+                <a:cs typeface="Courier New" panose="02070309020205020404" pitchFamily="49" charset="0"/>
+              </a:rPr>
+              <a:t>|         Error Estimate        | Reserved      </a:t>
+            </a:r>
+            <a:r>
+              <a:rPr lang="en-CA" sz="900" dirty="0">
+                <a:solidFill>
+                  <a:schemeClr val="tx2"/>
+                </a:solidFill>
+                <a:latin typeface="Courier New" panose="02070309020205020404" pitchFamily="49" charset="0"/>
+                <a:cs typeface="Courier New" panose="02070309020205020404" pitchFamily="49" charset="0"/>
+              </a:rPr>
+              <a:t>|</a:t>
+            </a:r>
+            <a:r>
+              <a:rPr lang="en-CA" sz="900" dirty="0">
                 <a:solidFill>
                   <a:srgbClr val="0070C0"/>
                 </a:solidFill>
-                <a:latin typeface="Courier" charset="0"/>
-                <a:ea typeface="Courier" charset="0"/>
-                <a:cs typeface="Courier" charset="0"/>
-              </a:rPr>
-              <a:t>|       Session ID / Sequence Number                            </a:t>
-            </a:r>
-            <a:r>
-              <a:rPr lang="en-US" sz="750" dirty="0">
-                <a:latin typeface="Courier" charset="0"/>
-                <a:ea typeface="Courier" charset="0"/>
-                <a:cs typeface="Courier" charset="0"/>
+                <a:latin typeface="Courier New" panose="02070309020205020404" pitchFamily="49" charset="0"/>
+                <a:cs typeface="Courier New" panose="02070309020205020404" pitchFamily="49" charset="0"/>
+              </a:rPr>
+              <a:t>  Control Code </a:t>
+            </a:r>
+            <a:r>
+              <a:rPr lang="en-CA" sz="900" dirty="0">
+                <a:latin typeface="Courier New" panose="02070309020205020404" pitchFamily="49" charset="0"/>
+                <a:cs typeface="Courier New" panose="02070309020205020404" pitchFamily="49" charset="0"/>
               </a:rPr>
               <a:t>|</a:t>
             </a:r>
           </a:p>
           <a:p>
-            <a:pPr>
-              <a:spcAft>
-                <a:spcPts val="0"/>
-              </a:spcAft>
-            </a:pPr>
-            <a:r>
-              <a:rPr lang="en-US" sz="750" dirty="0">
-                <a:latin typeface="Courier" charset="0"/>
-                <a:ea typeface="Courier" charset="0"/>
-                <a:cs typeface="Courier" charset="0"/>
-              </a:rPr>
-              <a:t>      +-+-+-+-+-+-+-+-+-+-+-+-+-+-+-+-+-+-+-+-+-+-+-+-+-+-+-+-+-+-+-+-+</a:t>
-            </a:r>
-          </a:p>
-          <a:p>
-            <a:pPr>
-              <a:spcAft>
-                <a:spcPts val="0"/>
-              </a:spcAft>
-            </a:pPr>
-            <a:r>
-              <a:rPr lang="en-US" sz="750" dirty="0">
-                <a:latin typeface="Courier" charset="0"/>
-                <a:ea typeface="Courier" charset="0"/>
-                <a:cs typeface="Courier" charset="0"/>
-              </a:rPr>
-              <a:t>      |                          Timestamp                            |</a:t>
-            </a:r>
-          </a:p>
-          <a:p>
-            <a:pPr>
-              <a:spcAft>
-                <a:spcPts val="0"/>
-              </a:spcAft>
-            </a:pPr>
-            <a:r>
-              <a:rPr lang="en-US" sz="750" dirty="0">
-                <a:latin typeface="Courier" charset="0"/>
-                <a:ea typeface="Courier" charset="0"/>
-                <a:cs typeface="Courier" charset="0"/>
-              </a:rPr>
-              <a:t>      |                                                               |</a:t>
-            </a:r>
-          </a:p>
-          <a:p>
-            <a:pPr>
-              <a:spcAft>
-                <a:spcPts val="0"/>
-              </a:spcAft>
-            </a:pPr>
-            <a:r>
-              <a:rPr lang="en-US" sz="750" dirty="0">
-                <a:latin typeface="Courier" charset="0"/>
-                <a:ea typeface="Courier" charset="0"/>
-                <a:cs typeface="Courier" charset="0"/>
-              </a:rPr>
-              <a:t>      +-+-+-+-+-+-+-+-+-+-+-+-+-+-+-+-+-+-+-+-+-+-+-+-+-+-+-+-+-+-+-+-+</a:t>
-            </a:r>
-          </a:p>
-          <a:p>
-            <a:pPr>
-              <a:spcAft>
-                <a:spcPts val="0"/>
-              </a:spcAft>
-            </a:pPr>
-            <a:r>
-              <a:rPr lang="en-US" sz="750" dirty="0">
-                <a:latin typeface="Courier" charset="0"/>
-                <a:ea typeface="Courier" charset="0"/>
-                <a:cs typeface="Courier" charset="0"/>
-              </a:rPr>
-              <a:t>      |         Error Estimate        |   MBZ         | </a:t>
-            </a:r>
-            <a:r>
-              <a:rPr lang="en-US" sz="750" dirty="0">
-                <a:solidFill>
-                  <a:srgbClr val="0070C0"/>
-                </a:solidFill>
-                <a:latin typeface="Courier" charset="0"/>
-                <a:ea typeface="Courier" charset="0"/>
-                <a:cs typeface="Courier" charset="0"/>
-              </a:rPr>
-              <a:t>Control Code  </a:t>
-            </a:r>
-            <a:r>
-              <a:rPr lang="en-US" sz="750" dirty="0">
-                <a:latin typeface="Courier" charset="0"/>
-                <a:ea typeface="Courier" charset="0"/>
-                <a:cs typeface="Courier" charset="0"/>
-              </a:rPr>
-              <a:t>|</a:t>
-            </a:r>
-          </a:p>
-          <a:p>
-            <a:pPr>
-              <a:spcAft>
-                <a:spcPts val="0"/>
-              </a:spcAft>
-            </a:pPr>
-            <a:r>
-              <a:rPr lang="en-US" sz="750" dirty="0">
-                <a:latin typeface="Courier" charset="0"/>
-                <a:ea typeface="Courier" charset="0"/>
-                <a:cs typeface="Courier" charset="0"/>
-              </a:rPr>
-              <a:t>      +-+-+-+-+-+-+-+-+-+-+-+-+-+-+-+-+-+-+-+-+-+-+-+-+-+-+-+-+-+-+-+-+</a:t>
-            </a:r>
-          </a:p>
-          <a:p>
-            <a:pPr>
-              <a:spcAft>
-                <a:spcPts val="0"/>
-              </a:spcAft>
-            </a:pPr>
-            <a:r>
-              <a:rPr lang="en-US" sz="750" dirty="0">
-                <a:latin typeface="Courier" charset="0"/>
-                <a:ea typeface="Courier" charset="0"/>
-                <a:cs typeface="Courier" charset="0"/>
-              </a:rPr>
-              <a:t>      |                                                               |</a:t>
-            </a:r>
-          </a:p>
-          <a:p>
-            <a:pPr>
-              <a:spcAft>
-                <a:spcPts val="0"/>
-              </a:spcAft>
-            </a:pPr>
-            <a:r>
-              <a:rPr lang="en-US" sz="750" dirty="0">
-                <a:latin typeface="Courier" charset="0"/>
-                <a:ea typeface="Courier" charset="0"/>
-                <a:cs typeface="Courier" charset="0"/>
-              </a:rPr>
-              <a:t>      |                                                               |</a:t>
-            </a:r>
-          </a:p>
-          <a:p>
-            <a:pPr>
-              <a:spcAft>
-                <a:spcPts val="0"/>
-              </a:spcAft>
-            </a:pPr>
-            <a:r>
-              <a:rPr lang="en-US" sz="750" dirty="0">
-                <a:latin typeface="Courier" charset="0"/>
-                <a:ea typeface="Courier" charset="0"/>
-                <a:cs typeface="Courier" charset="0"/>
-              </a:rPr>
-              <a:t>      +                                                               +</a:t>
-            </a:r>
-          </a:p>
-          <a:p>
-            <a:pPr>
-              <a:spcAft>
-                <a:spcPts val="0"/>
-              </a:spcAft>
-            </a:pPr>
-            <a:r>
-              <a:rPr lang="en-US" sz="750" dirty="0">
-                <a:latin typeface="Courier" charset="0"/>
-                <a:ea typeface="Courier" charset="0"/>
-                <a:cs typeface="Courier" charset="0"/>
-              </a:rPr>
-              <a:t>      |                         MBZ (28 octets)                       |</a:t>
-            </a:r>
-          </a:p>
-          <a:p>
-            <a:pPr>
-              <a:spcAft>
-                <a:spcPts val="0"/>
-              </a:spcAft>
-            </a:pPr>
-            <a:r>
-              <a:rPr lang="en-US" sz="750" dirty="0">
-                <a:latin typeface="Courier" charset="0"/>
-                <a:ea typeface="Courier" charset="0"/>
-                <a:cs typeface="Courier" charset="0"/>
-              </a:rPr>
-              <a:t>      +                                                               +</a:t>
-            </a:r>
-          </a:p>
-          <a:p>
-            <a:pPr>
-              <a:spcAft>
-                <a:spcPts val="0"/>
-              </a:spcAft>
-            </a:pPr>
-            <a:r>
-              <a:rPr lang="en-US" sz="750" dirty="0">
-                <a:latin typeface="Courier" charset="0"/>
-                <a:ea typeface="Courier" charset="0"/>
-                <a:cs typeface="Courier" charset="0"/>
-              </a:rPr>
-              <a:t>      |                                                               |</a:t>
-            </a:r>
-          </a:p>
-          <a:p>
-            <a:pPr>
-              <a:spcAft>
-                <a:spcPts val="0"/>
-              </a:spcAft>
-            </a:pPr>
-            <a:r>
-              <a:rPr lang="en-US" sz="750" dirty="0">
-                <a:latin typeface="Courier" charset="0"/>
-                <a:ea typeface="Courier" charset="0"/>
-                <a:cs typeface="Courier" charset="0"/>
-              </a:rPr>
-              <a:t>      |                                                               |</a:t>
-            </a:r>
-          </a:p>
-          <a:p>
-            <a:pPr>
-              <a:spcAft>
-                <a:spcPts val="0"/>
-              </a:spcAft>
-            </a:pPr>
-            <a:r>
-              <a:rPr lang="en-US" sz="750" dirty="0">
-                <a:latin typeface="Courier" charset="0"/>
-                <a:ea typeface="Courier" charset="0"/>
-                <a:cs typeface="Courier" charset="0"/>
-              </a:rPr>
-              <a:t>      +                                                               +</a:t>
-            </a:r>
-          </a:p>
-          <a:p>
-            <a:pPr>
-              <a:spcAft>
-                <a:spcPts val="0"/>
-              </a:spcAft>
-            </a:pPr>
-            <a:r>
-              <a:rPr lang="en-US" sz="750" dirty="0">
-                <a:latin typeface="Courier" charset="0"/>
-                <a:ea typeface="Courier" charset="0"/>
-                <a:cs typeface="Courier" charset="0"/>
-              </a:rPr>
-              <a:t>      |                                                               |</a:t>
-            </a:r>
-          </a:p>
-          <a:p>
-            <a:pPr>
-              <a:spcAft>
-                <a:spcPts val="0"/>
-              </a:spcAft>
-            </a:pPr>
-            <a:r>
-              <a:rPr lang="en-US" sz="750" dirty="0">
-                <a:latin typeface="Courier" charset="0"/>
-                <a:ea typeface="Courier" charset="0"/>
-                <a:cs typeface="Courier" charset="0"/>
-              </a:rPr>
-              <a:t>      +                                                               +</a:t>
-            </a:r>
-          </a:p>
-          <a:p>
-            <a:pPr>
-              <a:spcAft>
-                <a:spcPts val="0"/>
-              </a:spcAft>
-            </a:pPr>
-            <a:r>
-              <a:rPr lang="en-US" sz="750" dirty="0">
-                <a:latin typeface="Courier" charset="0"/>
-                <a:ea typeface="Courier" charset="0"/>
-                <a:cs typeface="Courier" charset="0"/>
-              </a:rPr>
-              <a:t>      |                                                               |</a:t>
-            </a:r>
-          </a:p>
-          <a:p>
-            <a:pPr>
-              <a:spcAft>
-                <a:spcPts val="0"/>
-              </a:spcAft>
-            </a:pPr>
-            <a:r>
-              <a:rPr lang="en-US" sz="750" dirty="0">
-                <a:latin typeface="Courier" charset="0"/>
-                <a:ea typeface="Courier" charset="0"/>
-                <a:cs typeface="Courier" charset="0"/>
-              </a:rPr>
-              <a:t>      +-+-+-+-+-+-+-+-+-+-+-+-+-+-+-+-+-+-+-+-+-+-+-+-+-+-+-+-+-+-+-+-+</a:t>
-            </a:r>
-          </a:p>
-          <a:p>
-            <a:pPr>
-              <a:spcAft>
-                <a:spcPts val="0"/>
-              </a:spcAft>
-            </a:pPr>
-            <a:endParaRPr lang="en-US" sz="750" dirty="0">
-              <a:latin typeface="Courier" charset="0"/>
-              <a:ea typeface="Courier" charset="0"/>
-              <a:cs typeface="Courier" charset="0"/>
+            <a:r>
+              <a:rPr lang="en-CA" sz="900" dirty="0">
+                <a:latin typeface="Courier New" panose="02070309020205020404" pitchFamily="49" charset="0"/>
+                <a:cs typeface="Courier New" panose="02070309020205020404" pitchFamily="49" charset="0"/>
+              </a:rPr>
+              <a:t>+-+-+-+-+-+-+-+-+-+-+-+-+-+-+-+-+-+-+-+-+-+-+-+-+-+-+-+-+-+-+-+-+</a:t>
+            </a:r>
+          </a:p>
+          <a:p>
+            <a:r>
+              <a:rPr lang="en-CA" sz="900" dirty="0">
+                <a:latin typeface="Courier New" panose="02070309020205020404" pitchFamily="49" charset="0"/>
+                <a:cs typeface="Courier New" panose="02070309020205020404" pitchFamily="49" charset="0"/>
+              </a:rPr>
+              <a:t>.                                                               .</a:t>
+            </a:r>
+          </a:p>
+          <a:p>
+            <a:r>
+              <a:rPr lang="en-CA" sz="900" dirty="0">
+                <a:latin typeface="Courier New" panose="02070309020205020404" pitchFamily="49" charset="0"/>
+                <a:cs typeface="Courier New" panose="02070309020205020404" pitchFamily="49" charset="0"/>
+              </a:rPr>
+              <a:t>.                                                               .</a:t>
+            </a:r>
+          </a:p>
+          <a:p>
+            <a:endParaRPr lang="en-CA" sz="900" dirty="0">
+              <a:latin typeface="Courier New" panose="02070309020205020404" pitchFamily="49" charset="0"/>
+              <a:cs typeface="Courier New" panose="02070309020205020404" pitchFamily="49" charset="0"/>
             </a:endParaRPr>
           </a:p>
           <a:p>
-            <a:pPr>
-              <a:spcAft>
-                <a:spcPts val="0"/>
-              </a:spcAft>
-            </a:pPr>
-            <a:r>
-              <a:rPr lang="en-US" sz="750" dirty="0">
-                <a:latin typeface="Courier" charset="0"/>
-                <a:ea typeface="Courier" charset="0"/>
-                <a:cs typeface="Courier" charset="0"/>
-              </a:rPr>
-              <a:t>	    Figure: Sender Message Format in STAMP</a:t>
-            </a:r>
+            <a:r>
+              <a:rPr lang="en-CA" sz="900" b="1" dirty="0">
+                <a:latin typeface="Courier New" panose="02070309020205020404" pitchFamily="49" charset="0"/>
+                <a:cs typeface="Courier New" panose="02070309020205020404" pitchFamily="49" charset="0"/>
+              </a:rPr>
+              <a:t>Control Code in TWAMP Light and STAMP DM Probe Query and Response</a:t>
+            </a:r>
+            <a:endParaRPr lang="en-US" sz="900" b="1" dirty="0">
+              <a:latin typeface="Courier New" panose="02070309020205020404" pitchFamily="49" charset="0"/>
+              <a:cs typeface="Courier New" panose="02070309020205020404" pitchFamily="49" charset="0"/>
+            </a:endParaRPr>
           </a:p>
         </p:txBody>
       </p:sp>
       <p:sp>
         <p:nvSpPr>
-          <p:cNvPr id="14" name="Rectangle 13">
+          <p:cNvPr id="3" name="Rectangle 2">
             <a:extLst>
               <a:ext uri="{FF2B5EF4-FFF2-40B4-BE49-F238E27FC236}">
-                <a16:creationId xmlns:a16="http://schemas.microsoft.com/office/drawing/2014/main" id="{5F9D9D1B-92A3-C64D-87B1-9B0B9C9E3A13}"/>
+                <a16:creationId xmlns:a16="http://schemas.microsoft.com/office/drawing/2014/main" id="{6F8B51A9-F47A-FA46-BE0D-7921BDF2E8D6}"/>
               </a:ext>
             </a:extLst>
           </p:cNvPr>
@@ -5164,18 +4996,12 @@
         </p:nvSpPr>
         <p:spPr>
           <a:xfrm>
-            <a:off x="4495800" y="742950"/>
-            <a:ext cx="4368799" cy="2862322"/>
+            <a:off x="152400" y="713601"/>
+            <a:ext cx="3733800" cy="3970318"/>
           </a:xfrm>
           <a:prstGeom prst="rect">
             <a:avLst/>
           </a:prstGeom>
-          <a:noFill/>
-          <a:ln>
-            <a:solidFill>
-              <a:srgbClr val="002060"/>
-            </a:solidFill>
-          </a:ln>
         </p:spPr>
         <p:txBody>
           <a:bodyPr wrap="square">
@@ -5183,770 +5009,157 @@
           </a:bodyPr>
           <a:lstStyle/>
           <a:p>
-            <a:pPr>
-              <a:spcAft>
-                <a:spcPts val="0"/>
-              </a:spcAft>
-            </a:pPr>
-            <a:r>
-              <a:rPr lang="en-US" sz="750" dirty="0">
-                <a:latin typeface="Courier" charset="0"/>
-                <a:ea typeface="Courier" charset="0"/>
-                <a:cs typeface="Courier" charset="0"/>
-              </a:rPr>
-              <a:t>     0                   1                   2                   3</a:t>
-            </a:r>
-          </a:p>
-          <a:p>
-            <a:pPr>
-              <a:spcAft>
-                <a:spcPts val="0"/>
-              </a:spcAft>
-            </a:pPr>
-            <a:r>
-              <a:rPr lang="en-US" sz="750" dirty="0">
-                <a:latin typeface="Courier" charset="0"/>
-                <a:ea typeface="Courier" charset="0"/>
-                <a:cs typeface="Courier" charset="0"/>
-              </a:rPr>
-              <a:t>     0 1 2 3 4 5 6 7 8 9 0 1 2 3 4 5 6 7 8 9 0 1 2 3 4 5 6 7 8 9 0 1</a:t>
-            </a:r>
-          </a:p>
-          <a:p>
-            <a:pPr>
-              <a:spcAft>
-                <a:spcPts val="0"/>
-              </a:spcAft>
-            </a:pPr>
-            <a:r>
-              <a:rPr lang="en-US" sz="750" dirty="0">
-                <a:latin typeface="Courier" charset="0"/>
-                <a:ea typeface="Courier" charset="0"/>
-                <a:cs typeface="Courier" charset="0"/>
-              </a:rPr>
-              <a:t>    +-+-+-+-+-+-+-+-+-+-+-+-+-+-+-+-+-+-+-+-+-+-+-+-+-+-+-+-+-+-+-+-+</a:t>
-            </a:r>
-          </a:p>
-          <a:p>
-            <a:pPr>
-              <a:spcAft>
-                <a:spcPts val="0"/>
-              </a:spcAft>
-            </a:pPr>
-            <a:r>
-              <a:rPr lang="en-US" sz="750" dirty="0">
-                <a:latin typeface="Courier" charset="0"/>
-                <a:ea typeface="Courier" charset="0"/>
-                <a:cs typeface="Courier" charset="0"/>
-              </a:rPr>
-              <a:t>    |                        Sequence Number                        |</a:t>
-            </a:r>
-          </a:p>
-          <a:p>
-            <a:pPr>
-              <a:spcAft>
-                <a:spcPts val="0"/>
-              </a:spcAft>
-            </a:pPr>
-            <a:r>
-              <a:rPr lang="en-US" sz="750" dirty="0">
-                <a:latin typeface="Courier" charset="0"/>
-                <a:ea typeface="Courier" charset="0"/>
-                <a:cs typeface="Courier" charset="0"/>
-              </a:rPr>
-              <a:t>    +-+-+-+-+-+-+-+-+-+-+-+-+-+-+-+-+-+-+-+-+-+-+-+-+-+-+-+-+-+-+-+-+</a:t>
-            </a:r>
-          </a:p>
-          <a:p>
-            <a:pPr>
-              <a:spcAft>
-                <a:spcPts val="0"/>
-              </a:spcAft>
-            </a:pPr>
-            <a:r>
-              <a:rPr lang="en-US" sz="750" dirty="0">
-                <a:latin typeface="Courier" charset="0"/>
-                <a:ea typeface="Courier" charset="0"/>
-                <a:cs typeface="Courier" charset="0"/>
-              </a:rPr>
-              <a:t>    |                          Timestamp                            |</a:t>
-            </a:r>
-          </a:p>
-          <a:p>
-            <a:pPr>
-              <a:spcAft>
-                <a:spcPts val="0"/>
-              </a:spcAft>
-            </a:pPr>
-            <a:r>
-              <a:rPr lang="en-US" sz="750" dirty="0">
-                <a:latin typeface="Courier" charset="0"/>
-                <a:ea typeface="Courier" charset="0"/>
-                <a:cs typeface="Courier" charset="0"/>
-              </a:rPr>
-              <a:t>    |                                                               |</a:t>
-            </a:r>
-          </a:p>
-          <a:p>
-            <a:pPr>
-              <a:spcAft>
-                <a:spcPts val="0"/>
-              </a:spcAft>
-            </a:pPr>
-            <a:r>
-              <a:rPr lang="en-US" sz="750" dirty="0">
-                <a:latin typeface="Courier" charset="0"/>
-                <a:ea typeface="Courier" charset="0"/>
-                <a:cs typeface="Courier" charset="0"/>
-              </a:rPr>
-              <a:t>    +-+-+-+-+-+-+-+-+-+-+-+-+-+-+-+-+-+-+-+-+-+-+-+-+-+-+-+-+-+-+-+-+</a:t>
-            </a:r>
-          </a:p>
-          <a:p>
-            <a:pPr>
-              <a:spcAft>
-                <a:spcPts val="0"/>
-              </a:spcAft>
-            </a:pPr>
-            <a:r>
-              <a:rPr lang="en-US" sz="750" dirty="0">
-                <a:latin typeface="Courier" charset="0"/>
-                <a:ea typeface="Courier" charset="0"/>
-                <a:cs typeface="Courier" charset="0"/>
-              </a:rPr>
-              <a:t>    |         Error Estimate        |  MBZ          | </a:t>
-            </a:r>
-            <a:r>
-              <a:rPr lang="en-US" sz="750" dirty="0">
-                <a:solidFill>
-                  <a:srgbClr val="0070C0"/>
-                </a:solidFill>
-                <a:latin typeface="Courier" charset="0"/>
-                <a:ea typeface="Courier" charset="0"/>
-                <a:cs typeface="Courier" charset="0"/>
-              </a:rPr>
-              <a:t>Control Code  </a:t>
-            </a:r>
-            <a:r>
-              <a:rPr lang="en-US" sz="750" dirty="0">
-                <a:latin typeface="Courier" charset="0"/>
-                <a:ea typeface="Courier" charset="0"/>
-                <a:cs typeface="Courier" charset="0"/>
-              </a:rPr>
-              <a:t>|    </a:t>
-            </a:r>
-          </a:p>
-          <a:p>
-            <a:pPr>
-              <a:spcAft>
-                <a:spcPts val="0"/>
-              </a:spcAft>
-            </a:pPr>
-            <a:r>
-              <a:rPr lang="en-US" sz="750" dirty="0">
-                <a:latin typeface="Courier" charset="0"/>
-                <a:ea typeface="Courier" charset="0"/>
-                <a:cs typeface="Courier" charset="0"/>
-              </a:rPr>
-              <a:t>    +-+-+-+-+-+-+-+-+-+-+-+-+-+-+-+-+-+-+-+-+-+-+-+-+-+-+-+-+-+-+-+-+</a:t>
-            </a:r>
-          </a:p>
-          <a:p>
-            <a:pPr>
-              <a:spcAft>
-                <a:spcPts val="0"/>
-              </a:spcAft>
-            </a:pPr>
-            <a:r>
-              <a:rPr lang="en-US" sz="750" dirty="0">
-                <a:latin typeface="Courier" charset="0"/>
-                <a:ea typeface="Courier" charset="0"/>
-                <a:cs typeface="Courier" charset="0"/>
-              </a:rPr>
-              <a:t>    |                          Receive Timestamp                    |</a:t>
-            </a:r>
-          </a:p>
-          <a:p>
-            <a:pPr>
-              <a:spcAft>
-                <a:spcPts val="0"/>
-              </a:spcAft>
-            </a:pPr>
-            <a:r>
-              <a:rPr lang="en-US" sz="750" dirty="0">
-                <a:latin typeface="Courier" charset="0"/>
-                <a:ea typeface="Courier" charset="0"/>
-                <a:cs typeface="Courier" charset="0"/>
-              </a:rPr>
-              <a:t>    |                                                               |</a:t>
-            </a:r>
-          </a:p>
-          <a:p>
-            <a:pPr>
-              <a:spcAft>
-                <a:spcPts val="0"/>
-              </a:spcAft>
-            </a:pPr>
-            <a:r>
-              <a:rPr lang="en-US" sz="750" dirty="0">
-                <a:latin typeface="Courier" charset="0"/>
-                <a:ea typeface="Courier" charset="0"/>
-                <a:cs typeface="Courier" charset="0"/>
-              </a:rPr>
-              <a:t>    +-+-+-+-+-+-+-+-+-+-+-+-+-+-+-+-+-+-+-+-+-+-+-+-+-+-+-+-+-+-+-+-+</a:t>
-            </a:r>
-          </a:p>
-          <a:p>
-            <a:pPr>
-              <a:spcAft>
-                <a:spcPts val="0"/>
-              </a:spcAft>
-            </a:pPr>
-            <a:r>
-              <a:rPr lang="en-US" sz="750" dirty="0">
-                <a:latin typeface="Courier" charset="0"/>
-                <a:ea typeface="Courier" charset="0"/>
-                <a:cs typeface="Courier" charset="0"/>
-              </a:rPr>
-              <a:t>    |     </a:t>
-            </a:r>
-            <a:r>
-              <a:rPr lang="en-US" sz="750" dirty="0">
-                <a:solidFill>
-                  <a:srgbClr val="0070C0"/>
-                </a:solidFill>
-                <a:latin typeface="Courier" charset="0"/>
-                <a:ea typeface="Courier" charset="0"/>
-                <a:cs typeface="Courier" charset="0"/>
-              </a:rPr>
-              <a:t>Sender Session ID / Sender Sequence Number                </a:t>
-            </a:r>
-            <a:r>
-              <a:rPr lang="en-US" sz="750" dirty="0">
-                <a:latin typeface="Courier" charset="0"/>
-                <a:ea typeface="Courier" charset="0"/>
-                <a:cs typeface="Courier" charset="0"/>
-              </a:rPr>
-              <a:t>|  </a:t>
-            </a:r>
-          </a:p>
-          <a:p>
-            <a:pPr>
-              <a:spcAft>
-                <a:spcPts val="0"/>
-              </a:spcAft>
-            </a:pPr>
-            <a:r>
-              <a:rPr lang="en-US" sz="750" dirty="0">
-                <a:latin typeface="Courier" charset="0"/>
-                <a:ea typeface="Courier" charset="0"/>
-                <a:cs typeface="Courier" charset="0"/>
-              </a:rPr>
-              <a:t>    +-+-+-+-+-+-+-+-+-+-+-+-+-+-+-+-+-+-+-+-+-+-+-+-+-+-+-+-+-+-+-+-+</a:t>
-            </a:r>
-          </a:p>
-          <a:p>
-            <a:pPr>
-              <a:spcAft>
-                <a:spcPts val="0"/>
-              </a:spcAft>
-            </a:pPr>
-            <a:r>
-              <a:rPr lang="en-US" sz="750" dirty="0">
-                <a:latin typeface="Courier" charset="0"/>
-                <a:ea typeface="Courier" charset="0"/>
-                <a:cs typeface="Courier" charset="0"/>
-              </a:rPr>
-              <a:t>    |                  Session-Sender Timestamp                     |</a:t>
-            </a:r>
-          </a:p>
-          <a:p>
-            <a:pPr>
-              <a:spcAft>
-                <a:spcPts val="0"/>
-              </a:spcAft>
-            </a:pPr>
-            <a:r>
-              <a:rPr lang="en-US" sz="750" dirty="0">
-                <a:latin typeface="Courier" charset="0"/>
-                <a:ea typeface="Courier" charset="0"/>
-                <a:cs typeface="Courier" charset="0"/>
-              </a:rPr>
-              <a:t>    |                                                               |</a:t>
-            </a:r>
-          </a:p>
-          <a:p>
-            <a:pPr>
-              <a:spcAft>
-                <a:spcPts val="0"/>
-              </a:spcAft>
-            </a:pPr>
-            <a:r>
-              <a:rPr lang="en-US" sz="750" dirty="0">
-                <a:latin typeface="Courier" charset="0"/>
-                <a:ea typeface="Courier" charset="0"/>
-                <a:cs typeface="Courier" charset="0"/>
-              </a:rPr>
-              <a:t>    +-+-+-+-+-+-+-+-+-+-+-+-+-+-+-+-+-+-+-+-+-+-+-+-+-+-+-+-+-+-+-+-+</a:t>
-            </a:r>
-          </a:p>
-          <a:p>
-            <a:pPr>
-              <a:spcAft>
-                <a:spcPts val="0"/>
-              </a:spcAft>
-            </a:pPr>
-            <a:r>
-              <a:rPr lang="en-US" sz="750" dirty="0">
-                <a:latin typeface="Courier" charset="0"/>
-                <a:ea typeface="Courier" charset="0"/>
-                <a:cs typeface="Courier" charset="0"/>
-              </a:rPr>
-              <a:t>    | Session-Sender Error Estimate |           MBZ                 |</a:t>
-            </a:r>
-          </a:p>
-          <a:p>
-            <a:pPr>
-              <a:spcAft>
-                <a:spcPts val="0"/>
-              </a:spcAft>
-            </a:pPr>
-            <a:r>
-              <a:rPr lang="en-US" sz="750" dirty="0">
-                <a:latin typeface="Courier" charset="0"/>
-                <a:ea typeface="Courier" charset="0"/>
-                <a:cs typeface="Courier" charset="0"/>
-              </a:rPr>
-              <a:t>    +-+-+-+-+-+-+-+-+-+-+-+-+-+-+-+-+-+-+-+-+-+-+-+-+-+-+-+-+-+-+-+-+</a:t>
-            </a:r>
-          </a:p>
-          <a:p>
-            <a:pPr>
-              <a:spcAft>
-                <a:spcPts val="0"/>
-              </a:spcAft>
-            </a:pPr>
-            <a:r>
-              <a:rPr lang="en-US" sz="750" dirty="0">
-                <a:latin typeface="Courier" charset="0"/>
-                <a:ea typeface="Courier" charset="0"/>
-                <a:cs typeface="Courier" charset="0"/>
-              </a:rPr>
-              <a:t>    |</a:t>
-            </a:r>
-            <a:r>
-              <a:rPr lang="en-US" sz="750" dirty="0" err="1">
-                <a:latin typeface="Courier" charset="0"/>
-                <a:ea typeface="Courier" charset="0"/>
-                <a:cs typeface="Courier" charset="0"/>
-              </a:rPr>
-              <a:t>Ses</a:t>
-            </a:r>
-            <a:r>
-              <a:rPr lang="en-US" sz="750" dirty="0">
-                <a:latin typeface="Courier" charset="0"/>
-                <a:ea typeface="Courier" charset="0"/>
-                <a:cs typeface="Courier" charset="0"/>
-              </a:rPr>
-              <a:t>-Sender TTL |                  MBZ                          |</a:t>
-            </a:r>
-          </a:p>
-          <a:p>
-            <a:pPr>
-              <a:spcAft>
-                <a:spcPts val="0"/>
-              </a:spcAft>
-            </a:pPr>
-            <a:r>
-              <a:rPr lang="en-US" sz="750" dirty="0">
-                <a:latin typeface="Courier" charset="0"/>
-                <a:ea typeface="Courier" charset="0"/>
-                <a:cs typeface="Courier" charset="0"/>
-              </a:rPr>
-              <a:t>    +-+-+-+-+-+-+-+-+-+-+-+-+-+-+-+-+-+-+-+-+-+-+-+-+-+-+-+-+-+-+-+-+</a:t>
-            </a:r>
-          </a:p>
-          <a:p>
-            <a:pPr>
-              <a:spcAft>
-                <a:spcPts val="0"/>
-              </a:spcAft>
-            </a:pPr>
-            <a:r>
-              <a:rPr lang="en-US" sz="750" dirty="0">
-                <a:solidFill>
-                  <a:srgbClr val="0070C0"/>
-                </a:solidFill>
-                <a:latin typeface="Courier" charset="0"/>
-                <a:ea typeface="Courier" charset="0"/>
-                <a:cs typeface="Courier" charset="0"/>
-              </a:rPr>
-              <a:t>	    </a:t>
-            </a:r>
-          </a:p>
-          <a:p>
-            <a:pPr>
-              <a:spcAft>
-                <a:spcPts val="0"/>
-              </a:spcAft>
-            </a:pPr>
-            <a:r>
-              <a:rPr lang="en-US" sz="750" dirty="0">
-                <a:latin typeface="Courier" charset="0"/>
-                <a:ea typeface="Courier" charset="0"/>
-                <a:cs typeface="Courier" charset="0"/>
-              </a:rPr>
-              <a:t>                  Figure: Reflector Message Format in STAMP</a:t>
+            <a:r>
+              <a:rPr lang="en-US" sz="1400" b="1" dirty="0">
+                <a:solidFill>
+                  <a:schemeClr val="tx2"/>
+                </a:solidFill>
+                <a:latin typeface="Calibri" panose="020F0502020204030204" pitchFamily="34" charset="0"/>
+                <a:cs typeface="Calibri" panose="020F0502020204030204" pitchFamily="34" charset="0"/>
+              </a:rPr>
+              <a:t>For a Query:</a:t>
+            </a:r>
+          </a:p>
+          <a:p>
+            <a:endParaRPr lang="en-US" sz="1400" dirty="0">
+              <a:solidFill>
+                <a:schemeClr val="tx2"/>
+              </a:solidFill>
+              <a:latin typeface="Calibri" panose="020F0502020204030204" pitchFamily="34" charset="0"/>
+              <a:cs typeface="Calibri" panose="020F0502020204030204" pitchFamily="34" charset="0"/>
+            </a:endParaRPr>
+          </a:p>
+          <a:p>
+            <a:r>
+              <a:rPr lang="en-US" sz="1400" dirty="0">
+                <a:solidFill>
+                  <a:schemeClr val="tx2"/>
+                </a:solidFill>
+                <a:latin typeface="Calibri" panose="020F0502020204030204" pitchFamily="34" charset="0"/>
+                <a:cs typeface="Calibri" panose="020F0502020204030204" pitchFamily="34" charset="0"/>
+              </a:rPr>
+              <a:t>0x0: Out-of-band Response Requested.  </a:t>
+            </a:r>
+          </a:p>
+          <a:p>
+            <a:r>
+              <a:rPr lang="en-US" sz="1400" dirty="0">
+                <a:solidFill>
+                  <a:schemeClr val="tx2"/>
+                </a:solidFill>
+                <a:latin typeface="Calibri" panose="020F0502020204030204" pitchFamily="34" charset="0"/>
+                <a:cs typeface="Calibri" panose="020F0502020204030204" pitchFamily="34" charset="0"/>
+              </a:rPr>
+              <a:t>This is also the default behavior.</a:t>
+            </a:r>
+          </a:p>
+          <a:p>
+            <a:endParaRPr lang="en-US" sz="1400" dirty="0">
+              <a:solidFill>
+                <a:schemeClr val="tx2"/>
+              </a:solidFill>
+              <a:latin typeface="Calibri" panose="020F0502020204030204" pitchFamily="34" charset="0"/>
+              <a:cs typeface="Calibri" panose="020F0502020204030204" pitchFamily="34" charset="0"/>
+            </a:endParaRPr>
+          </a:p>
+          <a:p>
+            <a:r>
+              <a:rPr lang="en-US" sz="1400" dirty="0">
+                <a:solidFill>
+                  <a:schemeClr val="tx2"/>
+                </a:solidFill>
+                <a:latin typeface="Calibri" panose="020F0502020204030204" pitchFamily="34" charset="0"/>
+                <a:cs typeface="Calibri" panose="020F0502020204030204" pitchFamily="34" charset="0"/>
+              </a:rPr>
+              <a:t>0x1: In-band Response Requested.  </a:t>
+            </a:r>
+          </a:p>
+          <a:p>
+            <a:r>
+              <a:rPr lang="en-US" sz="1400" dirty="0">
+                <a:solidFill>
+                  <a:schemeClr val="tx2"/>
+                </a:solidFill>
+                <a:latin typeface="Calibri" panose="020F0502020204030204" pitchFamily="34" charset="0"/>
+                <a:cs typeface="Calibri" panose="020F0502020204030204" pitchFamily="34" charset="0"/>
+              </a:rPr>
+              <a:t>Indicates that this query has been sent over a bidirectional path and the probe response is required over the same path in the reverse direction. The bidirectional path does not have to be an SR path.</a:t>
+            </a:r>
+          </a:p>
+          <a:p>
+            <a:endParaRPr lang="en-US" sz="1400" dirty="0">
+              <a:solidFill>
+                <a:schemeClr val="tx2"/>
+              </a:solidFill>
+              <a:latin typeface="Calibri" panose="020F0502020204030204" pitchFamily="34" charset="0"/>
+              <a:cs typeface="Calibri" panose="020F0502020204030204" pitchFamily="34" charset="0"/>
+            </a:endParaRPr>
+          </a:p>
+          <a:p>
+            <a:r>
+              <a:rPr lang="en-US" sz="1400" b="1" dirty="0">
+                <a:solidFill>
+                  <a:schemeClr val="tx2"/>
+                </a:solidFill>
+                <a:latin typeface="Calibri" panose="020F0502020204030204" pitchFamily="34" charset="0"/>
+                <a:cs typeface="Calibri" panose="020F0502020204030204" pitchFamily="34" charset="0"/>
+              </a:rPr>
+              <a:t>For a Response -&gt; Need to return Errors</a:t>
+            </a:r>
+          </a:p>
+          <a:p>
+            <a:endParaRPr lang="en-US" sz="1400" dirty="0">
+              <a:solidFill>
+                <a:schemeClr val="tx2"/>
+              </a:solidFill>
+              <a:latin typeface="Calibri" panose="020F0502020204030204" pitchFamily="34" charset="0"/>
+              <a:cs typeface="Calibri" panose="020F0502020204030204" pitchFamily="34" charset="0"/>
+            </a:endParaRPr>
+          </a:p>
+          <a:p>
+            <a:r>
+              <a:rPr lang="en-US" sz="1400" dirty="0">
+                <a:solidFill>
+                  <a:schemeClr val="tx2"/>
+                </a:solidFill>
+                <a:latin typeface="Calibri" panose="020F0502020204030204" pitchFamily="34" charset="0"/>
+                <a:cs typeface="Calibri" panose="020F0502020204030204" pitchFamily="34" charset="0"/>
+              </a:rPr>
+              <a:t>0x1: Error - Invalid Message.  </a:t>
+            </a:r>
+          </a:p>
+          <a:p>
+            <a:r>
+              <a:rPr lang="en-US" sz="1400" dirty="0">
+                <a:solidFill>
+                  <a:schemeClr val="tx2"/>
+                </a:solidFill>
+                <a:latin typeface="Calibri" panose="020F0502020204030204" pitchFamily="34" charset="0"/>
+                <a:cs typeface="Calibri" panose="020F0502020204030204" pitchFamily="34" charset="0"/>
+              </a:rPr>
+              <a:t>Indicates that the operation failed because the received query message could not be processed.</a:t>
+            </a:r>
+          </a:p>
+          <a:p>
+            <a:r>
+              <a:rPr lang="en-US" sz="1400" b="1" dirty="0">
+                <a:solidFill>
+                  <a:schemeClr val="tx2"/>
+                </a:solidFill>
+                <a:latin typeface="Calibri" panose="020F0502020204030204" pitchFamily="34" charset="0"/>
+                <a:cs typeface="Calibri" panose="020F0502020204030204" pitchFamily="34" charset="0"/>
+              </a:rPr>
+              <a:t>0xN: Additional Error will be defined in future</a:t>
             </a:r>
           </a:p>
         </p:txBody>
       </p:sp>
       <p:sp>
         <p:nvSpPr>
-          <p:cNvPr id="6" name="Footer Placeholder 3">
+          <p:cNvPr id="6" name="TextBox 5">
             <a:extLst>
               <a:ext uri="{FF2B5EF4-FFF2-40B4-BE49-F238E27FC236}">
-                <a16:creationId xmlns:a16="http://schemas.microsoft.com/office/drawing/2014/main" id="{DAAC01B7-F9FF-A94D-AC6F-E2071AD95C28}"/>
-              </a:ext>
-            </a:extLst>
-          </p:cNvPr>
-          <p:cNvSpPr txBox="1">
-            <a:spLocks/>
-          </p:cNvSpPr>
-          <p:nvPr/>
-        </p:nvSpPr>
-        <p:spPr>
-          <a:xfrm>
-            <a:off x="3467100" y="4844952"/>
-            <a:ext cx="2209800" cy="357188"/>
-          </a:xfrm>
-          <a:prstGeom prst="rect">
-            <a:avLst/>
-          </a:prstGeom>
-        </p:spPr>
-        <p:txBody>
-          <a:bodyPr/>
-          <a:lstStyle>
-            <a:defPPr>
-              <a:defRPr lang="zh-CN"/>
-            </a:defPPr>
-            <a:lvl1pPr algn="l" rtl="0" fontAlgn="base">
-              <a:spcBef>
-                <a:spcPct val="0"/>
-              </a:spcBef>
-              <a:spcAft>
-                <a:spcPct val="0"/>
-              </a:spcAft>
-              <a:defRPr kern="1200">
-                <a:solidFill>
-                  <a:schemeClr val="tx1"/>
-                </a:solidFill>
-                <a:latin typeface="Arial" charset="0"/>
-                <a:ea typeface="宋体" pitchFamily="2" charset="-122"/>
-                <a:cs typeface="+mn-cs"/>
-              </a:defRPr>
-            </a:lvl1pPr>
-            <a:lvl2pPr marL="457200" algn="l" rtl="0" fontAlgn="base">
-              <a:spcBef>
-                <a:spcPct val="0"/>
-              </a:spcBef>
-              <a:spcAft>
-                <a:spcPct val="0"/>
-              </a:spcAft>
-              <a:defRPr kern="1200">
-                <a:solidFill>
-                  <a:schemeClr val="tx1"/>
-                </a:solidFill>
-                <a:latin typeface="Arial" charset="0"/>
-                <a:ea typeface="宋体" pitchFamily="2" charset="-122"/>
-                <a:cs typeface="+mn-cs"/>
-              </a:defRPr>
-            </a:lvl2pPr>
-            <a:lvl3pPr marL="914400" algn="l" rtl="0" fontAlgn="base">
-              <a:spcBef>
-                <a:spcPct val="0"/>
-              </a:spcBef>
-              <a:spcAft>
-                <a:spcPct val="0"/>
-              </a:spcAft>
-              <a:defRPr kern="1200">
-                <a:solidFill>
-                  <a:schemeClr val="tx1"/>
-                </a:solidFill>
-                <a:latin typeface="Arial" charset="0"/>
-                <a:ea typeface="宋体" pitchFamily="2" charset="-122"/>
-                <a:cs typeface="+mn-cs"/>
-              </a:defRPr>
-            </a:lvl3pPr>
-            <a:lvl4pPr marL="1371600" algn="l" rtl="0" fontAlgn="base">
-              <a:spcBef>
-                <a:spcPct val="0"/>
-              </a:spcBef>
-              <a:spcAft>
-                <a:spcPct val="0"/>
-              </a:spcAft>
-              <a:defRPr kern="1200">
-                <a:solidFill>
-                  <a:schemeClr val="tx1"/>
-                </a:solidFill>
-                <a:latin typeface="Arial" charset="0"/>
-                <a:ea typeface="宋体" pitchFamily="2" charset="-122"/>
-                <a:cs typeface="+mn-cs"/>
-              </a:defRPr>
-            </a:lvl4pPr>
-            <a:lvl5pPr marL="1828800" algn="l" rtl="0" fontAlgn="base">
-              <a:spcBef>
-                <a:spcPct val="0"/>
-              </a:spcBef>
-              <a:spcAft>
-                <a:spcPct val="0"/>
-              </a:spcAft>
-              <a:defRPr kern="1200">
-                <a:solidFill>
-                  <a:schemeClr val="tx1"/>
-                </a:solidFill>
-                <a:latin typeface="Arial" charset="0"/>
-                <a:ea typeface="宋体" pitchFamily="2" charset="-122"/>
-                <a:cs typeface="+mn-cs"/>
-              </a:defRPr>
-            </a:lvl5pPr>
-            <a:lvl6pPr marL="2286000" algn="l" defTabSz="914400" rtl="0" eaLnBrk="1" latinLnBrk="0" hangingPunct="1">
-              <a:defRPr kern="1200">
-                <a:solidFill>
-                  <a:schemeClr val="tx1"/>
-                </a:solidFill>
-                <a:latin typeface="Arial" charset="0"/>
-                <a:ea typeface="宋体" pitchFamily="2" charset="-122"/>
-                <a:cs typeface="+mn-cs"/>
-              </a:defRPr>
-            </a:lvl6pPr>
-            <a:lvl7pPr marL="2743200" algn="l" defTabSz="914400" rtl="0" eaLnBrk="1" latinLnBrk="0" hangingPunct="1">
-              <a:defRPr kern="1200">
-                <a:solidFill>
-                  <a:schemeClr val="tx1"/>
-                </a:solidFill>
-                <a:latin typeface="Arial" charset="0"/>
-                <a:ea typeface="宋体" pitchFamily="2" charset="-122"/>
-                <a:cs typeface="+mn-cs"/>
-              </a:defRPr>
-            </a:lvl7pPr>
-            <a:lvl8pPr marL="3200400" algn="l" defTabSz="914400" rtl="0" eaLnBrk="1" latinLnBrk="0" hangingPunct="1">
-              <a:defRPr kern="1200">
-                <a:solidFill>
-                  <a:schemeClr val="tx1"/>
-                </a:solidFill>
-                <a:latin typeface="Arial" charset="0"/>
-                <a:ea typeface="宋体" pitchFamily="2" charset="-122"/>
-                <a:cs typeface="+mn-cs"/>
-              </a:defRPr>
-            </a:lvl8pPr>
-            <a:lvl9pPr marL="3657600" algn="l" defTabSz="914400" rtl="0" eaLnBrk="1" latinLnBrk="0" hangingPunct="1">
-              <a:defRPr kern="1200">
-                <a:solidFill>
-                  <a:schemeClr val="tx1"/>
-                </a:solidFill>
-                <a:latin typeface="Arial" charset="0"/>
-                <a:ea typeface="宋体" pitchFamily="2" charset="-122"/>
-                <a:cs typeface="+mn-cs"/>
-              </a:defRPr>
-            </a:lvl9pPr>
-          </a:lstStyle>
-          <a:p>
-            <a:pPr>
-              <a:defRPr/>
-            </a:pPr>
-            <a:r>
-              <a:rPr lang="en-US" altLang="zh-CN" sz="1200" dirty="0"/>
-              <a:t>107</a:t>
-            </a:r>
-            <a:r>
-              <a:rPr lang="en-US" altLang="zh-CN" sz="1200" baseline="30000" dirty="0"/>
-              <a:t>th</a:t>
-            </a:r>
-            <a:r>
-              <a:rPr lang="en-US" altLang="zh-CN" sz="1200" dirty="0"/>
-              <a:t> IETF @ Vancouver</a:t>
-            </a:r>
-          </a:p>
-        </p:txBody>
-      </p:sp>
-      <p:sp>
-        <p:nvSpPr>
-          <p:cNvPr id="7" name="Slide Number Placeholder 2">
-            <a:extLst>
-              <a:ext uri="{FF2B5EF4-FFF2-40B4-BE49-F238E27FC236}">
-                <a16:creationId xmlns:a16="http://schemas.microsoft.com/office/drawing/2014/main" id="{8D46899F-25E7-8042-9E81-459B5F041477}"/>
-              </a:ext>
-            </a:extLst>
-          </p:cNvPr>
-          <p:cNvSpPr txBox="1">
-            <a:spLocks/>
-          </p:cNvSpPr>
-          <p:nvPr/>
-        </p:nvSpPr>
-        <p:spPr>
-          <a:xfrm>
-            <a:off x="7585136" y="4666358"/>
-            <a:ext cx="1143000" cy="357188"/>
-          </a:xfrm>
-          <a:prstGeom prst="rect">
-            <a:avLst/>
-          </a:prstGeom>
-        </p:spPr>
-        <p:txBody>
-          <a:bodyPr/>
-          <a:lstStyle>
-            <a:defPPr>
-              <a:defRPr lang="zh-CN"/>
-            </a:defPPr>
-            <a:lvl1pPr algn="l" rtl="0" fontAlgn="base">
-              <a:spcBef>
-                <a:spcPct val="0"/>
-              </a:spcBef>
-              <a:spcAft>
-                <a:spcPct val="0"/>
-              </a:spcAft>
-              <a:defRPr kern="1200">
-                <a:solidFill>
-                  <a:schemeClr val="tx1"/>
-                </a:solidFill>
-                <a:latin typeface="Arial" charset="0"/>
-                <a:ea typeface="宋体" pitchFamily="2" charset="-122"/>
-                <a:cs typeface="+mn-cs"/>
-              </a:defRPr>
-            </a:lvl1pPr>
-            <a:lvl2pPr marL="457200" algn="l" rtl="0" fontAlgn="base">
-              <a:spcBef>
-                <a:spcPct val="0"/>
-              </a:spcBef>
-              <a:spcAft>
-                <a:spcPct val="0"/>
-              </a:spcAft>
-              <a:defRPr kern="1200">
-                <a:solidFill>
-                  <a:schemeClr val="tx1"/>
-                </a:solidFill>
-                <a:latin typeface="Arial" charset="0"/>
-                <a:ea typeface="宋体" pitchFamily="2" charset="-122"/>
-                <a:cs typeface="+mn-cs"/>
-              </a:defRPr>
-            </a:lvl2pPr>
-            <a:lvl3pPr marL="914400" algn="l" rtl="0" fontAlgn="base">
-              <a:spcBef>
-                <a:spcPct val="0"/>
-              </a:spcBef>
-              <a:spcAft>
-                <a:spcPct val="0"/>
-              </a:spcAft>
-              <a:defRPr kern="1200">
-                <a:solidFill>
-                  <a:schemeClr val="tx1"/>
-                </a:solidFill>
-                <a:latin typeface="Arial" charset="0"/>
-                <a:ea typeface="宋体" pitchFamily="2" charset="-122"/>
-                <a:cs typeface="+mn-cs"/>
-              </a:defRPr>
-            </a:lvl3pPr>
-            <a:lvl4pPr marL="1371600" algn="l" rtl="0" fontAlgn="base">
-              <a:spcBef>
-                <a:spcPct val="0"/>
-              </a:spcBef>
-              <a:spcAft>
-                <a:spcPct val="0"/>
-              </a:spcAft>
-              <a:defRPr kern="1200">
-                <a:solidFill>
-                  <a:schemeClr val="tx1"/>
-                </a:solidFill>
-                <a:latin typeface="Arial" charset="0"/>
-                <a:ea typeface="宋体" pitchFamily="2" charset="-122"/>
-                <a:cs typeface="+mn-cs"/>
-              </a:defRPr>
-            </a:lvl4pPr>
-            <a:lvl5pPr marL="1828800" algn="l" rtl="0" fontAlgn="base">
-              <a:spcBef>
-                <a:spcPct val="0"/>
-              </a:spcBef>
-              <a:spcAft>
-                <a:spcPct val="0"/>
-              </a:spcAft>
-              <a:defRPr kern="1200">
-                <a:solidFill>
-                  <a:schemeClr val="tx1"/>
-                </a:solidFill>
-                <a:latin typeface="Arial" charset="0"/>
-                <a:ea typeface="宋体" pitchFamily="2" charset="-122"/>
-                <a:cs typeface="+mn-cs"/>
-              </a:defRPr>
-            </a:lvl5pPr>
-            <a:lvl6pPr marL="2286000" algn="l" defTabSz="914400" rtl="0" eaLnBrk="1" latinLnBrk="0" hangingPunct="1">
-              <a:defRPr kern="1200">
-                <a:solidFill>
-                  <a:schemeClr val="tx1"/>
-                </a:solidFill>
-                <a:latin typeface="Arial" charset="0"/>
-                <a:ea typeface="宋体" pitchFamily="2" charset="-122"/>
-                <a:cs typeface="+mn-cs"/>
-              </a:defRPr>
-            </a:lvl6pPr>
-            <a:lvl7pPr marL="2743200" algn="l" defTabSz="914400" rtl="0" eaLnBrk="1" latinLnBrk="0" hangingPunct="1">
-              <a:defRPr kern="1200">
-                <a:solidFill>
-                  <a:schemeClr val="tx1"/>
-                </a:solidFill>
-                <a:latin typeface="Arial" charset="0"/>
-                <a:ea typeface="宋体" pitchFamily="2" charset="-122"/>
-                <a:cs typeface="+mn-cs"/>
-              </a:defRPr>
-            </a:lvl7pPr>
-            <a:lvl8pPr marL="3200400" algn="l" defTabSz="914400" rtl="0" eaLnBrk="1" latinLnBrk="0" hangingPunct="1">
-              <a:defRPr kern="1200">
-                <a:solidFill>
-                  <a:schemeClr val="tx1"/>
-                </a:solidFill>
-                <a:latin typeface="Arial" charset="0"/>
-                <a:ea typeface="宋体" pitchFamily="2" charset="-122"/>
-                <a:cs typeface="+mn-cs"/>
-              </a:defRPr>
-            </a:lvl8pPr>
-            <a:lvl9pPr marL="3657600" algn="l" defTabSz="914400" rtl="0" eaLnBrk="1" latinLnBrk="0" hangingPunct="1">
-              <a:defRPr kern="1200">
-                <a:solidFill>
-                  <a:schemeClr val="tx1"/>
-                </a:solidFill>
-                <a:latin typeface="Arial" charset="0"/>
-                <a:ea typeface="宋体" pitchFamily="2" charset="-122"/>
-                <a:cs typeface="+mn-cs"/>
-              </a:defRPr>
-            </a:lvl9pPr>
-          </a:lstStyle>
-          <a:p>
-            <a:pPr algn="r">
-              <a:defRPr/>
-            </a:pPr>
-            <a:fld id="{D5EE1D1A-EEC2-4D53-94A7-85D62C853479}" type="slidenum">
-              <a:rPr lang="en-US" altLang="zh-CN" sz="1400" smtClean="0">
-                <a:latin typeface="Calibri" panose="020F0502020204030204" pitchFamily="34" charset="0"/>
-                <a:cs typeface="Calibri" panose="020F0502020204030204" pitchFamily="34" charset="0"/>
-              </a:rPr>
-              <a:pPr algn="r">
-                <a:defRPr/>
-              </a:pPr>
-              <a:t>2</a:t>
-            </a:fld>
-            <a:endParaRPr lang="en-US" altLang="zh-CN" sz="1400" dirty="0">
-              <a:latin typeface="Calibri" panose="020F0502020204030204" pitchFamily="34" charset="0"/>
-              <a:cs typeface="Calibri" panose="020F0502020204030204" pitchFamily="34" charset="0"/>
-            </a:endParaRPr>
-          </a:p>
-        </p:txBody>
-      </p:sp>
-      <p:sp>
-        <p:nvSpPr>
-          <p:cNvPr id="2" name="TextBox 1">
-            <a:extLst>
-              <a:ext uri="{FF2B5EF4-FFF2-40B4-BE49-F238E27FC236}">
-                <a16:creationId xmlns:a16="http://schemas.microsoft.com/office/drawing/2014/main" id="{4E306775-BBF0-9348-88C1-4F116EC35EEE}"/>
+                <a16:creationId xmlns:a16="http://schemas.microsoft.com/office/drawing/2014/main" id="{472BC29F-F4F5-4C41-A08B-B4C04E5E8A95}"/>
               </a:ext>
             </a:extLst>
           </p:cNvPr>
@@ -5955,45 +5168,32 @@
         </p:nvSpPr>
         <p:spPr>
           <a:xfrm>
-            <a:off x="406707" y="3848341"/>
-            <a:ext cx="5914055" cy="461665"/>
+            <a:off x="5069524" y="3705046"/>
+            <a:ext cx="2662552" cy="461665"/>
           </a:xfrm>
           <a:prstGeom prst="rect">
             <a:avLst/>
           </a:prstGeom>
           <a:noFill/>
+          <a:ln>
+            <a:solidFill>
+              <a:schemeClr val="accent1"/>
+            </a:solidFill>
+          </a:ln>
         </p:spPr>
         <p:txBody>
-          <a:bodyPr wrap="none" rtlCol="0">
+          <a:bodyPr wrap="square" rtlCol="0">
             <a:spAutoFit/>
           </a:bodyPr>
           <a:lstStyle/>
           <a:p>
-            <a:pPr marL="285750" indent="-285750">
-              <a:buFont typeface="Wingdings" pitchFamily="2" charset="2"/>
-              <a:buChar char="ü"/>
-            </a:pPr>
             <a:r>
               <a:rPr lang="en-US" sz="1200" dirty="0">
                 <a:solidFill>
                   <a:schemeClr val="tx2"/>
                 </a:solidFill>
               </a:rPr>
-              <a:t>Control Code compatible with TWAMP Light message format</a:t>
-            </a:r>
-          </a:p>
-          <a:p>
-            <a:pPr marL="285750" indent="-285750">
-              <a:buFont typeface="Wingdings" pitchFamily="2" charset="2"/>
-              <a:buChar char="ü"/>
-            </a:pPr>
-            <a:r>
-              <a:rPr lang="en-US" sz="1200" dirty="0">
-                <a:solidFill>
-                  <a:schemeClr val="tx2"/>
-                </a:solidFill>
-              </a:rPr>
-              <a:t>No change for Session ID in both message formats – STAMP and TWAMP Light</a:t>
+              <a:t>Consistency across TWAMP Light and STAMP DM and LM messages</a:t>
             </a:r>
           </a:p>
         </p:txBody>
@@ -6001,16 +5201,13 @@
     </p:spTree>
     <p:extLst>
       <p:ext uri="{BB962C8B-B14F-4D97-AF65-F5344CB8AC3E}">
-        <p14:creationId xmlns:p14="http://schemas.microsoft.com/office/powerpoint/2010/main" val="3545382320"/>
+        <p14:creationId xmlns:p14="http://schemas.microsoft.com/office/powerpoint/2010/main" val="2207754841"/>
       </p:ext>
     </p:extLst>
   </p:cSld>
   <p:clrMapOvr>
     <a:masterClrMapping/>
   </p:clrMapOvr>
-  <p:transition spd="med">
-    <p:fade/>
-  </p:transition>
 </p:sld>
 </file>
 
@@ -6060,7 +5257,7 @@
                 <a:latin typeface="Calibri Light" panose="020F0302020204030204" pitchFamily="34" charset="0"/>
                 <a:cs typeface="Calibri Light" panose="020F0302020204030204" pitchFamily="34" charset="0"/>
               </a:rPr>
-              <a:t>Option 2: New 24-Bit Session ID Field</a:t>
+              <a:t>Option 1: Variable Length Session ID Part of Existing Sequence Number</a:t>
             </a:r>
           </a:p>
         </p:txBody>
@@ -6073,8 +5270,8 @@
         </p:nvSpPr>
         <p:spPr>
           <a:xfrm>
-            <a:off x="180009" y="742950"/>
-            <a:ext cx="4391987" cy="2862322"/>
+            <a:off x="185072" y="742950"/>
+            <a:ext cx="4310728" cy="2862322"/>
           </a:xfrm>
           <a:prstGeom prst="rect">
             <a:avLst/>
@@ -6148,7 +5345,26 @@
                 <a:ea typeface="Courier" charset="0"/>
                 <a:cs typeface="Courier" charset="0"/>
               </a:rPr>
-              <a:t>      |                         Sequence Number                       |</a:t>
+              <a:t>      </a:t>
+            </a:r>
+            <a:r>
+              <a:rPr lang="en-US" sz="750" dirty="0">
+                <a:solidFill>
+                  <a:srgbClr val="0070C0"/>
+                </a:solidFill>
+                <a:latin typeface="Courier" charset="0"/>
+                <a:ea typeface="Courier" charset="0"/>
+                <a:cs typeface="Courier" charset="0"/>
+              </a:rPr>
+              <a:t>|       Session ID / Sequence Number                            </a:t>
+            </a:r>
+            <a:r>
+              <a:rPr lang="en-US" sz="750" dirty="0">
+                <a:latin typeface="Courier" charset="0"/>
+                <a:ea typeface="Courier" charset="0"/>
+                <a:cs typeface="Courier" charset="0"/>
+              </a:rPr>
+              <a:t>|</a:t>
             </a:r>
           </a:p>
           <a:p>
@@ -6178,7 +5394,7 @@
                 <a:ea typeface="Courier" charset="0"/>
                 <a:cs typeface="Courier" charset="0"/>
               </a:rPr>
-              <a:t>      |                         Timestamp                             |</a:t>
+              <a:t>      |                          Timestamp                            |</a:t>
             </a:r>
           </a:p>
           <a:p>
@@ -6272,50 +5488,6 @@
                 <a:ea typeface="Courier" charset="0"/>
                 <a:cs typeface="Courier" charset="0"/>
               </a:rPr>
-              <a:t>      </a:t>
-            </a:r>
-            <a:r>
-              <a:rPr lang="en-US" sz="750" dirty="0">
-                <a:solidFill>
-                  <a:srgbClr val="0070C0"/>
-                </a:solidFill>
-                <a:latin typeface="Courier" charset="0"/>
-                <a:ea typeface="Courier" charset="0"/>
-                <a:cs typeface="Courier" charset="0"/>
-              </a:rPr>
-              <a:t>|         Session ID                            | MBZ           |</a:t>
-            </a:r>
-          </a:p>
-          <a:p>
-            <a:pPr>
-              <a:spcAft>
-                <a:spcPts val="0"/>
-              </a:spcAft>
-            </a:pPr>
-            <a:r>
-              <a:rPr lang="en-US" sz="750" dirty="0">
-                <a:solidFill>
-                  <a:srgbClr val="0070C0"/>
-                </a:solidFill>
-                <a:latin typeface="Courier" charset="0"/>
-                <a:ea typeface="Courier" charset="0"/>
-                <a:cs typeface="Courier" charset="0"/>
-              </a:rPr>
-              <a:t>      +-+-+-+-+-+-+-+-+-+-+-+-+-+-+-+-+-+-+-+-+-+-+-+-+-+-+-+-+-+-+-+-+ </a:t>
-            </a:r>
-          </a:p>
-          <a:p>
-            <a:pPr>
-              <a:spcAft>
-                <a:spcPts val="0"/>
-              </a:spcAft>
-            </a:pPr>
-            <a:r>
-              <a:rPr lang="en-US" sz="750" dirty="0">
-                <a:latin typeface="Courier" charset="0"/>
-                <a:ea typeface="Courier" charset="0"/>
-                <a:cs typeface="Courier" charset="0"/>
-              </a:rPr>
               <a:t>      |                                                               |</a:t>
             </a:r>
           </a:p>
@@ -6331,26 +5503,37 @@
                 <a:ea typeface="Courier" charset="0"/>
                 <a:cs typeface="Courier" charset="0"/>
               </a:rPr>
-              <a:t>      |                         </a:t>
-            </a:r>
-            <a:r>
-              <a:rPr lang="en-US" sz="750" dirty="0">
-                <a:solidFill>
-                  <a:srgbClr val="0070C0"/>
-                </a:solidFill>
-                <a:latin typeface="Courier" charset="0"/>
-                <a:ea typeface="Courier" charset="0"/>
-                <a:cs typeface="Courier" charset="0"/>
-              </a:rPr>
-              <a:t>MBZ (24 octets)                       </a:t>
-            </a:r>
-            <a:r>
-              <a:rPr lang="en-US" sz="750" dirty="0">
-                <a:latin typeface="Courier" charset="0"/>
-                <a:ea typeface="Courier" charset="0"/>
-                <a:cs typeface="Courier" charset="0"/>
-              </a:rPr>
-              <a:t>|</a:t>
+              <a:t>      |                                                               |</a:t>
+            </a:r>
+          </a:p>
+          <a:p>
+            <a:pPr>
+              <a:spcAft>
+                <a:spcPts val="0"/>
+              </a:spcAft>
+            </a:pPr>
+            <a:r>
+              <a:rPr lang="en-US" sz="750" dirty="0">
+                <a:latin typeface="Courier" charset="0"/>
+                <a:ea typeface="Courier" charset="0"/>
+                <a:cs typeface="Courier" charset="0"/>
+              </a:rPr>
+              <a:t>      +                                                               +</a:t>
+            </a:r>
+          </a:p>
+          <a:p>
+            <a:pPr>
+              <a:spcAft>
+                <a:spcPts val="0"/>
+              </a:spcAft>
+            </a:pPr>
+            <a:r>
+              <a:rPr lang="en-US" sz="750" dirty="0">
+                <a:latin typeface="Courier" charset="0"/>
+                <a:ea typeface="Courier" charset="0"/>
+                <a:cs typeface="Courier" charset="0"/>
+              </a:rPr>
+              <a:t>      |                         MBZ (28 octets)                       |</a:t>
             </a:r>
           </a:p>
           <a:p>
@@ -6516,7 +5699,7 @@
         </p:nvSpPr>
         <p:spPr>
           <a:xfrm>
-            <a:off x="4571996" y="742950"/>
+            <a:off x="4495800" y="742950"/>
             <a:ext cx="4368799" cy="2862322"/>
           </a:xfrm>
           <a:prstGeom prst="rect">
@@ -6621,7 +5804,7 @@
                 <a:ea typeface="Courier" charset="0"/>
                 <a:cs typeface="Courier" charset="0"/>
               </a:rPr>
-              <a:t>    |                        Timestamp                              |</a:t>
+              <a:t>    |                          Timestamp                            |</a:t>
             </a:r>
           </a:p>
           <a:p>
@@ -6760,7 +5943,26 @@
                 <a:ea typeface="Courier" charset="0"/>
                 <a:cs typeface="Courier" charset="0"/>
               </a:rPr>
-              <a:t>    |       Sequence Number                                         |  </a:t>
+              <a:t>    |     </a:t>
+            </a:r>
+            <a:r>
+              <a:rPr lang="en-US" sz="750" dirty="0">
+                <a:solidFill>
+                  <a:srgbClr val="0070C0"/>
+                </a:solidFill>
+                <a:latin typeface="Courier" charset="0"/>
+                <a:ea typeface="Courier" charset="0"/>
+                <a:cs typeface="Courier" charset="0"/>
+              </a:rPr>
+              <a:t>Sender Session ID / Sender Sequence Number                </a:t>
+            </a:r>
+            <a:r>
+              <a:rPr lang="en-US" sz="750" dirty="0">
+                <a:latin typeface="Courier" charset="0"/>
+                <a:ea typeface="Courier" charset="0"/>
+                <a:cs typeface="Courier" charset="0"/>
+              </a:rPr>
+              <a:t>|  </a:t>
             </a:r>
           </a:p>
           <a:p>
@@ -6881,8 +6083,30 @@
                 <a:ea typeface="Courier" charset="0"/>
                 <a:cs typeface="Courier" charset="0"/>
               </a:rPr>
-              <a:t>-Sender TTL |      </a:t>
-            </a:r>
+              <a:t>-Sender TTL |                  MBZ                          |</a:t>
+            </a:r>
+          </a:p>
+          <a:p>
+            <a:pPr>
+              <a:spcAft>
+                <a:spcPts val="0"/>
+              </a:spcAft>
+            </a:pPr>
+            <a:r>
+              <a:rPr lang="en-US" sz="750" dirty="0">
+                <a:latin typeface="Courier" charset="0"/>
+                <a:ea typeface="Courier" charset="0"/>
+                <a:cs typeface="Courier" charset="0"/>
+              </a:rPr>
+              <a:t>    +-+-+-+-+-+-+-+-+-+-+-+-+-+-+-+-+-+-+-+-+-+-+-+-+-+-+-+-+-+-+-+-+</a:t>
+            </a:r>
+          </a:p>
+          <a:p>
+            <a:pPr>
+              <a:spcAft>
+                <a:spcPts val="0"/>
+              </a:spcAft>
+            </a:pPr>
             <a:r>
               <a:rPr lang="en-US" sz="750" dirty="0">
                 <a:solidFill>
@@ -6892,47 +6116,6 @@
                 <a:ea typeface="Courier" charset="0"/>
                 <a:cs typeface="Courier" charset="0"/>
               </a:rPr>
-              <a:t>Session-Sender Session ID                </a:t>
-            </a:r>
-            <a:r>
-              <a:rPr lang="en-US" sz="750" dirty="0">
-                <a:latin typeface="Courier" charset="0"/>
-                <a:ea typeface="Courier" charset="0"/>
-                <a:cs typeface="Courier" charset="0"/>
-              </a:rPr>
-              <a:t>|</a:t>
-            </a:r>
-          </a:p>
-          <a:p>
-            <a:pPr>
-              <a:spcAft>
-                <a:spcPts val="0"/>
-              </a:spcAft>
-            </a:pPr>
-            <a:r>
-              <a:rPr lang="en-US" sz="750" dirty="0">
-                <a:latin typeface="Courier" charset="0"/>
-                <a:ea typeface="Courier" charset="0"/>
-                <a:cs typeface="Courier" charset="0"/>
-              </a:rPr>
-              <a:t>    +-+-+-+-+-+-+-+-+-+-+-+-+-+-+-+-+-+-+-+-+-+-+-+-+-+-+-+-+-+-+-+-+</a:t>
-            </a:r>
-          </a:p>
-          <a:p>
-            <a:pPr>
-              <a:spcAft>
-                <a:spcPts val="0"/>
-              </a:spcAft>
-            </a:pPr>
-            <a:r>
-              <a:rPr lang="en-US" sz="750" dirty="0">
-                <a:solidFill>
-                  <a:srgbClr val="0070C0"/>
-                </a:solidFill>
-                <a:latin typeface="Courier" charset="0"/>
-                <a:ea typeface="Courier" charset="0"/>
-                <a:cs typeface="Courier" charset="0"/>
-              </a:rPr>
               <a:t>	    </a:t>
             </a:r>
           </a:p>
@@ -6948,7 +6131,7 @@
                 <a:ea typeface="Courier" charset="0"/>
                 <a:cs typeface="Courier" charset="0"/>
               </a:rPr>
-              <a:t>                Figure: Reflector Message Format in STAMP</a:t>
+              <a:t>                  Figure: Reflector Message Format in STAMP</a:t>
             </a:r>
           </a:p>
         </p:txBody>
@@ -7295,10 +6478,10 @@
       </p:sp>
       <p:sp>
         <p:nvSpPr>
-          <p:cNvPr id="8" name="TextBox 7">
+          <p:cNvPr id="2" name="TextBox 1">
             <a:extLst>
               <a:ext uri="{FF2B5EF4-FFF2-40B4-BE49-F238E27FC236}">
-                <a16:creationId xmlns:a16="http://schemas.microsoft.com/office/drawing/2014/main" id="{C61B54B1-9C3B-3246-9D5F-ACA8B4F35C94}"/>
+                <a16:creationId xmlns:a16="http://schemas.microsoft.com/office/drawing/2014/main" id="{4E306775-BBF0-9348-88C1-4F116EC35EEE}"/>
               </a:ext>
             </a:extLst>
           </p:cNvPr>
@@ -7307,8 +6490,8 @@
         </p:nvSpPr>
         <p:spPr>
           <a:xfrm>
-            <a:off x="457200" y="3909896"/>
-            <a:ext cx="6248395" cy="461665"/>
+            <a:off x="406707" y="3848341"/>
+            <a:ext cx="5914055" cy="461665"/>
           </a:xfrm>
           <a:prstGeom prst="rect">
             <a:avLst/>
@@ -7316,7 +6499,7 @@
           <a:noFill/>
         </p:spPr>
         <p:txBody>
-          <a:bodyPr wrap="square" rtlCol="0">
+          <a:bodyPr wrap="none" rtlCol="0">
             <a:spAutoFit/>
           </a:bodyPr>
           <a:lstStyle/>
@@ -7345,7 +6528,7 @@
                   <a:schemeClr val="tx2"/>
                 </a:solidFill>
               </a:rPr>
-              <a:t>Session ID is 24-bit which is good</a:t>
+              <a:t>No change for Session ID in both message formats – STAMP and TWAMP Light</a:t>
             </a:r>
           </a:p>
         </p:txBody>
@@ -7353,7 +6536,7 @@
     </p:spTree>
     <p:extLst>
       <p:ext uri="{BB962C8B-B14F-4D97-AF65-F5344CB8AC3E}">
-        <p14:creationId xmlns:p14="http://schemas.microsoft.com/office/powerpoint/2010/main" val="3209786478"/>
+        <p14:creationId xmlns:p14="http://schemas.microsoft.com/office/powerpoint/2010/main" val="3545382320"/>
       </p:ext>
     </p:extLst>
   </p:cSld>
@@ -7412,7 +6595,7 @@
                 <a:latin typeface="Calibri Light" panose="020F0302020204030204" pitchFamily="34" charset="0"/>
                 <a:cs typeface="Calibri Light" panose="020F0302020204030204" pitchFamily="34" charset="0"/>
               </a:rPr>
-              <a:t>Option 3: 32-bit Session ID in TLV</a:t>
+              <a:t>Option 2: 24-Bit Session ID Field</a:t>
             </a:r>
           </a:p>
         </p:txBody>
@@ -7425,8 +6608,8 @@
         </p:nvSpPr>
         <p:spPr>
           <a:xfrm>
-            <a:off x="228614" y="742950"/>
-            <a:ext cx="4320175" cy="3323987"/>
+            <a:off x="180009" y="742950"/>
+            <a:ext cx="4391987" cy="2862322"/>
           </a:xfrm>
           <a:prstGeom prst="rect">
             <a:avLst/>
@@ -7500,7 +6683,7 @@
                 <a:ea typeface="Courier" charset="0"/>
                 <a:cs typeface="Courier" charset="0"/>
               </a:rPr>
-              <a:t>      |                        Sequence Number                        |</a:t>
+              <a:t>      |                         Sequence Number                       |</a:t>
             </a:r>
           </a:p>
           <a:p>
@@ -7530,7 +6713,7 @@
                 <a:ea typeface="Courier" charset="0"/>
                 <a:cs typeface="Courier" charset="0"/>
               </a:rPr>
-              <a:t>      |                          Timestamp                            |</a:t>
+              <a:t>      |                         Timestamp                             |</a:t>
             </a:r>
           </a:p>
           <a:p>
@@ -7575,7 +6758,7 @@
                 <a:ea typeface="Courier" charset="0"/>
                 <a:cs typeface="Courier" charset="0"/>
               </a:rPr>
-              <a:t>      |         Error Estimate        |  MBZ          | </a:t>
+              <a:t>      |         Error Estimate        |   MBZ         | </a:t>
             </a:r>
             <a:r>
               <a:rPr lang="en-US" sz="750" dirty="0">
@@ -7624,6 +6807,50 @@
                 <a:ea typeface="Courier" charset="0"/>
                 <a:cs typeface="Courier" charset="0"/>
               </a:rPr>
+              <a:t>      </a:t>
+            </a:r>
+            <a:r>
+              <a:rPr lang="en-US" sz="750" dirty="0">
+                <a:solidFill>
+                  <a:srgbClr val="0070C0"/>
+                </a:solidFill>
+                <a:latin typeface="Courier" charset="0"/>
+                <a:ea typeface="Courier" charset="0"/>
+                <a:cs typeface="Courier" charset="0"/>
+              </a:rPr>
+              <a:t>|         Session ID                            | MBZ           |</a:t>
+            </a:r>
+          </a:p>
+          <a:p>
+            <a:pPr>
+              <a:spcAft>
+                <a:spcPts val="0"/>
+              </a:spcAft>
+            </a:pPr>
+            <a:r>
+              <a:rPr lang="en-US" sz="750" dirty="0">
+                <a:solidFill>
+                  <a:srgbClr val="0070C0"/>
+                </a:solidFill>
+                <a:latin typeface="Courier" charset="0"/>
+                <a:ea typeface="Courier" charset="0"/>
+                <a:cs typeface="Courier" charset="0"/>
+              </a:rPr>
+              <a:t>      +-+-+-+-+-+-+-+-+-+-+-+-+-+-+-+-+-+-+-+-+-+-+-+-+-+-+-+-+-+-+-+-+ </a:t>
+            </a:r>
+          </a:p>
+          <a:p>
+            <a:pPr>
+              <a:spcAft>
+                <a:spcPts val="0"/>
+              </a:spcAft>
+            </a:pPr>
+            <a:r>
+              <a:rPr lang="en-US" sz="750" dirty="0">
+                <a:latin typeface="Courier" charset="0"/>
+                <a:ea typeface="Courier" charset="0"/>
+                <a:cs typeface="Courier" charset="0"/>
+              </a:rPr>
               <a:t>      |                                                               |</a:t>
             </a:r>
           </a:p>
@@ -7639,6 +6866,55 @@
                 <a:ea typeface="Courier" charset="0"/>
                 <a:cs typeface="Courier" charset="0"/>
               </a:rPr>
+              <a:t>      |                         </a:t>
+            </a:r>
+            <a:r>
+              <a:rPr lang="en-US" sz="750" dirty="0">
+                <a:solidFill>
+                  <a:srgbClr val="0070C0"/>
+                </a:solidFill>
+                <a:latin typeface="Courier" charset="0"/>
+                <a:ea typeface="Courier" charset="0"/>
+                <a:cs typeface="Courier" charset="0"/>
+              </a:rPr>
+              <a:t>MBZ (24 octets)                       </a:t>
+            </a:r>
+            <a:r>
+              <a:rPr lang="en-US" sz="750" dirty="0">
+                <a:latin typeface="Courier" charset="0"/>
+                <a:ea typeface="Courier" charset="0"/>
+                <a:cs typeface="Courier" charset="0"/>
+              </a:rPr>
+              <a:t>|</a:t>
+            </a:r>
+          </a:p>
+          <a:p>
+            <a:pPr>
+              <a:spcAft>
+                <a:spcPts val="0"/>
+              </a:spcAft>
+            </a:pPr>
+            <a:r>
+              <a:rPr lang="en-US" sz="750" dirty="0">
+                <a:latin typeface="Courier" charset="0"/>
+                <a:ea typeface="Courier" charset="0"/>
+                <a:cs typeface="Courier" charset="0"/>
+              </a:rPr>
+              <a:t>      +                                                               +</a:t>
+            </a:r>
+          </a:p>
+          <a:p>
+            <a:pPr>
+              <a:spcAft>
+                <a:spcPts val="0"/>
+              </a:spcAft>
+            </a:pPr>
+            <a:r>
+              <a:rPr lang="en-US" sz="750" dirty="0">
+                <a:latin typeface="Courier" charset="0"/>
+                <a:ea typeface="Courier" charset="0"/>
+                <a:cs typeface="Courier" charset="0"/>
+              </a:rPr>
               <a:t>      |                                                               |</a:t>
             </a:r>
           </a:p>
@@ -7654,6 +6930,21 @@
                 <a:ea typeface="Courier" charset="0"/>
                 <a:cs typeface="Courier" charset="0"/>
               </a:rPr>
+              <a:t>      |                                                               |</a:t>
+            </a:r>
+          </a:p>
+          <a:p>
+            <a:pPr>
+              <a:spcAft>
+                <a:spcPts val="0"/>
+              </a:spcAft>
+            </a:pPr>
+            <a:r>
+              <a:rPr lang="en-US" sz="750" dirty="0">
+                <a:latin typeface="Courier" charset="0"/>
+                <a:ea typeface="Courier" charset="0"/>
+                <a:cs typeface="Courier" charset="0"/>
+              </a:rPr>
               <a:t>      +                                                               +</a:t>
             </a:r>
           </a:p>
@@ -7669,7 +6960,7 @@
                 <a:ea typeface="Courier" charset="0"/>
                 <a:cs typeface="Courier" charset="0"/>
               </a:rPr>
-              <a:t>      |                         MBZ (28 octets)                       |</a:t>
+              <a:t>      |                                                               |</a:t>
             </a:r>
           </a:p>
           <a:p>
@@ -7710,153 +7001,6 @@
             </a:pPr>
             <a:r>
               <a:rPr lang="en-US" sz="750" dirty="0">
-                <a:latin typeface="Courier" charset="0"/>
-                <a:ea typeface="Courier" charset="0"/>
-                <a:cs typeface="Courier" charset="0"/>
-              </a:rPr>
-              <a:t>      |                                                               |</a:t>
-            </a:r>
-          </a:p>
-          <a:p>
-            <a:pPr>
-              <a:spcAft>
-                <a:spcPts val="0"/>
-              </a:spcAft>
-            </a:pPr>
-            <a:r>
-              <a:rPr lang="en-US" sz="750" dirty="0">
-                <a:latin typeface="Courier" charset="0"/>
-                <a:ea typeface="Courier" charset="0"/>
-                <a:cs typeface="Courier" charset="0"/>
-              </a:rPr>
-              <a:t>      +                                                               +</a:t>
-            </a:r>
-          </a:p>
-          <a:p>
-            <a:pPr>
-              <a:spcAft>
-                <a:spcPts val="0"/>
-              </a:spcAft>
-            </a:pPr>
-            <a:r>
-              <a:rPr lang="en-US" sz="750" dirty="0">
-                <a:latin typeface="Courier" charset="0"/>
-                <a:ea typeface="Courier" charset="0"/>
-                <a:cs typeface="Courier" charset="0"/>
-              </a:rPr>
-              <a:t>      |                                                               |</a:t>
-            </a:r>
-          </a:p>
-          <a:p>
-            <a:pPr>
-              <a:spcAft>
-                <a:spcPts val="0"/>
-              </a:spcAft>
-            </a:pPr>
-            <a:r>
-              <a:rPr lang="en-US" sz="750" dirty="0">
-                <a:latin typeface="Courier" charset="0"/>
-                <a:ea typeface="Courier" charset="0"/>
-                <a:cs typeface="Courier" charset="0"/>
-              </a:rPr>
-              <a:t>      +                                                               +</a:t>
-            </a:r>
-          </a:p>
-          <a:p>
-            <a:pPr>
-              <a:spcAft>
-                <a:spcPts val="0"/>
-              </a:spcAft>
-            </a:pPr>
-            <a:r>
-              <a:rPr lang="en-US" sz="750" dirty="0">
-                <a:latin typeface="Courier" charset="0"/>
-                <a:ea typeface="Courier" charset="0"/>
-                <a:cs typeface="Courier" charset="0"/>
-              </a:rPr>
-              <a:t>      |                                                               |</a:t>
-            </a:r>
-          </a:p>
-          <a:p>
-            <a:pPr>
-              <a:spcAft>
-                <a:spcPts val="0"/>
-              </a:spcAft>
-            </a:pPr>
-            <a:r>
-              <a:rPr lang="en-US" sz="750" dirty="0">
-                <a:latin typeface="Courier" charset="0"/>
-                <a:ea typeface="Courier" charset="0"/>
-                <a:cs typeface="Courier" charset="0"/>
-              </a:rPr>
-              <a:t>      +-+-+-+-+-+-+-+-+-+-+-+-+-+-+-+-+-+-+-+-+-+-+-+-+-+-+-+-+-+-+-+-+</a:t>
-            </a:r>
-          </a:p>
-          <a:p>
-            <a:pPr>
-              <a:spcAft>
-                <a:spcPts val="0"/>
-              </a:spcAft>
-            </a:pPr>
-            <a:r>
-              <a:rPr lang="en-US" sz="750" dirty="0">
-                <a:solidFill>
-                  <a:srgbClr val="0070C0"/>
-                </a:solidFill>
-                <a:latin typeface="Courier" charset="0"/>
-                <a:ea typeface="Courier" charset="0"/>
-                <a:cs typeface="Courier" charset="0"/>
-              </a:rPr>
-              <a:t>      |    Session ID Type            |           Length              |</a:t>
-            </a:r>
-          </a:p>
-          <a:p>
-            <a:pPr>
-              <a:spcAft>
-                <a:spcPts val="0"/>
-              </a:spcAft>
-            </a:pPr>
-            <a:r>
-              <a:rPr lang="en-US" sz="750" dirty="0">
-                <a:solidFill>
-                  <a:srgbClr val="0070C0"/>
-                </a:solidFill>
-                <a:latin typeface="Courier" charset="0"/>
-                <a:ea typeface="Courier" charset="0"/>
-                <a:cs typeface="Courier" charset="0"/>
-              </a:rPr>
-              <a:t>      +-+-+-+-+-+-+-+-+-+-+-+-+-+-+-+-+-+-+-+-+-+-+-+-+-+-+-+-+-+-+-+-+</a:t>
-            </a:r>
-          </a:p>
-          <a:p>
-            <a:pPr>
-              <a:spcAft>
-                <a:spcPts val="0"/>
-              </a:spcAft>
-            </a:pPr>
-            <a:r>
-              <a:rPr lang="en-US" sz="750" dirty="0">
-                <a:solidFill>
-                  <a:srgbClr val="0070C0"/>
-                </a:solidFill>
-                <a:latin typeface="Courier" charset="0"/>
-                <a:ea typeface="Courier" charset="0"/>
-                <a:cs typeface="Courier" charset="0"/>
-              </a:rPr>
-              <a:t>      |             Session ID                                        |</a:t>
-            </a:r>
-          </a:p>
-          <a:p>
-            <a:pPr>
-              <a:spcAft>
-                <a:spcPts val="0"/>
-              </a:spcAft>
-            </a:pPr>
-            <a:r>
-              <a:rPr lang="en-US" sz="750" dirty="0">
-                <a:solidFill>
-                  <a:srgbClr val="0070C0"/>
-                </a:solidFill>
                 <a:latin typeface="Courier" charset="0"/>
                 <a:ea typeface="Courier" charset="0"/>
                 <a:cs typeface="Courier" charset="0"/>
@@ -7907,8 +7051,8 @@
         </p:nvSpPr>
         <p:spPr>
           <a:xfrm>
-            <a:off x="4548789" y="742950"/>
-            <a:ext cx="4368799" cy="3323987"/>
+            <a:off x="4571996" y="742950"/>
+            <a:ext cx="4368799" cy="2862322"/>
           </a:xfrm>
           <a:prstGeom prst="rect">
             <a:avLst/>
@@ -8012,7 +7156,7 @@
                 <a:ea typeface="Courier" charset="0"/>
                 <a:cs typeface="Courier" charset="0"/>
               </a:rPr>
-              <a:t>    |                          Timestamp                            |</a:t>
+              <a:t>    |                        Timestamp                              |</a:t>
             </a:r>
           </a:p>
           <a:p>
@@ -8151,7 +7295,7 @@
                 <a:ea typeface="Courier" charset="0"/>
                 <a:cs typeface="Courier" charset="0"/>
               </a:rPr>
-              <a:t>    |                 Session-Sender Sequence Number                |</a:t>
+              <a:t>    |       Sequence Number                                         |  </a:t>
             </a:r>
           </a:p>
           <a:p>
@@ -8272,7 +7416,26 @@
                 <a:ea typeface="Courier" charset="0"/>
                 <a:cs typeface="Courier" charset="0"/>
               </a:rPr>
-              <a:t>-Sender TTL |                  MBZ                          |</a:t>
+              <a:t>-Sender TTL |      </a:t>
+            </a:r>
+            <a:r>
+              <a:rPr lang="en-US" sz="750" dirty="0">
+                <a:solidFill>
+                  <a:srgbClr val="0070C0"/>
+                </a:solidFill>
+                <a:latin typeface="Courier" charset="0"/>
+                <a:ea typeface="Courier" charset="0"/>
+                <a:cs typeface="Courier" charset="0"/>
+              </a:rPr>
+              <a:t>Session-Sender Session ID                </a:t>
+            </a:r>
+            <a:r>
+              <a:rPr lang="en-US" sz="750" dirty="0">
+                <a:latin typeface="Courier" charset="0"/>
+                <a:ea typeface="Courier" charset="0"/>
+                <a:cs typeface="Courier" charset="0"/>
+              </a:rPr>
+              <a:t>|</a:t>
             </a:r>
           </a:p>
           <a:p>
@@ -8305,78 +7468,6 @@
                 <a:ea typeface="Courier" charset="0"/>
                 <a:cs typeface="Courier" charset="0"/>
               </a:rPr>
-              <a:t>    |    Session ID Type            |           Length              |</a:t>
-            </a:r>
-          </a:p>
-          <a:p>
-            <a:pPr>
-              <a:spcAft>
-                <a:spcPts val="0"/>
-              </a:spcAft>
-            </a:pPr>
-            <a:r>
-              <a:rPr lang="en-US" sz="750" dirty="0">
-                <a:solidFill>
-                  <a:srgbClr val="0070C0"/>
-                </a:solidFill>
-                <a:latin typeface="Courier" charset="0"/>
-                <a:ea typeface="Courier" charset="0"/>
-                <a:cs typeface="Courier" charset="0"/>
-              </a:rPr>
-              <a:t>    +-+-+-+-+-+-+-+-+-+-+-+-+-+-+-+-+-+-+-+-+-+-+-+-+-+-+-+-+-+-+-+-+</a:t>
-            </a:r>
-          </a:p>
-          <a:p>
-            <a:pPr>
-              <a:spcAft>
-                <a:spcPts val="0"/>
-              </a:spcAft>
-            </a:pPr>
-            <a:r>
-              <a:rPr lang="en-US" sz="750" dirty="0">
-                <a:solidFill>
-                  <a:srgbClr val="0070C0"/>
-                </a:solidFill>
-                <a:latin typeface="Courier" charset="0"/>
-                <a:ea typeface="Courier" charset="0"/>
-                <a:cs typeface="Courier" charset="0"/>
-              </a:rPr>
-              <a:t>    |             Session ID                                        |</a:t>
-            </a:r>
-          </a:p>
-          <a:p>
-            <a:pPr>
-              <a:spcAft>
-                <a:spcPts val="0"/>
-              </a:spcAft>
-            </a:pPr>
-            <a:r>
-              <a:rPr lang="en-US" sz="750" dirty="0">
-                <a:solidFill>
-                  <a:srgbClr val="0070C0"/>
-                </a:solidFill>
-                <a:latin typeface="Courier" charset="0"/>
-                <a:ea typeface="Courier" charset="0"/>
-                <a:cs typeface="Courier" charset="0"/>
-              </a:rPr>
-              <a:t>    +-+-+-+-+-+-+-+-+-+-+-+-+-+-+-+-+-+-+-+-+-+-+-+-+-+-+-+-+-+-+-+-+</a:t>
-            </a:r>
-          </a:p>
-          <a:p>
-            <a:pPr>
-              <a:spcAft>
-                <a:spcPts val="0"/>
-              </a:spcAft>
-            </a:pPr>
-            <a:r>
-              <a:rPr lang="en-US" sz="750" dirty="0">
-                <a:solidFill>
-                  <a:srgbClr val="0070C0"/>
-                </a:solidFill>
-                <a:latin typeface="Courier" charset="0"/>
-                <a:ea typeface="Courier" charset="0"/>
-                <a:cs typeface="Courier" charset="0"/>
-              </a:rPr>
               <a:t>	    </a:t>
             </a:r>
           </a:p>
@@ -8392,7 +7483,7 @@
                 <a:ea typeface="Courier" charset="0"/>
                 <a:cs typeface="Courier" charset="0"/>
               </a:rPr>
-              <a:t>                  Figure: Reflector Message Format in STAMP</a:t>
+              <a:t>                Figure: Reflector Message Format in STAMP</a:t>
             </a:r>
           </a:p>
         </p:txBody>
@@ -8742,7 +7833,7 @@
           <p:cNvPr id="8" name="TextBox 7">
             <a:extLst>
               <a:ext uri="{FF2B5EF4-FFF2-40B4-BE49-F238E27FC236}">
-                <a16:creationId xmlns:a16="http://schemas.microsoft.com/office/drawing/2014/main" id="{212682EF-601E-234F-8491-527EBA21E3D2}"/>
+                <a16:creationId xmlns:a16="http://schemas.microsoft.com/office/drawing/2014/main" id="{C61B54B1-9C3B-3246-9D5F-ACA8B4F35C94}"/>
               </a:ext>
             </a:extLst>
           </p:cNvPr>
@@ -8751,8 +7842,8 @@
         </p:nvSpPr>
         <p:spPr>
           <a:xfrm>
-            <a:off x="479364" y="4225112"/>
-            <a:ext cx="5141151" cy="461665"/>
+            <a:off x="457200" y="3909896"/>
+            <a:ext cx="6248395" cy="461665"/>
           </a:xfrm>
           <a:prstGeom prst="rect">
             <a:avLst/>
@@ -8760,7 +7851,7 @@
           <a:noFill/>
         </p:spPr>
         <p:txBody>
-          <a:bodyPr wrap="none" rtlCol="0">
+          <a:bodyPr wrap="square" rtlCol="0">
             <a:spAutoFit/>
           </a:bodyPr>
           <a:lstStyle/>
@@ -8789,7 +7880,7 @@
                   <a:schemeClr val="tx2"/>
                 </a:solidFill>
               </a:rPr>
-              <a:t>Session ID is not needed for TWAMP Light, so this option is also fine</a:t>
+              <a:t>Session ID is 24-bit which is good</a:t>
             </a:r>
           </a:p>
         </p:txBody>
@@ -8797,7 +7888,7 @@
     </p:spTree>
     <p:extLst>
       <p:ext uri="{BB962C8B-B14F-4D97-AF65-F5344CB8AC3E}">
-        <p14:creationId xmlns:p14="http://schemas.microsoft.com/office/powerpoint/2010/main" val="4265858747"/>
+        <p14:creationId xmlns:p14="http://schemas.microsoft.com/office/powerpoint/2010/main" val="3209786478"/>
       </p:ext>
     </p:extLst>
   </p:cSld>
@@ -8856,7 +7947,7 @@
                 <a:latin typeface="Calibri Light" panose="020F0302020204030204" pitchFamily="34" charset="0"/>
                 <a:cs typeface="Calibri Light" panose="020F0302020204030204" pitchFamily="34" charset="0"/>
               </a:rPr>
-              <a:t>Option 4: 16-bit Session ID</a:t>
+              <a:t>Option 3: 32-bit Session ID in TLV</a:t>
             </a:r>
           </a:p>
         </p:txBody>
@@ -8869,8 +7960,8 @@
         </p:nvSpPr>
         <p:spPr>
           <a:xfrm>
-            <a:off x="228615" y="619363"/>
-            <a:ext cx="4310728" cy="3323987"/>
+            <a:off x="228614" y="742950"/>
+            <a:ext cx="4320175" cy="3323987"/>
           </a:xfrm>
           <a:prstGeom prst="rect">
             <a:avLst/>
@@ -9019,7 +8110,7 @@
                 <a:ea typeface="Courier" charset="0"/>
                 <a:cs typeface="Courier" charset="0"/>
               </a:rPr>
-              <a:t>      |         Error Estimate        |    </a:t>
+              <a:t>      |         Error Estimate        |  MBZ          | </a:t>
             </a:r>
             <a:r>
               <a:rPr lang="en-US" sz="750" dirty="0">
@@ -9030,7 +8121,7 @@
                 <a:ea typeface="Courier" charset="0"/>
                 <a:cs typeface="Courier" charset="0"/>
               </a:rPr>
-              <a:t>Session ID                 </a:t>
+              <a:t>Control Code  </a:t>
             </a:r>
             <a:r>
               <a:rPr lang="en-US" sz="750" dirty="0">
@@ -9251,7 +8342,7 @@
                 <a:ea typeface="Courier" charset="0"/>
                 <a:cs typeface="Courier" charset="0"/>
               </a:rPr>
-              <a:t>      |    Control Code Type          |           Length              |</a:t>
+              <a:t>      |    Session ID Type            |           Length              |</a:t>
             </a:r>
           </a:p>
           <a:p>
@@ -9287,7 +8378,7 @@
                 <a:ea typeface="Courier" charset="0"/>
                 <a:cs typeface="Courier" charset="0"/>
               </a:rPr>
-              <a:t>      |             Control Code                                      |</a:t>
+              <a:t>      |             Session ID                                        |</a:t>
             </a:r>
           </a:p>
           <a:p>
@@ -9351,7 +8442,7 @@
         </p:nvSpPr>
         <p:spPr>
           <a:xfrm>
-            <a:off x="4539343" y="619362"/>
+            <a:off x="4548789" y="742950"/>
             <a:ext cx="4368799" cy="3323987"/>
           </a:xfrm>
           <a:prstGeom prst="rect">
@@ -9501,7 +8592,7 @@
                 <a:ea typeface="Courier" charset="0"/>
                 <a:cs typeface="Courier" charset="0"/>
               </a:rPr>
-              <a:t>    |         Error Estimate        |   </a:t>
+              <a:t>    |         Error Estimate        |  MBZ          | </a:t>
             </a:r>
             <a:r>
               <a:rPr lang="en-US" sz="750" dirty="0">
@@ -9512,7 +8603,7 @@
                 <a:ea typeface="Courier" charset="0"/>
                 <a:cs typeface="Courier" charset="0"/>
               </a:rPr>
-              <a:t>Session ID                  </a:t>
+              <a:t>Control Code  </a:t>
             </a:r>
             <a:r>
               <a:rPr lang="en-US" sz="750" dirty="0">
@@ -9716,7 +8807,7 @@
                 <a:ea typeface="Courier" charset="0"/>
                 <a:cs typeface="Courier" charset="0"/>
               </a:rPr>
-              <a:t>-Sender TTL |                  MBZ2                         |</a:t>
+              <a:t>-Sender TTL |                  MBZ                          |</a:t>
             </a:r>
           </a:p>
           <a:p>
@@ -9749,7 +8840,7 @@
                 <a:ea typeface="Courier" charset="0"/>
                 <a:cs typeface="Courier" charset="0"/>
               </a:rPr>
-              <a:t>    |    Control Code Type          |           Length              |</a:t>
+              <a:t>    |    Session ID Type            |           Length              |</a:t>
             </a:r>
           </a:p>
           <a:p>
@@ -9785,7 +8876,7 @@
                 <a:ea typeface="Courier" charset="0"/>
                 <a:cs typeface="Courier" charset="0"/>
               </a:rPr>
-              <a:t>    |             Control Code                                      |</a:t>
+              <a:t>    |             Session ID                                        |</a:t>
             </a:r>
           </a:p>
           <a:p>
@@ -9803,22 +8894,40 @@
                 <a:ea typeface="Courier" charset="0"/>
                 <a:cs typeface="Courier" charset="0"/>
               </a:rPr>
-              <a:t>    +-+-+-+-+-+-+-+-+-+-+-+-+-+-+-+-+-+-+-+-+-+-+-+-+-+-+-+-+-+-+-+-+	    </a:t>
-            </a:r>
-          </a:p>
-          <a:p>
-            <a:pPr>
-              <a:spcAft>
-                <a:spcPts val="0"/>
-              </a:spcAft>
-            </a:pPr>
-            <a:r>
-              <a:rPr lang="en-US" sz="750" dirty="0">
-                <a:latin typeface="Courier" charset="0"/>
-                <a:ea typeface="Courier" charset="0"/>
-                <a:cs typeface="Courier" charset="0"/>
-              </a:rPr>
-              <a:t>                 Figure: Reflector Message Format in STAMP</a:t>
+              <a:t>    +-+-+-+-+-+-+-+-+-+-+-+-+-+-+-+-+-+-+-+-+-+-+-+-+-+-+-+-+-+-+-+-+</a:t>
+            </a:r>
+          </a:p>
+          <a:p>
+            <a:pPr>
+              <a:spcAft>
+                <a:spcPts val="0"/>
+              </a:spcAft>
+            </a:pPr>
+            <a:r>
+              <a:rPr lang="en-US" sz="750" dirty="0">
+                <a:solidFill>
+                  <a:srgbClr val="0070C0"/>
+                </a:solidFill>
+                <a:latin typeface="Courier" charset="0"/>
+                <a:ea typeface="Courier" charset="0"/>
+                <a:cs typeface="Courier" charset="0"/>
+              </a:rPr>
+              <a:t>	    </a:t>
+            </a:r>
+          </a:p>
+          <a:p>
+            <a:pPr>
+              <a:spcAft>
+                <a:spcPts val="0"/>
+              </a:spcAft>
+            </a:pPr>
+            <a:r>
+              <a:rPr lang="en-US" sz="750" dirty="0">
+                <a:latin typeface="Courier" charset="0"/>
+                <a:ea typeface="Courier" charset="0"/>
+                <a:cs typeface="Courier" charset="0"/>
+              </a:rPr>
+              <a:t>                  Figure: Reflector Message Format in STAMP</a:t>
             </a:r>
           </a:p>
         </p:txBody>
@@ -10168,6 +9277,1432 @@
           <p:cNvPr id="8" name="TextBox 7">
             <a:extLst>
               <a:ext uri="{FF2B5EF4-FFF2-40B4-BE49-F238E27FC236}">
+                <a16:creationId xmlns:a16="http://schemas.microsoft.com/office/drawing/2014/main" id="{212682EF-601E-234F-8491-527EBA21E3D2}"/>
+              </a:ext>
+            </a:extLst>
+          </p:cNvPr>
+          <p:cNvSpPr txBox="1"/>
+          <p:nvPr/>
+        </p:nvSpPr>
+        <p:spPr>
+          <a:xfrm>
+            <a:off x="479364" y="4225112"/>
+            <a:ext cx="5141151" cy="461665"/>
+          </a:xfrm>
+          <a:prstGeom prst="rect">
+            <a:avLst/>
+          </a:prstGeom>
+          <a:noFill/>
+        </p:spPr>
+        <p:txBody>
+          <a:bodyPr wrap="none" rtlCol="0">
+            <a:spAutoFit/>
+          </a:bodyPr>
+          <a:lstStyle/>
+          <a:p>
+            <a:pPr marL="285750" indent="-285750">
+              <a:buFont typeface="Wingdings" pitchFamily="2" charset="2"/>
+              <a:buChar char="ü"/>
+            </a:pPr>
+            <a:r>
+              <a:rPr lang="en-US" sz="1200" dirty="0">
+                <a:solidFill>
+                  <a:schemeClr val="tx2"/>
+                </a:solidFill>
+              </a:rPr>
+              <a:t>Control Code compatible with TWAMP Light message format</a:t>
+            </a:r>
+          </a:p>
+          <a:p>
+            <a:pPr marL="285750" indent="-285750">
+              <a:buFont typeface="Wingdings" pitchFamily="2" charset="2"/>
+              <a:buChar char="ü"/>
+            </a:pPr>
+            <a:r>
+              <a:rPr lang="en-US" sz="1200" dirty="0">
+                <a:solidFill>
+                  <a:schemeClr val="tx2"/>
+                </a:solidFill>
+              </a:rPr>
+              <a:t>Session ID is not needed for TWAMP Light, so this option is also fine</a:t>
+            </a:r>
+          </a:p>
+        </p:txBody>
+      </p:sp>
+    </p:spTree>
+    <p:extLst>
+      <p:ext uri="{BB962C8B-B14F-4D97-AF65-F5344CB8AC3E}">
+        <p14:creationId xmlns:p14="http://schemas.microsoft.com/office/powerpoint/2010/main" val="4265858747"/>
+      </p:ext>
+    </p:extLst>
+  </p:cSld>
+  <p:clrMapOvr>
+    <a:masterClrMapping/>
+  </p:clrMapOvr>
+  <p:transition spd="med">
+    <p:fade/>
+  </p:transition>
+</p:sld>
+</file>
+
+<file path=ppt/slides/slide6.xml><?xml version="1.0" encoding="utf-8"?>
+<p:sld xmlns:a="http://schemas.openxmlformats.org/drawingml/2006/main" xmlns:r="http://schemas.openxmlformats.org/officeDocument/2006/relationships" xmlns:p="http://schemas.openxmlformats.org/presentationml/2006/main">
+  <p:cSld>
+    <p:spTree>
+      <p:nvGrpSpPr>
+        <p:cNvPr id="1" name=""/>
+        <p:cNvGrpSpPr/>
+        <p:nvPr/>
+      </p:nvGrpSpPr>
+      <p:grpSpPr>
+        <a:xfrm>
+          <a:off x="0" y="0"/>
+          <a:ext cx="0" cy="0"/>
+          <a:chOff x="0" y="0"/>
+          <a:chExt cx="0" cy="0"/>
+        </a:xfrm>
+      </p:grpSpPr>
+      <p:sp>
+        <p:nvSpPr>
+          <p:cNvPr id="3" name="Title 2"/>
+          <p:cNvSpPr>
+            <a:spLocks noGrp="1"/>
+          </p:cNvSpPr>
+          <p:nvPr>
+            <p:ph type="title"/>
+          </p:nvPr>
+        </p:nvSpPr>
+        <p:spPr>
+          <a:xfrm>
+            <a:off x="304800" y="-39330"/>
+            <a:ext cx="8505372" cy="706080"/>
+          </a:xfrm>
+        </p:spPr>
+        <p:txBody>
+          <a:bodyPr/>
+          <a:lstStyle/>
+          <a:p>
+            <a:pPr algn="l"/>
+            <a:r>
+              <a:rPr lang="en-US" sz="2200" dirty="0">
+                <a:solidFill>
+                  <a:srgbClr val="0070C0"/>
+                </a:solidFill>
+                <a:latin typeface="Calibri Light" panose="020F0302020204030204" pitchFamily="34" charset="0"/>
+                <a:cs typeface="Calibri Light" panose="020F0302020204030204" pitchFamily="34" charset="0"/>
+              </a:rPr>
+              <a:t>Option 4: 16-bit Session ID</a:t>
+            </a:r>
+          </a:p>
+        </p:txBody>
+      </p:sp>
+      <p:sp>
+        <p:nvSpPr>
+          <p:cNvPr id="5" name="Rectangle 4"/>
+          <p:cNvSpPr/>
+          <p:nvPr/>
+        </p:nvSpPr>
+        <p:spPr>
+          <a:xfrm>
+            <a:off x="228615" y="619363"/>
+            <a:ext cx="4310728" cy="3323987"/>
+          </a:xfrm>
+          <a:prstGeom prst="rect">
+            <a:avLst/>
+          </a:prstGeom>
+          <a:noFill/>
+          <a:ln>
+            <a:solidFill>
+              <a:srgbClr val="002060"/>
+            </a:solidFill>
+          </a:ln>
+        </p:spPr>
+        <p:txBody>
+          <a:bodyPr wrap="square">
+            <a:spAutoFit/>
+          </a:bodyPr>
+          <a:lstStyle/>
+          <a:p>
+            <a:pPr>
+              <a:spcAft>
+                <a:spcPts val="0"/>
+              </a:spcAft>
+            </a:pPr>
+            <a:r>
+              <a:rPr lang="en-US" sz="750" dirty="0">
+                <a:latin typeface="Courier" charset="0"/>
+                <a:ea typeface="Courier" charset="0"/>
+                <a:cs typeface="Courier" charset="0"/>
+              </a:rPr>
+              <a:t>       0                   1                   2                   3</a:t>
+            </a:r>
+          </a:p>
+          <a:p>
+            <a:pPr>
+              <a:spcAft>
+                <a:spcPts val="0"/>
+              </a:spcAft>
+            </a:pPr>
+            <a:r>
+              <a:rPr lang="en-US" sz="750" dirty="0">
+                <a:latin typeface="Courier" charset="0"/>
+                <a:ea typeface="Courier" charset="0"/>
+                <a:cs typeface="Courier" charset="0"/>
+              </a:rPr>
+              <a:t>       0 1 2 3 4 5 6 7 8 9 0 1 2 3 4 5 6 7 8 9 0 1 2 3 4 5 6 7 8 9 0 1</a:t>
+            </a:r>
+          </a:p>
+          <a:p>
+            <a:pPr>
+              <a:spcAft>
+                <a:spcPts val="0"/>
+              </a:spcAft>
+            </a:pPr>
+            <a:r>
+              <a:rPr lang="en-US" sz="750" dirty="0">
+                <a:latin typeface="Courier" charset="0"/>
+                <a:ea typeface="Courier" charset="0"/>
+                <a:cs typeface="Courier" charset="0"/>
+              </a:rPr>
+              <a:t>      +-+-+-+-+-+-+-+-+-+-+-+-+-+-+-+-+-+-+-+-+-+-+-+-+-+-+-+-+-+-+-+-+</a:t>
+            </a:r>
+          </a:p>
+          <a:p>
+            <a:pPr>
+              <a:spcAft>
+                <a:spcPts val="0"/>
+              </a:spcAft>
+            </a:pPr>
+            <a:r>
+              <a:rPr lang="en-US" sz="750" dirty="0">
+                <a:latin typeface="Courier" charset="0"/>
+                <a:ea typeface="Courier" charset="0"/>
+                <a:cs typeface="Courier" charset="0"/>
+              </a:rPr>
+              <a:t>      |                        Sequence Number                        |</a:t>
+            </a:r>
+          </a:p>
+          <a:p>
+            <a:pPr>
+              <a:spcAft>
+                <a:spcPts val="0"/>
+              </a:spcAft>
+            </a:pPr>
+            <a:r>
+              <a:rPr lang="en-US" sz="750" dirty="0">
+                <a:latin typeface="Courier" charset="0"/>
+                <a:ea typeface="Courier" charset="0"/>
+                <a:cs typeface="Courier" charset="0"/>
+              </a:rPr>
+              <a:t>      +-+-+-+-+-+-+-+-+-+-+-+-+-+-+-+-+-+-+-+-+-+-+-+-+-+-+-+-+-+-+-+-+</a:t>
+            </a:r>
+          </a:p>
+          <a:p>
+            <a:pPr>
+              <a:spcAft>
+                <a:spcPts val="0"/>
+              </a:spcAft>
+            </a:pPr>
+            <a:r>
+              <a:rPr lang="en-US" sz="750" dirty="0">
+                <a:latin typeface="Courier" charset="0"/>
+                <a:ea typeface="Courier" charset="0"/>
+                <a:cs typeface="Courier" charset="0"/>
+              </a:rPr>
+              <a:t>      |                          Timestamp                            |</a:t>
+            </a:r>
+          </a:p>
+          <a:p>
+            <a:pPr>
+              <a:spcAft>
+                <a:spcPts val="0"/>
+              </a:spcAft>
+            </a:pPr>
+            <a:r>
+              <a:rPr lang="en-US" sz="750" dirty="0">
+                <a:latin typeface="Courier" charset="0"/>
+                <a:ea typeface="Courier" charset="0"/>
+                <a:cs typeface="Courier" charset="0"/>
+              </a:rPr>
+              <a:t>      |                                                               |</a:t>
+            </a:r>
+          </a:p>
+          <a:p>
+            <a:pPr>
+              <a:spcAft>
+                <a:spcPts val="0"/>
+              </a:spcAft>
+            </a:pPr>
+            <a:r>
+              <a:rPr lang="en-US" sz="750" dirty="0">
+                <a:latin typeface="Courier" charset="0"/>
+                <a:ea typeface="Courier" charset="0"/>
+                <a:cs typeface="Courier" charset="0"/>
+              </a:rPr>
+              <a:t>      +-+-+-+-+-+-+-+-+-+-+-+-+-+-+-+-+-+-+-+-+-+-+-+-+-+-+-+-+-+-+-+-+</a:t>
+            </a:r>
+          </a:p>
+          <a:p>
+            <a:pPr>
+              <a:spcAft>
+                <a:spcPts val="0"/>
+              </a:spcAft>
+            </a:pPr>
+            <a:r>
+              <a:rPr lang="en-US" sz="750" dirty="0">
+                <a:latin typeface="Courier" charset="0"/>
+                <a:ea typeface="Courier" charset="0"/>
+                <a:cs typeface="Courier" charset="0"/>
+              </a:rPr>
+              <a:t>      |         Error Estimate        |    </a:t>
+            </a:r>
+            <a:r>
+              <a:rPr lang="en-US" sz="750" dirty="0">
+                <a:solidFill>
+                  <a:srgbClr val="0070C0"/>
+                </a:solidFill>
+                <a:latin typeface="Courier" charset="0"/>
+                <a:ea typeface="Courier" charset="0"/>
+                <a:cs typeface="Courier" charset="0"/>
+              </a:rPr>
+              <a:t>Session ID                 </a:t>
+            </a:r>
+            <a:r>
+              <a:rPr lang="en-US" sz="750" dirty="0">
+                <a:latin typeface="Courier" charset="0"/>
+                <a:ea typeface="Courier" charset="0"/>
+                <a:cs typeface="Courier" charset="0"/>
+              </a:rPr>
+              <a:t>|</a:t>
+            </a:r>
+          </a:p>
+          <a:p>
+            <a:pPr>
+              <a:spcAft>
+                <a:spcPts val="0"/>
+              </a:spcAft>
+            </a:pPr>
+            <a:r>
+              <a:rPr lang="en-US" sz="750" dirty="0">
+                <a:latin typeface="Courier" charset="0"/>
+                <a:ea typeface="Courier" charset="0"/>
+                <a:cs typeface="Courier" charset="0"/>
+              </a:rPr>
+              <a:t>      +-+-+-+-+-+-+-+-+-+-+-+-+-+-+-+-+-+-+-+-+-+-+-+-+-+-+-+-+-+-+-+-+</a:t>
+            </a:r>
+          </a:p>
+          <a:p>
+            <a:pPr>
+              <a:spcAft>
+                <a:spcPts val="0"/>
+              </a:spcAft>
+            </a:pPr>
+            <a:r>
+              <a:rPr lang="en-US" sz="750" dirty="0">
+                <a:latin typeface="Courier" charset="0"/>
+                <a:ea typeface="Courier" charset="0"/>
+                <a:cs typeface="Courier" charset="0"/>
+              </a:rPr>
+              <a:t>      |                                                               |</a:t>
+            </a:r>
+          </a:p>
+          <a:p>
+            <a:pPr>
+              <a:spcAft>
+                <a:spcPts val="0"/>
+              </a:spcAft>
+            </a:pPr>
+            <a:r>
+              <a:rPr lang="en-US" sz="750" dirty="0">
+                <a:latin typeface="Courier" charset="0"/>
+                <a:ea typeface="Courier" charset="0"/>
+                <a:cs typeface="Courier" charset="0"/>
+              </a:rPr>
+              <a:t>      |                                                               |</a:t>
+            </a:r>
+          </a:p>
+          <a:p>
+            <a:pPr>
+              <a:spcAft>
+                <a:spcPts val="0"/>
+              </a:spcAft>
+            </a:pPr>
+            <a:r>
+              <a:rPr lang="en-US" sz="750" dirty="0">
+                <a:latin typeface="Courier" charset="0"/>
+                <a:ea typeface="Courier" charset="0"/>
+                <a:cs typeface="Courier" charset="0"/>
+              </a:rPr>
+              <a:t>      +                                                               +</a:t>
+            </a:r>
+          </a:p>
+          <a:p>
+            <a:pPr>
+              <a:spcAft>
+                <a:spcPts val="0"/>
+              </a:spcAft>
+            </a:pPr>
+            <a:r>
+              <a:rPr lang="en-US" sz="750" dirty="0">
+                <a:latin typeface="Courier" charset="0"/>
+                <a:ea typeface="Courier" charset="0"/>
+                <a:cs typeface="Courier" charset="0"/>
+              </a:rPr>
+              <a:t>      |                         MBZ (28 octets)                       |</a:t>
+            </a:r>
+          </a:p>
+          <a:p>
+            <a:pPr>
+              <a:spcAft>
+                <a:spcPts val="0"/>
+              </a:spcAft>
+            </a:pPr>
+            <a:r>
+              <a:rPr lang="en-US" sz="750" dirty="0">
+                <a:latin typeface="Courier" charset="0"/>
+                <a:ea typeface="Courier" charset="0"/>
+                <a:cs typeface="Courier" charset="0"/>
+              </a:rPr>
+              <a:t>      +                                                               +</a:t>
+            </a:r>
+          </a:p>
+          <a:p>
+            <a:pPr>
+              <a:spcAft>
+                <a:spcPts val="0"/>
+              </a:spcAft>
+            </a:pPr>
+            <a:r>
+              <a:rPr lang="en-US" sz="750" dirty="0">
+                <a:latin typeface="Courier" charset="0"/>
+                <a:ea typeface="Courier" charset="0"/>
+                <a:cs typeface="Courier" charset="0"/>
+              </a:rPr>
+              <a:t>      |                                                               |</a:t>
+            </a:r>
+          </a:p>
+          <a:p>
+            <a:pPr>
+              <a:spcAft>
+                <a:spcPts val="0"/>
+              </a:spcAft>
+            </a:pPr>
+            <a:r>
+              <a:rPr lang="en-US" sz="750" dirty="0">
+                <a:latin typeface="Courier" charset="0"/>
+                <a:ea typeface="Courier" charset="0"/>
+                <a:cs typeface="Courier" charset="0"/>
+              </a:rPr>
+              <a:t>      |                                                               |</a:t>
+            </a:r>
+          </a:p>
+          <a:p>
+            <a:pPr>
+              <a:spcAft>
+                <a:spcPts val="0"/>
+              </a:spcAft>
+            </a:pPr>
+            <a:r>
+              <a:rPr lang="en-US" sz="750" dirty="0">
+                <a:latin typeface="Courier" charset="0"/>
+                <a:ea typeface="Courier" charset="0"/>
+                <a:cs typeface="Courier" charset="0"/>
+              </a:rPr>
+              <a:t>      +                                                               +</a:t>
+            </a:r>
+          </a:p>
+          <a:p>
+            <a:pPr>
+              <a:spcAft>
+                <a:spcPts val="0"/>
+              </a:spcAft>
+            </a:pPr>
+            <a:r>
+              <a:rPr lang="en-US" sz="750" dirty="0">
+                <a:latin typeface="Courier" charset="0"/>
+                <a:ea typeface="Courier" charset="0"/>
+                <a:cs typeface="Courier" charset="0"/>
+              </a:rPr>
+              <a:t>      |                                                               |</a:t>
+            </a:r>
+          </a:p>
+          <a:p>
+            <a:pPr>
+              <a:spcAft>
+                <a:spcPts val="0"/>
+              </a:spcAft>
+            </a:pPr>
+            <a:r>
+              <a:rPr lang="en-US" sz="750" dirty="0">
+                <a:latin typeface="Courier" charset="0"/>
+                <a:ea typeface="Courier" charset="0"/>
+                <a:cs typeface="Courier" charset="0"/>
+              </a:rPr>
+              <a:t>      +                                                               +</a:t>
+            </a:r>
+          </a:p>
+          <a:p>
+            <a:pPr>
+              <a:spcAft>
+                <a:spcPts val="0"/>
+              </a:spcAft>
+            </a:pPr>
+            <a:r>
+              <a:rPr lang="en-US" sz="750" dirty="0">
+                <a:latin typeface="Courier" charset="0"/>
+                <a:ea typeface="Courier" charset="0"/>
+                <a:cs typeface="Courier" charset="0"/>
+              </a:rPr>
+              <a:t>      |                                                               |</a:t>
+            </a:r>
+          </a:p>
+          <a:p>
+            <a:pPr>
+              <a:spcAft>
+                <a:spcPts val="0"/>
+              </a:spcAft>
+            </a:pPr>
+            <a:r>
+              <a:rPr lang="en-US" sz="750" dirty="0">
+                <a:latin typeface="Courier" charset="0"/>
+                <a:ea typeface="Courier" charset="0"/>
+                <a:cs typeface="Courier" charset="0"/>
+              </a:rPr>
+              <a:t>      +-+-+-+-+-+-+-+-+-+-+-+-+-+-+-+-+-+-+-+-+-+-+-+-+-+-+-+-+-+-+-+-+</a:t>
+            </a:r>
+          </a:p>
+          <a:p>
+            <a:pPr>
+              <a:spcAft>
+                <a:spcPts val="0"/>
+              </a:spcAft>
+            </a:pPr>
+            <a:r>
+              <a:rPr lang="en-US" sz="750" dirty="0">
+                <a:solidFill>
+                  <a:srgbClr val="0070C0"/>
+                </a:solidFill>
+                <a:latin typeface="Courier" charset="0"/>
+                <a:ea typeface="Courier" charset="0"/>
+                <a:cs typeface="Courier" charset="0"/>
+              </a:rPr>
+              <a:t>      |    Control Code Type          |           Length              |</a:t>
+            </a:r>
+          </a:p>
+          <a:p>
+            <a:pPr>
+              <a:spcAft>
+                <a:spcPts val="0"/>
+              </a:spcAft>
+            </a:pPr>
+            <a:r>
+              <a:rPr lang="en-US" sz="750" dirty="0">
+                <a:solidFill>
+                  <a:srgbClr val="0070C0"/>
+                </a:solidFill>
+                <a:latin typeface="Courier" charset="0"/>
+                <a:ea typeface="Courier" charset="0"/>
+                <a:cs typeface="Courier" charset="0"/>
+              </a:rPr>
+              <a:t>      +-+-+-+-+-+-+-+-+-+-+-+-+-+-+-+-+-+-+-+-+-+-+-+-+-+-+-+-+-+-+-+-+</a:t>
+            </a:r>
+          </a:p>
+          <a:p>
+            <a:pPr>
+              <a:spcAft>
+                <a:spcPts val="0"/>
+              </a:spcAft>
+            </a:pPr>
+            <a:r>
+              <a:rPr lang="en-US" sz="750" dirty="0">
+                <a:solidFill>
+                  <a:srgbClr val="0070C0"/>
+                </a:solidFill>
+                <a:latin typeface="Courier" charset="0"/>
+                <a:ea typeface="Courier" charset="0"/>
+                <a:cs typeface="Courier" charset="0"/>
+              </a:rPr>
+              <a:t>      |             Control Code                                      |</a:t>
+            </a:r>
+          </a:p>
+          <a:p>
+            <a:pPr>
+              <a:spcAft>
+                <a:spcPts val="0"/>
+              </a:spcAft>
+            </a:pPr>
+            <a:r>
+              <a:rPr lang="en-US" sz="750" dirty="0">
+                <a:solidFill>
+                  <a:srgbClr val="0070C0"/>
+                </a:solidFill>
+                <a:latin typeface="Courier" charset="0"/>
+                <a:ea typeface="Courier" charset="0"/>
+                <a:cs typeface="Courier" charset="0"/>
+              </a:rPr>
+              <a:t>      +-+-+-+-+-+-+-+-+-+-+-+-+-+-+-+-+-+-+-+-+-+-+-+-+-+-+-+-+-+-+-+-+</a:t>
+            </a:r>
+          </a:p>
+          <a:p>
+            <a:pPr>
+              <a:spcAft>
+                <a:spcPts val="0"/>
+              </a:spcAft>
+            </a:pPr>
+            <a:endParaRPr lang="en-US" sz="750" dirty="0">
+              <a:latin typeface="Courier" charset="0"/>
+              <a:ea typeface="Courier" charset="0"/>
+              <a:cs typeface="Courier" charset="0"/>
+            </a:endParaRPr>
+          </a:p>
+          <a:p>
+            <a:pPr>
+              <a:spcAft>
+                <a:spcPts val="0"/>
+              </a:spcAft>
+            </a:pPr>
+            <a:r>
+              <a:rPr lang="en-US" sz="750" dirty="0">
+                <a:latin typeface="Courier" charset="0"/>
+                <a:ea typeface="Courier" charset="0"/>
+                <a:cs typeface="Courier" charset="0"/>
+              </a:rPr>
+              <a:t>	    Figure: Sender Message Format in STAMP</a:t>
+            </a:r>
+          </a:p>
+        </p:txBody>
+      </p:sp>
+      <p:sp>
+        <p:nvSpPr>
+          <p:cNvPr id="14" name="Rectangle 13">
+            <a:extLst>
+              <a:ext uri="{FF2B5EF4-FFF2-40B4-BE49-F238E27FC236}">
+                <a16:creationId xmlns:a16="http://schemas.microsoft.com/office/drawing/2014/main" id="{5F9D9D1B-92A3-C64D-87B1-9B0B9C9E3A13}"/>
+              </a:ext>
+            </a:extLst>
+          </p:cNvPr>
+          <p:cNvSpPr/>
+          <p:nvPr/>
+        </p:nvSpPr>
+        <p:spPr>
+          <a:xfrm>
+            <a:off x="4539343" y="619362"/>
+            <a:ext cx="4368799" cy="3323987"/>
+          </a:xfrm>
+          <a:prstGeom prst="rect">
+            <a:avLst/>
+          </a:prstGeom>
+          <a:noFill/>
+          <a:ln>
+            <a:solidFill>
+              <a:srgbClr val="002060"/>
+            </a:solidFill>
+          </a:ln>
+        </p:spPr>
+        <p:txBody>
+          <a:bodyPr wrap="square">
+            <a:spAutoFit/>
+          </a:bodyPr>
+          <a:lstStyle/>
+          <a:p>
+            <a:pPr>
+              <a:spcAft>
+                <a:spcPts val="0"/>
+              </a:spcAft>
+            </a:pPr>
+            <a:r>
+              <a:rPr lang="en-US" sz="750" dirty="0">
+                <a:latin typeface="Courier" charset="0"/>
+                <a:ea typeface="Courier" charset="0"/>
+                <a:cs typeface="Courier" charset="0"/>
+              </a:rPr>
+              <a:t>     0                   1                   2                   3</a:t>
+            </a:r>
+          </a:p>
+          <a:p>
+            <a:pPr>
+              <a:spcAft>
+                <a:spcPts val="0"/>
+              </a:spcAft>
+            </a:pPr>
+            <a:r>
+              <a:rPr lang="en-US" sz="750" dirty="0">
+                <a:latin typeface="Courier" charset="0"/>
+                <a:ea typeface="Courier" charset="0"/>
+                <a:cs typeface="Courier" charset="0"/>
+              </a:rPr>
+              <a:t>     0 1 2 3 4 5 6 7 8 9 0 1 2 3 4 5 6 7 8 9 0 1 2 3 4 5 6 7 8 9 0 1</a:t>
+            </a:r>
+          </a:p>
+          <a:p>
+            <a:pPr>
+              <a:spcAft>
+                <a:spcPts val="0"/>
+              </a:spcAft>
+            </a:pPr>
+            <a:r>
+              <a:rPr lang="en-US" sz="750" dirty="0">
+                <a:latin typeface="Courier" charset="0"/>
+                <a:ea typeface="Courier" charset="0"/>
+                <a:cs typeface="Courier" charset="0"/>
+              </a:rPr>
+              <a:t>    +-+-+-+-+-+-+-+-+-+-+-+-+-+-+-+-+-+-+-+-+-+-+-+-+-+-+-+-+-+-+-+-+</a:t>
+            </a:r>
+          </a:p>
+          <a:p>
+            <a:pPr>
+              <a:spcAft>
+                <a:spcPts val="0"/>
+              </a:spcAft>
+            </a:pPr>
+            <a:r>
+              <a:rPr lang="en-US" sz="750" dirty="0">
+                <a:latin typeface="Courier" charset="0"/>
+                <a:ea typeface="Courier" charset="0"/>
+                <a:cs typeface="Courier" charset="0"/>
+              </a:rPr>
+              <a:t>    |                        Sequence Number                        |</a:t>
+            </a:r>
+          </a:p>
+          <a:p>
+            <a:pPr>
+              <a:spcAft>
+                <a:spcPts val="0"/>
+              </a:spcAft>
+            </a:pPr>
+            <a:r>
+              <a:rPr lang="en-US" sz="750" dirty="0">
+                <a:latin typeface="Courier" charset="0"/>
+                <a:ea typeface="Courier" charset="0"/>
+                <a:cs typeface="Courier" charset="0"/>
+              </a:rPr>
+              <a:t>    +-+-+-+-+-+-+-+-+-+-+-+-+-+-+-+-+-+-+-+-+-+-+-+-+-+-+-+-+-+-+-+-+</a:t>
+            </a:r>
+          </a:p>
+          <a:p>
+            <a:pPr>
+              <a:spcAft>
+                <a:spcPts val="0"/>
+              </a:spcAft>
+            </a:pPr>
+            <a:r>
+              <a:rPr lang="en-US" sz="750" dirty="0">
+                <a:latin typeface="Courier" charset="0"/>
+                <a:ea typeface="Courier" charset="0"/>
+                <a:cs typeface="Courier" charset="0"/>
+              </a:rPr>
+              <a:t>    |                          Timestamp                            |</a:t>
+            </a:r>
+          </a:p>
+          <a:p>
+            <a:pPr>
+              <a:spcAft>
+                <a:spcPts val="0"/>
+              </a:spcAft>
+            </a:pPr>
+            <a:r>
+              <a:rPr lang="en-US" sz="750" dirty="0">
+                <a:latin typeface="Courier" charset="0"/>
+                <a:ea typeface="Courier" charset="0"/>
+                <a:cs typeface="Courier" charset="0"/>
+              </a:rPr>
+              <a:t>    |                                                               |</a:t>
+            </a:r>
+          </a:p>
+          <a:p>
+            <a:pPr>
+              <a:spcAft>
+                <a:spcPts val="0"/>
+              </a:spcAft>
+            </a:pPr>
+            <a:r>
+              <a:rPr lang="en-US" sz="750" dirty="0">
+                <a:latin typeface="Courier" charset="0"/>
+                <a:ea typeface="Courier" charset="0"/>
+                <a:cs typeface="Courier" charset="0"/>
+              </a:rPr>
+              <a:t>    +-+-+-+-+-+-+-+-+-+-+-+-+-+-+-+-+-+-+-+-+-+-+-+-+-+-+-+-+-+-+-+-+</a:t>
+            </a:r>
+          </a:p>
+          <a:p>
+            <a:pPr>
+              <a:spcAft>
+                <a:spcPts val="0"/>
+              </a:spcAft>
+            </a:pPr>
+            <a:r>
+              <a:rPr lang="en-US" sz="750" dirty="0">
+                <a:latin typeface="Courier" charset="0"/>
+                <a:ea typeface="Courier" charset="0"/>
+                <a:cs typeface="Courier" charset="0"/>
+              </a:rPr>
+              <a:t>    |         Error Estimate        |   </a:t>
+            </a:r>
+            <a:r>
+              <a:rPr lang="en-US" sz="750" dirty="0">
+                <a:solidFill>
+                  <a:srgbClr val="0070C0"/>
+                </a:solidFill>
+                <a:latin typeface="Courier" charset="0"/>
+                <a:ea typeface="Courier" charset="0"/>
+                <a:cs typeface="Courier" charset="0"/>
+              </a:rPr>
+              <a:t>Session ID                  </a:t>
+            </a:r>
+            <a:r>
+              <a:rPr lang="en-US" sz="750" dirty="0">
+                <a:latin typeface="Courier" charset="0"/>
+                <a:ea typeface="Courier" charset="0"/>
+                <a:cs typeface="Courier" charset="0"/>
+              </a:rPr>
+              <a:t>|    </a:t>
+            </a:r>
+          </a:p>
+          <a:p>
+            <a:pPr>
+              <a:spcAft>
+                <a:spcPts val="0"/>
+              </a:spcAft>
+            </a:pPr>
+            <a:r>
+              <a:rPr lang="en-US" sz="750" dirty="0">
+                <a:latin typeface="Courier" charset="0"/>
+                <a:ea typeface="Courier" charset="0"/>
+                <a:cs typeface="Courier" charset="0"/>
+              </a:rPr>
+              <a:t>    +-+-+-+-+-+-+-+-+-+-+-+-+-+-+-+-+-+-+-+-+-+-+-+-+-+-+-+-+-+-+-+-+</a:t>
+            </a:r>
+          </a:p>
+          <a:p>
+            <a:pPr>
+              <a:spcAft>
+                <a:spcPts val="0"/>
+              </a:spcAft>
+            </a:pPr>
+            <a:r>
+              <a:rPr lang="en-US" sz="750" dirty="0">
+                <a:latin typeface="Courier" charset="0"/>
+                <a:ea typeface="Courier" charset="0"/>
+                <a:cs typeface="Courier" charset="0"/>
+              </a:rPr>
+              <a:t>    |                          Receive Timestamp                    |</a:t>
+            </a:r>
+          </a:p>
+          <a:p>
+            <a:pPr>
+              <a:spcAft>
+                <a:spcPts val="0"/>
+              </a:spcAft>
+            </a:pPr>
+            <a:r>
+              <a:rPr lang="en-US" sz="750" dirty="0">
+                <a:latin typeface="Courier" charset="0"/>
+                <a:ea typeface="Courier" charset="0"/>
+                <a:cs typeface="Courier" charset="0"/>
+              </a:rPr>
+              <a:t>    |                                                               |</a:t>
+            </a:r>
+          </a:p>
+          <a:p>
+            <a:pPr>
+              <a:spcAft>
+                <a:spcPts val="0"/>
+              </a:spcAft>
+            </a:pPr>
+            <a:r>
+              <a:rPr lang="en-US" sz="750" dirty="0">
+                <a:latin typeface="Courier" charset="0"/>
+                <a:ea typeface="Courier" charset="0"/>
+                <a:cs typeface="Courier" charset="0"/>
+              </a:rPr>
+              <a:t>    +-+-+-+-+-+-+-+-+-+-+-+-+-+-+-+-+-+-+-+-+-+-+-+-+-+-+-+-+-+-+-+-+</a:t>
+            </a:r>
+          </a:p>
+          <a:p>
+            <a:pPr>
+              <a:spcAft>
+                <a:spcPts val="0"/>
+              </a:spcAft>
+            </a:pPr>
+            <a:r>
+              <a:rPr lang="en-US" sz="750" dirty="0">
+                <a:latin typeface="Courier" charset="0"/>
+                <a:ea typeface="Courier" charset="0"/>
+                <a:cs typeface="Courier" charset="0"/>
+              </a:rPr>
+              <a:t>    |                 Session-Sender Sequence Number                |</a:t>
+            </a:r>
+          </a:p>
+          <a:p>
+            <a:pPr>
+              <a:spcAft>
+                <a:spcPts val="0"/>
+              </a:spcAft>
+            </a:pPr>
+            <a:r>
+              <a:rPr lang="en-US" sz="750" dirty="0">
+                <a:latin typeface="Courier" charset="0"/>
+                <a:ea typeface="Courier" charset="0"/>
+                <a:cs typeface="Courier" charset="0"/>
+              </a:rPr>
+              <a:t>    +-+-+-+-+-+-+-+-+-+-+-+-+-+-+-+-+-+-+-+-+-+-+-+-+-+-+-+-+-+-+-+-+</a:t>
+            </a:r>
+          </a:p>
+          <a:p>
+            <a:pPr>
+              <a:spcAft>
+                <a:spcPts val="0"/>
+              </a:spcAft>
+            </a:pPr>
+            <a:r>
+              <a:rPr lang="en-US" sz="750" dirty="0">
+                <a:latin typeface="Courier" charset="0"/>
+                <a:ea typeface="Courier" charset="0"/>
+                <a:cs typeface="Courier" charset="0"/>
+              </a:rPr>
+              <a:t>    |                  Session-Sender Timestamp                     |</a:t>
+            </a:r>
+          </a:p>
+          <a:p>
+            <a:pPr>
+              <a:spcAft>
+                <a:spcPts val="0"/>
+              </a:spcAft>
+            </a:pPr>
+            <a:r>
+              <a:rPr lang="en-US" sz="750" dirty="0">
+                <a:latin typeface="Courier" charset="0"/>
+                <a:ea typeface="Courier" charset="0"/>
+                <a:cs typeface="Courier" charset="0"/>
+              </a:rPr>
+              <a:t>    |                                                               |</a:t>
+            </a:r>
+          </a:p>
+          <a:p>
+            <a:pPr>
+              <a:spcAft>
+                <a:spcPts val="0"/>
+              </a:spcAft>
+            </a:pPr>
+            <a:r>
+              <a:rPr lang="en-US" sz="750" dirty="0">
+                <a:latin typeface="Courier" charset="0"/>
+                <a:ea typeface="Courier" charset="0"/>
+                <a:cs typeface="Courier" charset="0"/>
+              </a:rPr>
+              <a:t>    +-+-+-+-+-+-+-+-+-+-+-+-+-+-+-+-+-+-+-+-+-+-+-+-+-+-+-+-+-+-+-+-+</a:t>
+            </a:r>
+          </a:p>
+          <a:p>
+            <a:pPr>
+              <a:spcAft>
+                <a:spcPts val="0"/>
+              </a:spcAft>
+            </a:pPr>
+            <a:r>
+              <a:rPr lang="en-US" sz="750" dirty="0">
+                <a:latin typeface="Courier" charset="0"/>
+                <a:ea typeface="Courier" charset="0"/>
+                <a:cs typeface="Courier" charset="0"/>
+              </a:rPr>
+              <a:t>    | Session-Sender Error Estimate |           MBZ                 |</a:t>
+            </a:r>
+          </a:p>
+          <a:p>
+            <a:pPr>
+              <a:spcAft>
+                <a:spcPts val="0"/>
+              </a:spcAft>
+            </a:pPr>
+            <a:r>
+              <a:rPr lang="en-US" sz="750" dirty="0">
+                <a:latin typeface="Courier" charset="0"/>
+                <a:ea typeface="Courier" charset="0"/>
+                <a:cs typeface="Courier" charset="0"/>
+              </a:rPr>
+              <a:t>    +-+-+-+-+-+-+-+-+-+-+-+-+-+-+-+-+-+-+-+-+-+-+-+-+-+-+-+-+-+-+-+-+</a:t>
+            </a:r>
+          </a:p>
+          <a:p>
+            <a:pPr>
+              <a:spcAft>
+                <a:spcPts val="0"/>
+              </a:spcAft>
+            </a:pPr>
+            <a:r>
+              <a:rPr lang="en-US" sz="750" dirty="0">
+                <a:latin typeface="Courier" charset="0"/>
+                <a:ea typeface="Courier" charset="0"/>
+                <a:cs typeface="Courier" charset="0"/>
+              </a:rPr>
+              <a:t>    |</a:t>
+            </a:r>
+            <a:r>
+              <a:rPr lang="en-US" sz="750" dirty="0" err="1">
+                <a:latin typeface="Courier" charset="0"/>
+                <a:ea typeface="Courier" charset="0"/>
+                <a:cs typeface="Courier" charset="0"/>
+              </a:rPr>
+              <a:t>Ses</a:t>
+            </a:r>
+            <a:r>
+              <a:rPr lang="en-US" sz="750" dirty="0">
+                <a:latin typeface="Courier" charset="0"/>
+                <a:ea typeface="Courier" charset="0"/>
+                <a:cs typeface="Courier" charset="0"/>
+              </a:rPr>
+              <a:t>-Sender TTL |                  MBZ2                         |</a:t>
+            </a:r>
+          </a:p>
+          <a:p>
+            <a:pPr>
+              <a:spcAft>
+                <a:spcPts val="0"/>
+              </a:spcAft>
+            </a:pPr>
+            <a:r>
+              <a:rPr lang="en-US" sz="750" dirty="0">
+                <a:latin typeface="Courier" charset="0"/>
+                <a:ea typeface="Courier" charset="0"/>
+                <a:cs typeface="Courier" charset="0"/>
+              </a:rPr>
+              <a:t>    +-+-+-+-+-+-+-+-+-+-+-+-+-+-+-+-+-+-+-+-+-+-+-+-+-+-+-+-+-+-+-+-+</a:t>
+            </a:r>
+          </a:p>
+          <a:p>
+            <a:pPr>
+              <a:spcAft>
+                <a:spcPts val="0"/>
+              </a:spcAft>
+            </a:pPr>
+            <a:r>
+              <a:rPr lang="en-US" sz="750" dirty="0">
+                <a:solidFill>
+                  <a:srgbClr val="0070C0"/>
+                </a:solidFill>
+                <a:latin typeface="Courier" charset="0"/>
+                <a:ea typeface="Courier" charset="0"/>
+                <a:cs typeface="Courier" charset="0"/>
+              </a:rPr>
+              <a:t>    |    Control Code Type          |           Length              |</a:t>
+            </a:r>
+          </a:p>
+          <a:p>
+            <a:pPr>
+              <a:spcAft>
+                <a:spcPts val="0"/>
+              </a:spcAft>
+            </a:pPr>
+            <a:r>
+              <a:rPr lang="en-US" sz="750" dirty="0">
+                <a:solidFill>
+                  <a:srgbClr val="0070C0"/>
+                </a:solidFill>
+                <a:latin typeface="Courier" charset="0"/>
+                <a:ea typeface="Courier" charset="0"/>
+                <a:cs typeface="Courier" charset="0"/>
+              </a:rPr>
+              <a:t>    +-+-+-+-+-+-+-+-+-+-+-+-+-+-+-+-+-+-+-+-+-+-+-+-+-+-+-+-+-+-+-+-+</a:t>
+            </a:r>
+          </a:p>
+          <a:p>
+            <a:pPr>
+              <a:spcAft>
+                <a:spcPts val="0"/>
+              </a:spcAft>
+            </a:pPr>
+            <a:r>
+              <a:rPr lang="en-US" sz="750" dirty="0">
+                <a:solidFill>
+                  <a:srgbClr val="0070C0"/>
+                </a:solidFill>
+                <a:latin typeface="Courier" charset="0"/>
+                <a:ea typeface="Courier" charset="0"/>
+                <a:cs typeface="Courier" charset="0"/>
+              </a:rPr>
+              <a:t>    |             Control Code                                      |</a:t>
+            </a:r>
+          </a:p>
+          <a:p>
+            <a:pPr>
+              <a:spcAft>
+                <a:spcPts val="0"/>
+              </a:spcAft>
+            </a:pPr>
+            <a:r>
+              <a:rPr lang="en-US" sz="750" dirty="0">
+                <a:solidFill>
+                  <a:srgbClr val="0070C0"/>
+                </a:solidFill>
+                <a:latin typeface="Courier" charset="0"/>
+                <a:ea typeface="Courier" charset="0"/>
+                <a:cs typeface="Courier" charset="0"/>
+              </a:rPr>
+              <a:t>    +-+-+-+-+-+-+-+-+-+-+-+-+-+-+-+-+-+-+-+-+-+-+-+-+-+-+-+-+-+-+-+-+	    </a:t>
+            </a:r>
+          </a:p>
+          <a:p>
+            <a:pPr>
+              <a:spcAft>
+                <a:spcPts val="0"/>
+              </a:spcAft>
+            </a:pPr>
+            <a:r>
+              <a:rPr lang="en-US" sz="750" dirty="0">
+                <a:latin typeface="Courier" charset="0"/>
+                <a:ea typeface="Courier" charset="0"/>
+                <a:cs typeface="Courier" charset="0"/>
+              </a:rPr>
+              <a:t>                 Figure: Reflector Message Format in STAMP</a:t>
+            </a:r>
+          </a:p>
+        </p:txBody>
+      </p:sp>
+      <p:sp>
+        <p:nvSpPr>
+          <p:cNvPr id="6" name="Footer Placeholder 3">
+            <a:extLst>
+              <a:ext uri="{FF2B5EF4-FFF2-40B4-BE49-F238E27FC236}">
+                <a16:creationId xmlns:a16="http://schemas.microsoft.com/office/drawing/2014/main" id="{DAAC01B7-F9FF-A94D-AC6F-E2071AD95C28}"/>
+              </a:ext>
+            </a:extLst>
+          </p:cNvPr>
+          <p:cNvSpPr txBox="1">
+            <a:spLocks/>
+          </p:cNvSpPr>
+          <p:nvPr/>
+        </p:nvSpPr>
+        <p:spPr>
+          <a:xfrm>
+            <a:off x="3467100" y="4844952"/>
+            <a:ext cx="2209800" cy="357188"/>
+          </a:xfrm>
+          <a:prstGeom prst="rect">
+            <a:avLst/>
+          </a:prstGeom>
+        </p:spPr>
+        <p:txBody>
+          <a:bodyPr/>
+          <a:lstStyle>
+            <a:defPPr>
+              <a:defRPr lang="zh-CN"/>
+            </a:defPPr>
+            <a:lvl1pPr algn="l" rtl="0" fontAlgn="base">
+              <a:spcBef>
+                <a:spcPct val="0"/>
+              </a:spcBef>
+              <a:spcAft>
+                <a:spcPct val="0"/>
+              </a:spcAft>
+              <a:defRPr kern="1200">
+                <a:solidFill>
+                  <a:schemeClr val="tx1"/>
+                </a:solidFill>
+                <a:latin typeface="Arial" charset="0"/>
+                <a:ea typeface="宋体" pitchFamily="2" charset="-122"/>
+                <a:cs typeface="+mn-cs"/>
+              </a:defRPr>
+            </a:lvl1pPr>
+            <a:lvl2pPr marL="457200" algn="l" rtl="0" fontAlgn="base">
+              <a:spcBef>
+                <a:spcPct val="0"/>
+              </a:spcBef>
+              <a:spcAft>
+                <a:spcPct val="0"/>
+              </a:spcAft>
+              <a:defRPr kern="1200">
+                <a:solidFill>
+                  <a:schemeClr val="tx1"/>
+                </a:solidFill>
+                <a:latin typeface="Arial" charset="0"/>
+                <a:ea typeface="宋体" pitchFamily="2" charset="-122"/>
+                <a:cs typeface="+mn-cs"/>
+              </a:defRPr>
+            </a:lvl2pPr>
+            <a:lvl3pPr marL="914400" algn="l" rtl="0" fontAlgn="base">
+              <a:spcBef>
+                <a:spcPct val="0"/>
+              </a:spcBef>
+              <a:spcAft>
+                <a:spcPct val="0"/>
+              </a:spcAft>
+              <a:defRPr kern="1200">
+                <a:solidFill>
+                  <a:schemeClr val="tx1"/>
+                </a:solidFill>
+                <a:latin typeface="Arial" charset="0"/>
+                <a:ea typeface="宋体" pitchFamily="2" charset="-122"/>
+                <a:cs typeface="+mn-cs"/>
+              </a:defRPr>
+            </a:lvl3pPr>
+            <a:lvl4pPr marL="1371600" algn="l" rtl="0" fontAlgn="base">
+              <a:spcBef>
+                <a:spcPct val="0"/>
+              </a:spcBef>
+              <a:spcAft>
+                <a:spcPct val="0"/>
+              </a:spcAft>
+              <a:defRPr kern="1200">
+                <a:solidFill>
+                  <a:schemeClr val="tx1"/>
+                </a:solidFill>
+                <a:latin typeface="Arial" charset="0"/>
+                <a:ea typeface="宋体" pitchFamily="2" charset="-122"/>
+                <a:cs typeface="+mn-cs"/>
+              </a:defRPr>
+            </a:lvl4pPr>
+            <a:lvl5pPr marL="1828800" algn="l" rtl="0" fontAlgn="base">
+              <a:spcBef>
+                <a:spcPct val="0"/>
+              </a:spcBef>
+              <a:spcAft>
+                <a:spcPct val="0"/>
+              </a:spcAft>
+              <a:defRPr kern="1200">
+                <a:solidFill>
+                  <a:schemeClr val="tx1"/>
+                </a:solidFill>
+                <a:latin typeface="Arial" charset="0"/>
+                <a:ea typeface="宋体" pitchFamily="2" charset="-122"/>
+                <a:cs typeface="+mn-cs"/>
+              </a:defRPr>
+            </a:lvl5pPr>
+            <a:lvl6pPr marL="2286000" algn="l" defTabSz="914400" rtl="0" eaLnBrk="1" latinLnBrk="0" hangingPunct="1">
+              <a:defRPr kern="1200">
+                <a:solidFill>
+                  <a:schemeClr val="tx1"/>
+                </a:solidFill>
+                <a:latin typeface="Arial" charset="0"/>
+                <a:ea typeface="宋体" pitchFamily="2" charset="-122"/>
+                <a:cs typeface="+mn-cs"/>
+              </a:defRPr>
+            </a:lvl6pPr>
+            <a:lvl7pPr marL="2743200" algn="l" defTabSz="914400" rtl="0" eaLnBrk="1" latinLnBrk="0" hangingPunct="1">
+              <a:defRPr kern="1200">
+                <a:solidFill>
+                  <a:schemeClr val="tx1"/>
+                </a:solidFill>
+                <a:latin typeface="Arial" charset="0"/>
+                <a:ea typeface="宋体" pitchFamily="2" charset="-122"/>
+                <a:cs typeface="+mn-cs"/>
+              </a:defRPr>
+            </a:lvl7pPr>
+            <a:lvl8pPr marL="3200400" algn="l" defTabSz="914400" rtl="0" eaLnBrk="1" latinLnBrk="0" hangingPunct="1">
+              <a:defRPr kern="1200">
+                <a:solidFill>
+                  <a:schemeClr val="tx1"/>
+                </a:solidFill>
+                <a:latin typeface="Arial" charset="0"/>
+                <a:ea typeface="宋体" pitchFamily="2" charset="-122"/>
+                <a:cs typeface="+mn-cs"/>
+              </a:defRPr>
+            </a:lvl8pPr>
+            <a:lvl9pPr marL="3657600" algn="l" defTabSz="914400" rtl="0" eaLnBrk="1" latinLnBrk="0" hangingPunct="1">
+              <a:defRPr kern="1200">
+                <a:solidFill>
+                  <a:schemeClr val="tx1"/>
+                </a:solidFill>
+                <a:latin typeface="Arial" charset="0"/>
+                <a:ea typeface="宋体" pitchFamily="2" charset="-122"/>
+                <a:cs typeface="+mn-cs"/>
+              </a:defRPr>
+            </a:lvl9pPr>
+          </a:lstStyle>
+          <a:p>
+            <a:pPr>
+              <a:defRPr/>
+            </a:pPr>
+            <a:r>
+              <a:rPr lang="en-US" altLang="zh-CN" sz="1200" dirty="0"/>
+              <a:t>107</a:t>
+            </a:r>
+            <a:r>
+              <a:rPr lang="en-US" altLang="zh-CN" sz="1200" baseline="30000" dirty="0"/>
+              <a:t>th</a:t>
+            </a:r>
+            <a:r>
+              <a:rPr lang="en-US" altLang="zh-CN" sz="1200" dirty="0"/>
+              <a:t> IETF @ Vancouver</a:t>
+            </a:r>
+          </a:p>
+        </p:txBody>
+      </p:sp>
+      <p:sp>
+        <p:nvSpPr>
+          <p:cNvPr id="7" name="Slide Number Placeholder 2">
+            <a:extLst>
+              <a:ext uri="{FF2B5EF4-FFF2-40B4-BE49-F238E27FC236}">
+                <a16:creationId xmlns:a16="http://schemas.microsoft.com/office/drawing/2014/main" id="{8D46899F-25E7-8042-9E81-459B5F041477}"/>
+              </a:ext>
+            </a:extLst>
+          </p:cNvPr>
+          <p:cNvSpPr txBox="1">
+            <a:spLocks/>
+          </p:cNvSpPr>
+          <p:nvPr/>
+        </p:nvSpPr>
+        <p:spPr>
+          <a:xfrm>
+            <a:off x="7585136" y="4666358"/>
+            <a:ext cx="1143000" cy="357188"/>
+          </a:xfrm>
+          <a:prstGeom prst="rect">
+            <a:avLst/>
+          </a:prstGeom>
+        </p:spPr>
+        <p:txBody>
+          <a:bodyPr/>
+          <a:lstStyle>
+            <a:defPPr>
+              <a:defRPr lang="zh-CN"/>
+            </a:defPPr>
+            <a:lvl1pPr algn="l" rtl="0" fontAlgn="base">
+              <a:spcBef>
+                <a:spcPct val="0"/>
+              </a:spcBef>
+              <a:spcAft>
+                <a:spcPct val="0"/>
+              </a:spcAft>
+              <a:defRPr kern="1200">
+                <a:solidFill>
+                  <a:schemeClr val="tx1"/>
+                </a:solidFill>
+                <a:latin typeface="Arial" charset="0"/>
+                <a:ea typeface="宋体" pitchFamily="2" charset="-122"/>
+                <a:cs typeface="+mn-cs"/>
+              </a:defRPr>
+            </a:lvl1pPr>
+            <a:lvl2pPr marL="457200" algn="l" rtl="0" fontAlgn="base">
+              <a:spcBef>
+                <a:spcPct val="0"/>
+              </a:spcBef>
+              <a:spcAft>
+                <a:spcPct val="0"/>
+              </a:spcAft>
+              <a:defRPr kern="1200">
+                <a:solidFill>
+                  <a:schemeClr val="tx1"/>
+                </a:solidFill>
+                <a:latin typeface="Arial" charset="0"/>
+                <a:ea typeface="宋体" pitchFamily="2" charset="-122"/>
+                <a:cs typeface="+mn-cs"/>
+              </a:defRPr>
+            </a:lvl2pPr>
+            <a:lvl3pPr marL="914400" algn="l" rtl="0" fontAlgn="base">
+              <a:spcBef>
+                <a:spcPct val="0"/>
+              </a:spcBef>
+              <a:spcAft>
+                <a:spcPct val="0"/>
+              </a:spcAft>
+              <a:defRPr kern="1200">
+                <a:solidFill>
+                  <a:schemeClr val="tx1"/>
+                </a:solidFill>
+                <a:latin typeface="Arial" charset="0"/>
+                <a:ea typeface="宋体" pitchFamily="2" charset="-122"/>
+                <a:cs typeface="+mn-cs"/>
+              </a:defRPr>
+            </a:lvl3pPr>
+            <a:lvl4pPr marL="1371600" algn="l" rtl="0" fontAlgn="base">
+              <a:spcBef>
+                <a:spcPct val="0"/>
+              </a:spcBef>
+              <a:spcAft>
+                <a:spcPct val="0"/>
+              </a:spcAft>
+              <a:defRPr kern="1200">
+                <a:solidFill>
+                  <a:schemeClr val="tx1"/>
+                </a:solidFill>
+                <a:latin typeface="Arial" charset="0"/>
+                <a:ea typeface="宋体" pitchFamily="2" charset="-122"/>
+                <a:cs typeface="+mn-cs"/>
+              </a:defRPr>
+            </a:lvl4pPr>
+            <a:lvl5pPr marL="1828800" algn="l" rtl="0" fontAlgn="base">
+              <a:spcBef>
+                <a:spcPct val="0"/>
+              </a:spcBef>
+              <a:spcAft>
+                <a:spcPct val="0"/>
+              </a:spcAft>
+              <a:defRPr kern="1200">
+                <a:solidFill>
+                  <a:schemeClr val="tx1"/>
+                </a:solidFill>
+                <a:latin typeface="Arial" charset="0"/>
+                <a:ea typeface="宋体" pitchFamily="2" charset="-122"/>
+                <a:cs typeface="+mn-cs"/>
+              </a:defRPr>
+            </a:lvl5pPr>
+            <a:lvl6pPr marL="2286000" algn="l" defTabSz="914400" rtl="0" eaLnBrk="1" latinLnBrk="0" hangingPunct="1">
+              <a:defRPr kern="1200">
+                <a:solidFill>
+                  <a:schemeClr val="tx1"/>
+                </a:solidFill>
+                <a:latin typeface="Arial" charset="0"/>
+                <a:ea typeface="宋体" pitchFamily="2" charset="-122"/>
+                <a:cs typeface="+mn-cs"/>
+              </a:defRPr>
+            </a:lvl6pPr>
+            <a:lvl7pPr marL="2743200" algn="l" defTabSz="914400" rtl="0" eaLnBrk="1" latinLnBrk="0" hangingPunct="1">
+              <a:defRPr kern="1200">
+                <a:solidFill>
+                  <a:schemeClr val="tx1"/>
+                </a:solidFill>
+                <a:latin typeface="Arial" charset="0"/>
+                <a:ea typeface="宋体" pitchFamily="2" charset="-122"/>
+                <a:cs typeface="+mn-cs"/>
+              </a:defRPr>
+            </a:lvl7pPr>
+            <a:lvl8pPr marL="3200400" algn="l" defTabSz="914400" rtl="0" eaLnBrk="1" latinLnBrk="0" hangingPunct="1">
+              <a:defRPr kern="1200">
+                <a:solidFill>
+                  <a:schemeClr val="tx1"/>
+                </a:solidFill>
+                <a:latin typeface="Arial" charset="0"/>
+                <a:ea typeface="宋体" pitchFamily="2" charset="-122"/>
+                <a:cs typeface="+mn-cs"/>
+              </a:defRPr>
+            </a:lvl8pPr>
+            <a:lvl9pPr marL="3657600" algn="l" defTabSz="914400" rtl="0" eaLnBrk="1" latinLnBrk="0" hangingPunct="1">
+              <a:defRPr kern="1200">
+                <a:solidFill>
+                  <a:schemeClr val="tx1"/>
+                </a:solidFill>
+                <a:latin typeface="Arial" charset="0"/>
+                <a:ea typeface="宋体" pitchFamily="2" charset="-122"/>
+                <a:cs typeface="+mn-cs"/>
+              </a:defRPr>
+            </a:lvl9pPr>
+          </a:lstStyle>
+          <a:p>
+            <a:pPr algn="r">
+              <a:defRPr/>
+            </a:pPr>
+            <a:fld id="{D5EE1D1A-EEC2-4D53-94A7-85D62C853479}" type="slidenum">
+              <a:rPr lang="en-US" altLang="zh-CN" sz="1400" smtClean="0">
+                <a:latin typeface="Calibri" panose="020F0502020204030204" pitchFamily="34" charset="0"/>
+                <a:cs typeface="Calibri" panose="020F0502020204030204" pitchFamily="34" charset="0"/>
+              </a:rPr>
+              <a:pPr algn="r">
+                <a:defRPr/>
+              </a:pPr>
+              <a:t>6</a:t>
+            </a:fld>
+            <a:endParaRPr lang="en-US" altLang="zh-CN" sz="1400" dirty="0">
+              <a:latin typeface="Calibri" panose="020F0502020204030204" pitchFamily="34" charset="0"/>
+              <a:cs typeface="Calibri" panose="020F0502020204030204" pitchFamily="34" charset="0"/>
+            </a:endParaRPr>
+          </a:p>
+        </p:txBody>
+      </p:sp>
+      <p:sp>
+        <p:nvSpPr>
+          <p:cNvPr id="8" name="TextBox 7">
+            <a:extLst>
+              <a:ext uri="{FF2B5EF4-FFF2-40B4-BE49-F238E27FC236}">
                 <a16:creationId xmlns:a16="http://schemas.microsoft.com/office/drawing/2014/main" id="{37CBC2EA-1BDB-8446-B97D-65F09F083354}"/>
               </a:ext>
             </a:extLst>
@@ -10264,7 +10799,7 @@
 </p:sld>
 </file>
 
-<file path=ppt/slides/slide6.xml><?xml version="1.0" encoding="utf-8"?>
+<file path=ppt/slides/slide7.xml><?xml version="1.0" encoding="utf-8"?>
 <p:sld xmlns:a="http://schemas.openxmlformats.org/drawingml/2006/main" xmlns:r="http://schemas.openxmlformats.org/officeDocument/2006/relationships" xmlns:p="http://schemas.openxmlformats.org/presentationml/2006/main">
   <p:cSld>
     <p:spTree>
@@ -10531,7 +11066,7 @@
               <a:pPr>
                 <a:defRPr/>
               </a:pPr>
-              <a:t>6</a:t>
+              <a:t>7</a:t>
             </a:fld>
             <a:endParaRPr lang="en-US" altLang="zh-CN" dirty="0"/>
           </a:p>

--- a/stamp-session-id-rev1.pptx
+++ b/stamp-session-id-rev1.pptx
@@ -5,10 +5,10 @@
     <p:sldMasterId id="2147483648" r:id="rId1"/>
   </p:sldMasterIdLst>
   <p:notesMasterIdLst>
-    <p:notesMasterId r:id="rId9"/>
+    <p:notesMasterId r:id="rId10"/>
   </p:notesMasterIdLst>
   <p:handoutMasterIdLst>
-    <p:handoutMasterId r:id="rId10"/>
+    <p:handoutMasterId r:id="rId11"/>
   </p:handoutMasterIdLst>
   <p:sldIdLst>
     <p:sldId id="1665" r:id="rId2"/>
@@ -17,7 +17,8 @@
     <p:sldId id="1664" r:id="rId5"/>
     <p:sldId id="1661" r:id="rId6"/>
     <p:sldId id="1662" r:id="rId7"/>
-    <p:sldId id="1666" r:id="rId8"/>
+    <p:sldId id="1667" r:id="rId8"/>
+    <p:sldId id="1666" r:id="rId9"/>
   </p:sldIdLst>
   <p:sldSz cx="9144000" cy="5143500" type="screen16x9"/>
   <p:notesSz cx="6858000" cy="9144000"/>
@@ -250,7 +251,7 @@
           <a:p>
             <a:fld id="{E8FA3DB5-7722-3F4F-947D-12B203669AD7}" type="datetimeFigureOut">
               <a:rPr lang="en-US" smtClean="0"/>
-              <a:t>3/10/20</a:t>
+              <a:t>3/11/20</a:t>
             </a:fld>
             <a:endParaRPr lang="en-US"/>
           </a:p>
@@ -938,7 +939,7 @@
               <a:pPr>
                 <a:defRPr/>
               </a:pPr>
-              <a:t>7</a:t>
+              <a:t>8</a:t>
             </a:fld>
             <a:endParaRPr lang="en-US" altLang="zh-CN"/>
           </a:p>
@@ -1833,7 +1834,7 @@
               </a14:hiddenLine>
             </a:ext>
             <a:ext uri="{FAA26D3D-D897-4be2-8F04-BA451C77F1D7}">
-              <ma14:placeholderFlag xmlns:ma14="http://schemas.microsoft.com/office/mac/drawingml/2011/main" xmlns="" val="1"/>
+              <ma14:placeholderFlag xmlns="" xmlns:ma14="http://schemas.microsoft.com/office/mac/drawingml/2011/main" val="1"/>
             </a:ext>
           </a:extLst>
         </p:spPr>
@@ -4574,7 +4575,7 @@
         </p:nvSpPr>
         <p:spPr>
           <a:xfrm>
-            <a:off x="381000" y="1733550"/>
+            <a:off x="381000" y="1135699"/>
             <a:ext cx="8229600" cy="1102519"/>
           </a:xfrm>
         </p:spPr>
@@ -4659,7 +4660,53 @@
                 <a:ea typeface="Calibri" charset="0"/>
                 <a:cs typeface="Calibri" panose="020F0502020204030204" pitchFamily="34" charset="0"/>
               </a:rPr>
-              <a:t>March 10, 2020</a:t>
+              <a:t>Updated: March 11, 2020</a:t>
+            </a:r>
+          </a:p>
+        </p:txBody>
+      </p:sp>
+      <p:sp>
+        <p:nvSpPr>
+          <p:cNvPr id="4" name="Rectangle 3">
+            <a:extLst>
+              <a:ext uri="{FF2B5EF4-FFF2-40B4-BE49-F238E27FC236}">
+                <a16:creationId xmlns:a16="http://schemas.microsoft.com/office/drawing/2014/main" id="{C57F6986-35E3-AD45-8FF8-332B1ABAB5F5}"/>
+              </a:ext>
+            </a:extLst>
+          </p:cNvPr>
+          <p:cNvSpPr/>
+          <p:nvPr/>
+        </p:nvSpPr>
+        <p:spPr>
+          <a:xfrm>
+            <a:off x="2732336" y="2444452"/>
+            <a:ext cx="3526928" cy="646331"/>
+          </a:xfrm>
+          <a:prstGeom prst="rect">
+            <a:avLst/>
+          </a:prstGeom>
+        </p:spPr>
+        <p:txBody>
+          <a:bodyPr wrap="none">
+            <a:spAutoFit/>
+          </a:bodyPr>
+          <a:lstStyle/>
+          <a:p>
+            <a:r>
+              <a:rPr lang="en-US" dirty="0">
+                <a:latin typeface="Calibri Light" panose="020F0302020204030204" pitchFamily="34" charset="0"/>
+                <a:cs typeface="Calibri Light" panose="020F0302020204030204" pitchFamily="34" charset="0"/>
+              </a:rPr>
+              <a:t>draft-gandhi-spring-twamp-srpm-07</a:t>
+            </a:r>
+          </a:p>
+          <a:p>
+            <a:r>
+              <a:rPr lang="en-CA" dirty="0">
+                <a:latin typeface="Calibri Light" panose="020F0302020204030204" pitchFamily="34" charset="0"/>
+                <a:cs typeface="Calibri Light" panose="020F0302020204030204" pitchFamily="34" charset="0"/>
+              </a:rPr>
+              <a:t>draft-ietf-ippm-stamp-option-tlv-03</a:t>
             </a:r>
           </a:p>
         </p:txBody>
@@ -5192,6 +5239,8 @@
                 <a:solidFill>
                   <a:schemeClr val="tx2"/>
                 </a:solidFill>
+                <a:latin typeface="Calibri" panose="020F0502020204030204" pitchFamily="34" charset="0"/>
+                <a:cs typeface="Calibri" panose="020F0502020204030204" pitchFamily="34" charset="0"/>
               </a:rPr>
               <a:t>Consistency across TWAMP Light and STAMP DM and LM messages</a:t>
             </a:r>
@@ -6491,7 +6540,7 @@
         <p:spPr>
           <a:xfrm>
             <a:off x="406707" y="3848341"/>
-            <a:ext cx="5914055" cy="461665"/>
+            <a:ext cx="5328895" cy="461665"/>
           </a:xfrm>
           <a:prstGeom prst="rect">
             <a:avLst/>
@@ -6513,6 +6562,8 @@
                 <a:solidFill>
                   <a:schemeClr val="tx2"/>
                 </a:solidFill>
+                <a:latin typeface="Calibri" panose="020F0502020204030204" pitchFamily="34" charset="0"/>
+                <a:cs typeface="Calibri" panose="020F0502020204030204" pitchFamily="34" charset="0"/>
               </a:rPr>
               <a:t>Control Code compatible with TWAMP Light message format</a:t>
             </a:r>
@@ -6527,6 +6578,8 @@
                 <a:solidFill>
                   <a:schemeClr val="tx2"/>
                 </a:solidFill>
+                <a:latin typeface="Calibri" panose="020F0502020204030204" pitchFamily="34" charset="0"/>
+                <a:cs typeface="Calibri" panose="020F0502020204030204" pitchFamily="34" charset="0"/>
               </a:rPr>
               <a:t>No change for Session ID in both message formats – STAMP and TWAMP Light</a:t>
             </a:r>
@@ -7865,6 +7918,8 @@
                 <a:solidFill>
                   <a:schemeClr val="tx2"/>
                 </a:solidFill>
+                <a:latin typeface="Calibri" panose="020F0502020204030204" pitchFamily="34" charset="0"/>
+                <a:cs typeface="Calibri" panose="020F0502020204030204" pitchFamily="34" charset="0"/>
               </a:rPr>
               <a:t>Control Code compatible with TWAMP Light message format</a:t>
             </a:r>
@@ -7879,6 +7934,8 @@
                 <a:solidFill>
                   <a:schemeClr val="tx2"/>
                 </a:solidFill>
+                <a:latin typeface="Calibri" panose="020F0502020204030204" pitchFamily="34" charset="0"/>
+                <a:cs typeface="Calibri" panose="020F0502020204030204" pitchFamily="34" charset="0"/>
               </a:rPr>
               <a:t>Session ID is 24-bit which is good</a:t>
             </a:r>
@@ -9287,7 +9344,7 @@
         <p:spPr>
           <a:xfrm>
             <a:off x="479364" y="4225112"/>
-            <a:ext cx="5141151" cy="461665"/>
+            <a:ext cx="4702441" cy="461665"/>
           </a:xfrm>
           <a:prstGeom prst="rect">
             <a:avLst/>
@@ -9309,6 +9366,8 @@
                 <a:solidFill>
                   <a:schemeClr val="tx2"/>
                 </a:solidFill>
+                <a:latin typeface="Calibri" panose="020F0502020204030204" pitchFamily="34" charset="0"/>
+                <a:cs typeface="Calibri" panose="020F0502020204030204" pitchFamily="34" charset="0"/>
               </a:rPr>
               <a:t>Control Code compatible with TWAMP Light message format</a:t>
             </a:r>
@@ -9323,6 +9382,8 @@
                 <a:solidFill>
                   <a:schemeClr val="tx2"/>
                 </a:solidFill>
+                <a:latin typeface="Calibri" panose="020F0502020204030204" pitchFamily="34" charset="0"/>
+                <a:cs typeface="Calibri" panose="020F0502020204030204" pitchFamily="34" charset="0"/>
               </a:rPr>
               <a:t>Session ID is not needed for TWAMP Light, so this option is also fine</a:t>
             </a:r>
@@ -10735,6 +10796,8 @@
                 <a:solidFill>
                   <a:schemeClr val="tx2"/>
                 </a:solidFill>
+                <a:latin typeface="Calibri" panose="020F0502020204030204" pitchFamily="34" charset="0"/>
+                <a:cs typeface="Calibri" panose="020F0502020204030204" pitchFamily="34" charset="0"/>
               </a:rPr>
               <a:t>Control Code NOT compatible with TWAMP Light message format</a:t>
             </a:r>
@@ -10749,6 +10812,8 @@
                 <a:solidFill>
                   <a:schemeClr val="tx2"/>
                 </a:solidFill>
+                <a:latin typeface="Calibri" panose="020F0502020204030204" pitchFamily="34" charset="0"/>
+                <a:cs typeface="Calibri" panose="020F0502020204030204" pitchFamily="34" charset="0"/>
               </a:rPr>
               <a:t>Session ID has only 16-bits</a:t>
             </a:r>
@@ -10763,6 +10828,8 @@
                 <a:solidFill>
                   <a:schemeClr val="tx2"/>
                 </a:solidFill>
+                <a:latin typeface="Calibri" panose="020F0502020204030204" pitchFamily="34" charset="0"/>
+                <a:cs typeface="Calibri" panose="020F0502020204030204" pitchFamily="34" charset="0"/>
               </a:rPr>
               <a:t>Message formats for TWAMP Light and STAMP diverge – TWAMP Light also needs Control Code</a:t>
             </a:r>
@@ -10777,6 +10844,8 @@
                 <a:solidFill>
                   <a:schemeClr val="tx2"/>
                 </a:solidFill>
+                <a:latin typeface="Calibri" panose="020F0502020204030204" pitchFamily="34" charset="0"/>
+                <a:cs typeface="Calibri" panose="020F0502020204030204" pitchFamily="34" charset="0"/>
               </a:rPr>
               <a:t>This option is least favorable</a:t>
             </a:r>
@@ -10800,6 +10869,468 @@
 </file>
 
 <file path=ppt/slides/slide7.xml><?xml version="1.0" encoding="utf-8"?>
+<p:sld xmlns:a="http://schemas.openxmlformats.org/drawingml/2006/main" xmlns:r="http://schemas.openxmlformats.org/officeDocument/2006/relationships" xmlns:p="http://schemas.openxmlformats.org/presentationml/2006/main">
+  <p:cSld>
+    <p:spTree>
+      <p:nvGrpSpPr>
+        <p:cNvPr id="1" name=""/>
+        <p:cNvGrpSpPr/>
+        <p:nvPr/>
+      </p:nvGrpSpPr>
+      <p:grpSpPr>
+        <a:xfrm>
+          <a:off x="0" y="0"/>
+          <a:ext cx="0" cy="0"/>
+          <a:chOff x="0" y="0"/>
+          <a:chExt cx="0" cy="0"/>
+        </a:xfrm>
+      </p:grpSpPr>
+      <p:sp>
+        <p:nvSpPr>
+          <p:cNvPr id="3" name="Title 2"/>
+          <p:cNvSpPr>
+            <a:spLocks noGrp="1"/>
+          </p:cNvSpPr>
+          <p:nvPr>
+            <p:ph type="title"/>
+          </p:nvPr>
+        </p:nvSpPr>
+        <p:spPr>
+          <a:xfrm>
+            <a:off x="641864" y="143650"/>
+            <a:ext cx="7514772" cy="706080"/>
+          </a:xfrm>
+        </p:spPr>
+        <p:txBody>
+          <a:bodyPr/>
+          <a:lstStyle/>
+          <a:p>
+            <a:pPr algn="l"/>
+            <a:r>
+              <a:rPr lang="en-US" sz="4000" dirty="0">
+                <a:solidFill>
+                  <a:srgbClr val="0070C0"/>
+                </a:solidFill>
+                <a:latin typeface="Calibri Light" panose="020F0302020204030204" pitchFamily="34" charset="0"/>
+                <a:cs typeface="Calibri Light" panose="020F0302020204030204" pitchFamily="34" charset="0"/>
+              </a:rPr>
+              <a:t>Next Steps</a:t>
+            </a:r>
+          </a:p>
+        </p:txBody>
+      </p:sp>
+      <p:sp>
+        <p:nvSpPr>
+          <p:cNvPr id="6" name="Footer Placeholder 3">
+            <a:extLst>
+              <a:ext uri="{FF2B5EF4-FFF2-40B4-BE49-F238E27FC236}">
+                <a16:creationId xmlns:a16="http://schemas.microsoft.com/office/drawing/2014/main" id="{DAAC01B7-F9FF-A94D-AC6F-E2071AD95C28}"/>
+              </a:ext>
+            </a:extLst>
+          </p:cNvPr>
+          <p:cNvSpPr txBox="1">
+            <a:spLocks/>
+          </p:cNvSpPr>
+          <p:nvPr/>
+        </p:nvSpPr>
+        <p:spPr>
+          <a:xfrm>
+            <a:off x="3467100" y="4844952"/>
+            <a:ext cx="2209800" cy="357188"/>
+          </a:xfrm>
+          <a:prstGeom prst="rect">
+            <a:avLst/>
+          </a:prstGeom>
+        </p:spPr>
+        <p:txBody>
+          <a:bodyPr/>
+          <a:lstStyle>
+            <a:defPPr>
+              <a:defRPr lang="zh-CN"/>
+            </a:defPPr>
+            <a:lvl1pPr algn="l" rtl="0" fontAlgn="base">
+              <a:spcBef>
+                <a:spcPct val="0"/>
+              </a:spcBef>
+              <a:spcAft>
+                <a:spcPct val="0"/>
+              </a:spcAft>
+              <a:defRPr kern="1200">
+                <a:solidFill>
+                  <a:schemeClr val="tx1"/>
+                </a:solidFill>
+                <a:latin typeface="Arial" charset="0"/>
+                <a:ea typeface="宋体" pitchFamily="2" charset="-122"/>
+                <a:cs typeface="+mn-cs"/>
+              </a:defRPr>
+            </a:lvl1pPr>
+            <a:lvl2pPr marL="457200" algn="l" rtl="0" fontAlgn="base">
+              <a:spcBef>
+                <a:spcPct val="0"/>
+              </a:spcBef>
+              <a:spcAft>
+                <a:spcPct val="0"/>
+              </a:spcAft>
+              <a:defRPr kern="1200">
+                <a:solidFill>
+                  <a:schemeClr val="tx1"/>
+                </a:solidFill>
+                <a:latin typeface="Arial" charset="0"/>
+                <a:ea typeface="宋体" pitchFamily="2" charset="-122"/>
+                <a:cs typeface="+mn-cs"/>
+              </a:defRPr>
+            </a:lvl2pPr>
+            <a:lvl3pPr marL="914400" algn="l" rtl="0" fontAlgn="base">
+              <a:spcBef>
+                <a:spcPct val="0"/>
+              </a:spcBef>
+              <a:spcAft>
+                <a:spcPct val="0"/>
+              </a:spcAft>
+              <a:defRPr kern="1200">
+                <a:solidFill>
+                  <a:schemeClr val="tx1"/>
+                </a:solidFill>
+                <a:latin typeface="Arial" charset="0"/>
+                <a:ea typeface="宋体" pitchFamily="2" charset="-122"/>
+                <a:cs typeface="+mn-cs"/>
+              </a:defRPr>
+            </a:lvl3pPr>
+            <a:lvl4pPr marL="1371600" algn="l" rtl="0" fontAlgn="base">
+              <a:spcBef>
+                <a:spcPct val="0"/>
+              </a:spcBef>
+              <a:spcAft>
+                <a:spcPct val="0"/>
+              </a:spcAft>
+              <a:defRPr kern="1200">
+                <a:solidFill>
+                  <a:schemeClr val="tx1"/>
+                </a:solidFill>
+                <a:latin typeface="Arial" charset="0"/>
+                <a:ea typeface="宋体" pitchFamily="2" charset="-122"/>
+                <a:cs typeface="+mn-cs"/>
+              </a:defRPr>
+            </a:lvl4pPr>
+            <a:lvl5pPr marL="1828800" algn="l" rtl="0" fontAlgn="base">
+              <a:spcBef>
+                <a:spcPct val="0"/>
+              </a:spcBef>
+              <a:spcAft>
+                <a:spcPct val="0"/>
+              </a:spcAft>
+              <a:defRPr kern="1200">
+                <a:solidFill>
+                  <a:schemeClr val="tx1"/>
+                </a:solidFill>
+                <a:latin typeface="Arial" charset="0"/>
+                <a:ea typeface="宋体" pitchFamily="2" charset="-122"/>
+                <a:cs typeface="+mn-cs"/>
+              </a:defRPr>
+            </a:lvl5pPr>
+            <a:lvl6pPr marL="2286000" algn="l" defTabSz="914400" rtl="0" eaLnBrk="1" latinLnBrk="0" hangingPunct="1">
+              <a:defRPr kern="1200">
+                <a:solidFill>
+                  <a:schemeClr val="tx1"/>
+                </a:solidFill>
+                <a:latin typeface="Arial" charset="0"/>
+                <a:ea typeface="宋体" pitchFamily="2" charset="-122"/>
+                <a:cs typeface="+mn-cs"/>
+              </a:defRPr>
+            </a:lvl6pPr>
+            <a:lvl7pPr marL="2743200" algn="l" defTabSz="914400" rtl="0" eaLnBrk="1" latinLnBrk="0" hangingPunct="1">
+              <a:defRPr kern="1200">
+                <a:solidFill>
+                  <a:schemeClr val="tx1"/>
+                </a:solidFill>
+                <a:latin typeface="Arial" charset="0"/>
+                <a:ea typeface="宋体" pitchFamily="2" charset="-122"/>
+                <a:cs typeface="+mn-cs"/>
+              </a:defRPr>
+            </a:lvl7pPr>
+            <a:lvl8pPr marL="3200400" algn="l" defTabSz="914400" rtl="0" eaLnBrk="1" latinLnBrk="0" hangingPunct="1">
+              <a:defRPr kern="1200">
+                <a:solidFill>
+                  <a:schemeClr val="tx1"/>
+                </a:solidFill>
+                <a:latin typeface="Arial" charset="0"/>
+                <a:ea typeface="宋体" pitchFamily="2" charset="-122"/>
+                <a:cs typeface="+mn-cs"/>
+              </a:defRPr>
+            </a:lvl8pPr>
+            <a:lvl9pPr marL="3657600" algn="l" defTabSz="914400" rtl="0" eaLnBrk="1" latinLnBrk="0" hangingPunct="1">
+              <a:defRPr kern="1200">
+                <a:solidFill>
+                  <a:schemeClr val="tx1"/>
+                </a:solidFill>
+                <a:latin typeface="Arial" charset="0"/>
+                <a:ea typeface="宋体" pitchFamily="2" charset="-122"/>
+                <a:cs typeface="+mn-cs"/>
+              </a:defRPr>
+            </a:lvl9pPr>
+          </a:lstStyle>
+          <a:p>
+            <a:pPr>
+              <a:defRPr/>
+            </a:pPr>
+            <a:r>
+              <a:rPr lang="en-US" altLang="zh-CN" sz="1200" dirty="0"/>
+              <a:t>107</a:t>
+            </a:r>
+            <a:r>
+              <a:rPr lang="en-US" altLang="zh-CN" sz="1200" baseline="30000" dirty="0"/>
+              <a:t>th</a:t>
+            </a:r>
+            <a:r>
+              <a:rPr lang="en-US" altLang="zh-CN" sz="1200" dirty="0"/>
+              <a:t> IETF @ Vancouver</a:t>
+            </a:r>
+          </a:p>
+        </p:txBody>
+      </p:sp>
+      <p:sp>
+        <p:nvSpPr>
+          <p:cNvPr id="7" name="Slide Number Placeholder 2">
+            <a:extLst>
+              <a:ext uri="{FF2B5EF4-FFF2-40B4-BE49-F238E27FC236}">
+                <a16:creationId xmlns:a16="http://schemas.microsoft.com/office/drawing/2014/main" id="{8D46899F-25E7-8042-9E81-459B5F041477}"/>
+              </a:ext>
+            </a:extLst>
+          </p:cNvPr>
+          <p:cNvSpPr txBox="1">
+            <a:spLocks/>
+          </p:cNvSpPr>
+          <p:nvPr/>
+        </p:nvSpPr>
+        <p:spPr>
+          <a:xfrm>
+            <a:off x="7585136" y="4666358"/>
+            <a:ext cx="1143000" cy="357188"/>
+          </a:xfrm>
+          <a:prstGeom prst="rect">
+            <a:avLst/>
+          </a:prstGeom>
+        </p:spPr>
+        <p:txBody>
+          <a:bodyPr/>
+          <a:lstStyle>
+            <a:defPPr>
+              <a:defRPr lang="zh-CN"/>
+            </a:defPPr>
+            <a:lvl1pPr algn="l" rtl="0" fontAlgn="base">
+              <a:spcBef>
+                <a:spcPct val="0"/>
+              </a:spcBef>
+              <a:spcAft>
+                <a:spcPct val="0"/>
+              </a:spcAft>
+              <a:defRPr kern="1200">
+                <a:solidFill>
+                  <a:schemeClr val="tx1"/>
+                </a:solidFill>
+                <a:latin typeface="Arial" charset="0"/>
+                <a:ea typeface="宋体" pitchFamily="2" charset="-122"/>
+                <a:cs typeface="+mn-cs"/>
+              </a:defRPr>
+            </a:lvl1pPr>
+            <a:lvl2pPr marL="457200" algn="l" rtl="0" fontAlgn="base">
+              <a:spcBef>
+                <a:spcPct val="0"/>
+              </a:spcBef>
+              <a:spcAft>
+                <a:spcPct val="0"/>
+              </a:spcAft>
+              <a:defRPr kern="1200">
+                <a:solidFill>
+                  <a:schemeClr val="tx1"/>
+                </a:solidFill>
+                <a:latin typeface="Arial" charset="0"/>
+                <a:ea typeface="宋体" pitchFamily="2" charset="-122"/>
+                <a:cs typeface="+mn-cs"/>
+              </a:defRPr>
+            </a:lvl2pPr>
+            <a:lvl3pPr marL="914400" algn="l" rtl="0" fontAlgn="base">
+              <a:spcBef>
+                <a:spcPct val="0"/>
+              </a:spcBef>
+              <a:spcAft>
+                <a:spcPct val="0"/>
+              </a:spcAft>
+              <a:defRPr kern="1200">
+                <a:solidFill>
+                  <a:schemeClr val="tx1"/>
+                </a:solidFill>
+                <a:latin typeface="Arial" charset="0"/>
+                <a:ea typeface="宋体" pitchFamily="2" charset="-122"/>
+                <a:cs typeface="+mn-cs"/>
+              </a:defRPr>
+            </a:lvl3pPr>
+            <a:lvl4pPr marL="1371600" algn="l" rtl="0" fontAlgn="base">
+              <a:spcBef>
+                <a:spcPct val="0"/>
+              </a:spcBef>
+              <a:spcAft>
+                <a:spcPct val="0"/>
+              </a:spcAft>
+              <a:defRPr kern="1200">
+                <a:solidFill>
+                  <a:schemeClr val="tx1"/>
+                </a:solidFill>
+                <a:latin typeface="Arial" charset="0"/>
+                <a:ea typeface="宋体" pitchFamily="2" charset="-122"/>
+                <a:cs typeface="+mn-cs"/>
+              </a:defRPr>
+            </a:lvl4pPr>
+            <a:lvl5pPr marL="1828800" algn="l" rtl="0" fontAlgn="base">
+              <a:spcBef>
+                <a:spcPct val="0"/>
+              </a:spcBef>
+              <a:spcAft>
+                <a:spcPct val="0"/>
+              </a:spcAft>
+              <a:defRPr kern="1200">
+                <a:solidFill>
+                  <a:schemeClr val="tx1"/>
+                </a:solidFill>
+                <a:latin typeface="Arial" charset="0"/>
+                <a:ea typeface="宋体" pitchFamily="2" charset="-122"/>
+                <a:cs typeface="+mn-cs"/>
+              </a:defRPr>
+            </a:lvl5pPr>
+            <a:lvl6pPr marL="2286000" algn="l" defTabSz="914400" rtl="0" eaLnBrk="1" latinLnBrk="0" hangingPunct="1">
+              <a:defRPr kern="1200">
+                <a:solidFill>
+                  <a:schemeClr val="tx1"/>
+                </a:solidFill>
+                <a:latin typeface="Arial" charset="0"/>
+                <a:ea typeface="宋体" pitchFamily="2" charset="-122"/>
+                <a:cs typeface="+mn-cs"/>
+              </a:defRPr>
+            </a:lvl6pPr>
+            <a:lvl7pPr marL="2743200" algn="l" defTabSz="914400" rtl="0" eaLnBrk="1" latinLnBrk="0" hangingPunct="1">
+              <a:defRPr kern="1200">
+                <a:solidFill>
+                  <a:schemeClr val="tx1"/>
+                </a:solidFill>
+                <a:latin typeface="Arial" charset="0"/>
+                <a:ea typeface="宋体" pitchFamily="2" charset="-122"/>
+                <a:cs typeface="+mn-cs"/>
+              </a:defRPr>
+            </a:lvl7pPr>
+            <a:lvl8pPr marL="3200400" algn="l" defTabSz="914400" rtl="0" eaLnBrk="1" latinLnBrk="0" hangingPunct="1">
+              <a:defRPr kern="1200">
+                <a:solidFill>
+                  <a:schemeClr val="tx1"/>
+                </a:solidFill>
+                <a:latin typeface="Arial" charset="0"/>
+                <a:ea typeface="宋体" pitchFamily="2" charset="-122"/>
+                <a:cs typeface="+mn-cs"/>
+              </a:defRPr>
+            </a:lvl8pPr>
+            <a:lvl9pPr marL="3657600" algn="l" defTabSz="914400" rtl="0" eaLnBrk="1" latinLnBrk="0" hangingPunct="1">
+              <a:defRPr kern="1200">
+                <a:solidFill>
+                  <a:schemeClr val="tx1"/>
+                </a:solidFill>
+                <a:latin typeface="Arial" charset="0"/>
+                <a:ea typeface="宋体" pitchFamily="2" charset="-122"/>
+                <a:cs typeface="+mn-cs"/>
+              </a:defRPr>
+            </a:lvl9pPr>
+          </a:lstStyle>
+          <a:p>
+            <a:pPr algn="r">
+              <a:defRPr/>
+            </a:pPr>
+            <a:fld id="{D5EE1D1A-EEC2-4D53-94A7-85D62C853479}" type="slidenum">
+              <a:rPr lang="en-US" altLang="zh-CN" sz="1400" smtClean="0">
+                <a:latin typeface="Calibri" panose="020F0502020204030204" pitchFamily="34" charset="0"/>
+                <a:cs typeface="Calibri" panose="020F0502020204030204" pitchFamily="34" charset="0"/>
+              </a:rPr>
+              <a:pPr algn="r">
+                <a:defRPr/>
+              </a:pPr>
+              <a:t>7</a:t>
+            </a:fld>
+            <a:endParaRPr lang="en-US" altLang="zh-CN" sz="1400" dirty="0">
+              <a:latin typeface="Calibri" panose="020F0502020204030204" pitchFamily="34" charset="0"/>
+              <a:cs typeface="Calibri" panose="020F0502020204030204" pitchFamily="34" charset="0"/>
+            </a:endParaRPr>
+          </a:p>
+        </p:txBody>
+      </p:sp>
+      <p:sp>
+        <p:nvSpPr>
+          <p:cNvPr id="10" name="Text Placeholder 1">
+            <a:extLst>
+              <a:ext uri="{FF2B5EF4-FFF2-40B4-BE49-F238E27FC236}">
+                <a16:creationId xmlns:a16="http://schemas.microsoft.com/office/drawing/2014/main" id="{F92F1DD9-66C5-0245-B7E6-21453FB41030}"/>
+              </a:ext>
+            </a:extLst>
+          </p:cNvPr>
+          <p:cNvSpPr>
+            <a:spLocks noGrp="1"/>
+          </p:cNvSpPr>
+          <p:nvPr>
+            <p:ph type="body" sz="quarter" idx="10"/>
+          </p:nvPr>
+        </p:nvSpPr>
+        <p:spPr>
+          <a:xfrm>
+            <a:off x="450792" y="987645"/>
+            <a:ext cx="8277344" cy="3168210"/>
+          </a:xfrm>
+        </p:spPr>
+        <p:txBody>
+          <a:bodyPr/>
+          <a:lstStyle/>
+          <a:p>
+            <a:r>
+              <a:rPr lang="en-US" dirty="0">
+                <a:latin typeface="Calibri" panose="020F0502020204030204" pitchFamily="34" charset="0"/>
+                <a:cs typeface="Calibri" panose="020F0502020204030204" pitchFamily="34" charset="0"/>
+              </a:rPr>
+              <a:t>Converge on an option suitable for both TWAMP Light and STAMP</a:t>
+            </a:r>
+          </a:p>
+          <a:p>
+            <a:pPr lvl="1"/>
+            <a:r>
+              <a:rPr lang="en-US" sz="2000" dirty="0">
+                <a:latin typeface="Calibri" panose="020F0502020204030204" pitchFamily="34" charset="0"/>
+                <a:cs typeface="Calibri" panose="020F0502020204030204" pitchFamily="34" charset="0"/>
+              </a:rPr>
+              <a:t>Keep the two message formats compatible as much as possible (excluding trailing padding)</a:t>
+            </a:r>
+          </a:p>
+          <a:p>
+            <a:r>
+              <a:rPr lang="en-US" dirty="0">
+                <a:latin typeface="Calibri" panose="020F0502020204030204" pitchFamily="34" charset="0"/>
+                <a:cs typeface="Calibri" panose="020F0502020204030204" pitchFamily="34" charset="0"/>
+              </a:rPr>
+              <a:t>Update both drafts with agreed option</a:t>
+            </a:r>
+          </a:p>
+        </p:txBody>
+      </p:sp>
+    </p:spTree>
+    <p:extLst>
+      <p:ext uri="{BB962C8B-B14F-4D97-AF65-F5344CB8AC3E}">
+        <p14:creationId xmlns:p14="http://schemas.microsoft.com/office/powerpoint/2010/main" val="2764242513"/>
+      </p:ext>
+    </p:extLst>
+  </p:cSld>
+  <p:clrMapOvr>
+    <a:masterClrMapping/>
+  </p:clrMapOvr>
+  <p:transition spd="med">
+    <p:fade/>
+  </p:transition>
+</p:sld>
+</file>
+
+<file path=ppt/slides/slide8.xml><?xml version="1.0" encoding="utf-8"?>
 <p:sld xmlns:a="http://schemas.openxmlformats.org/drawingml/2006/main" xmlns:r="http://schemas.openxmlformats.org/officeDocument/2006/relationships" xmlns:p="http://schemas.openxmlformats.org/presentationml/2006/main">
   <p:cSld>
     <p:spTree>
@@ -11066,7 +11597,7 @@
               <a:pPr>
                 <a:defRPr/>
               </a:pPr>
-              <a:t>7</a:t>
+              <a:t>8</a:t>
             </a:fld>
             <a:endParaRPr lang="en-US" altLang="zh-CN" dirty="0"/>
           </a:p>
